--- a/PyFAANG Slides.pptx
+++ b/PyFAANG Slides.pptx
@@ -3487,7 +3487,7 @@
           <a:p>
             <a:fld id="{F1E43193-3029-F642-90EF-548B8EF63C6A}" type="datetimeFigureOut">
               <a:rPr lang="en-US" smtClean="0"/>
-              <a:t>7/7/23</a:t>
+              <a:t>7/20/23</a:t>
             </a:fld>
             <a:endParaRPr lang="en-US"/>
           </a:p>
@@ -3976,10 +3976,7 @@
           <a:bodyPr/>
           <a:lstStyle/>
           <a:p>
-            <a:r>
-              <a:rPr lang="en-US" dirty="0"/>
-              <a:t>Add logo?</a:t>
-            </a:r>
+            <a:endParaRPr lang="en-US" dirty="0"/>
           </a:p>
         </p:txBody>
       </p:sp>
@@ -4062,16 +4059,6 @@
         <p:txBody>
           <a:bodyPr/>
           <a:lstStyle/>
-          <a:p>
-            <a:pPr marL="171450" indent="-171450">
-              <a:buFontTx/>
-              <a:buChar char="-"/>
-            </a:pPr>
-            <a:r>
-              <a:rPr lang="en-US" dirty="0"/>
-              <a:t>Add logo?</a:t>
-            </a:r>
-          </a:p>
           <a:p>
             <a:pPr marL="171450" indent="-171450">
               <a:buFontTx/>
@@ -5132,7 +5119,7 @@
           <a:p>
             <a:fld id="{72345051-2045-45DA-935E-2E3CA1A69ADC}" type="datetimeFigureOut">
               <a:rPr lang="en-US" smtClean="0"/>
-              <a:t>7/7/23</a:t>
+              <a:t>7/20/23</a:t>
             </a:fld>
             <a:endParaRPr lang="en-US" dirty="0"/>
           </a:p>
@@ -5330,7 +5317,7 @@
           <a:p>
             <a:fld id="{72345051-2045-45DA-935E-2E3CA1A69ADC}" type="datetimeFigureOut">
               <a:rPr lang="en-US" smtClean="0"/>
-              <a:t>7/7/23</a:t>
+              <a:t>7/20/23</a:t>
             </a:fld>
             <a:endParaRPr lang="en-US"/>
           </a:p>
@@ -5538,7 +5525,7 @@
           <a:p>
             <a:fld id="{72345051-2045-45DA-935E-2E3CA1A69ADC}" type="datetimeFigureOut">
               <a:rPr lang="en-US" smtClean="0"/>
-              <a:t>7/7/23</a:t>
+              <a:t>7/20/23</a:t>
             </a:fld>
             <a:endParaRPr lang="en-US"/>
           </a:p>
@@ -5760,7 +5747,7 @@
           <a:p>
             <a:fld id="{72345051-2045-45DA-935E-2E3CA1A69ADC}" type="datetimeFigureOut">
               <a:rPr lang="en-US" smtClean="0"/>
-              <a:t>7/7/23</a:t>
+              <a:t>7/20/23</a:t>
             </a:fld>
             <a:endParaRPr lang="en-US"/>
           </a:p>
@@ -6671,7 +6658,7 @@
           <a:p>
             <a:fld id="{72345051-2045-45DA-935E-2E3CA1A69ADC}" type="datetimeFigureOut">
               <a:rPr lang="en-US" smtClean="0"/>
-              <a:t>7/7/23</a:t>
+              <a:t>7/20/23</a:t>
             </a:fld>
             <a:endParaRPr lang="en-US"/>
           </a:p>
@@ -7274,7 +7261,7 @@
           <a:p>
             <a:fld id="{72345051-2045-45DA-935E-2E3CA1A69ADC}" type="datetimeFigureOut">
               <a:rPr lang="en-US" smtClean="0"/>
-              <a:t>7/7/23</a:t>
+              <a:t>7/20/23</a:t>
             </a:fld>
             <a:endParaRPr lang="en-US"/>
           </a:p>
@@ -8322,7 +8309,7 @@
           <a:p>
             <a:fld id="{72345051-2045-45DA-935E-2E3CA1A69ADC}" type="datetimeFigureOut">
               <a:rPr lang="en-US" smtClean="0"/>
-              <a:t>7/7/23</a:t>
+              <a:t>7/20/23</a:t>
             </a:fld>
             <a:endParaRPr lang="en-US"/>
           </a:p>
@@ -9106,7 +9093,7 @@
           <a:p>
             <a:fld id="{72345051-2045-45DA-935E-2E3CA1A69ADC}" type="datetimeFigureOut">
               <a:rPr lang="en-US" smtClean="0"/>
-              <a:t>7/7/23</a:t>
+              <a:t>7/20/23</a:t>
             </a:fld>
             <a:endParaRPr lang="en-US"/>
           </a:p>
@@ -9555,7 +9542,7 @@
           <a:p>
             <a:fld id="{72345051-2045-45DA-935E-2E3CA1A69ADC}" type="datetimeFigureOut">
               <a:rPr lang="en-US" smtClean="0"/>
-              <a:t>7/7/23</a:t>
+              <a:t>7/20/23</a:t>
             </a:fld>
             <a:endParaRPr lang="en-US"/>
           </a:p>
@@ -9872,7 +9859,7 @@
           <a:p>
             <a:fld id="{72345051-2045-45DA-935E-2E3CA1A69ADC}" type="datetimeFigureOut">
               <a:rPr lang="en-US" smtClean="0"/>
-              <a:t>7/7/23</a:t>
+              <a:t>7/20/23</a:t>
             </a:fld>
             <a:endParaRPr lang="en-US"/>
           </a:p>
@@ -10500,7 +10487,7 @@
           <a:p>
             <a:fld id="{72345051-2045-45DA-935E-2E3CA1A69ADC}" type="datetimeFigureOut">
               <a:rPr lang="en-US" smtClean="0"/>
-              <a:t>7/7/23</a:t>
+              <a:t>7/20/23</a:t>
             </a:fld>
             <a:endParaRPr lang="en-US"/>
           </a:p>
@@ -11073,7 +11060,7 @@
           <a:p>
             <a:fld id="{72345051-2045-45DA-935E-2E3CA1A69ADC}" type="datetimeFigureOut">
               <a:rPr lang="en-US" smtClean="0"/>
-              <a:t>7/7/23</a:t>
+              <a:t>7/20/23</a:t>
             </a:fld>
             <a:endParaRPr lang="en-US" dirty="0"/>
           </a:p>

--- a/PyFAANG Slides.pptx
+++ b/PyFAANG Slides.pptx
@@ -5,7 +5,7 @@
     <p:sldMasterId id="2147483823" r:id="rId1"/>
   </p:sldMasterIdLst>
   <p:notesMasterIdLst>
-    <p:notesMasterId r:id="rId20"/>
+    <p:notesMasterId r:id="rId21"/>
   </p:notesMasterIdLst>
   <p:sldIdLst>
     <p:sldId id="256" r:id="rId2"/>
@@ -26,6 +26,7 @@
     <p:sldId id="269" r:id="rId17"/>
     <p:sldId id="277" r:id="rId18"/>
     <p:sldId id="278" r:id="rId19"/>
+    <p:sldId id="281" r:id="rId20"/>
   </p:sldIdLst>
   <p:sldSz cx="12192000" cy="6858000"/>
   <p:notesSz cx="6858000" cy="9144000"/>
@@ -3487,7 +3488,7 @@
           <a:p>
             <a:fld id="{F1E43193-3029-F642-90EF-548B8EF63C6A}" type="datetimeFigureOut">
               <a:rPr lang="en-US" smtClean="0"/>
-              <a:t>7/20/23</a:t>
+              <a:t>7/23/23</a:t>
             </a:fld>
             <a:endParaRPr lang="en-US"/>
           </a:p>
@@ -3806,7 +3807,7 @@
                 <a:effectLst/>
                 <a:latin typeface="Söhne"/>
               </a:rPr>
-              <a:t>- adjusted close prices accounting for stock splits, dividends, and other corporate actions. </a:t>
+              <a:t>- it accounting for stock splits, dividends, and other corporate actions. </a:t>
             </a:r>
             <a:endParaRPr lang="en-US" dirty="0"/>
           </a:p>
@@ -3892,7 +3893,285 @@
           <a:bodyPr/>
           <a:lstStyle/>
           <a:p>
+            <a:r>
+              <a:rPr lang="en-US" dirty="0"/>
+              <a:t>we can see that during covid </a:t>
+            </a:r>
+            <a:r>
+              <a:rPr lang="en-US" dirty="0" err="1"/>
+              <a:t>netflix</a:t>
+            </a:r>
+            <a:r>
+              <a:rPr lang="en-US" dirty="0"/>
+              <a:t> holds strong- point out</a:t>
+            </a:r>
+          </a:p>
+        </p:txBody>
+      </p:sp>
+      <p:sp>
+        <p:nvSpPr>
+          <p:cNvPr id="4" name="Slide Number Placeholder 3"/>
+          <p:cNvSpPr>
+            <a:spLocks noGrp="1"/>
+          </p:cNvSpPr>
+          <p:nvPr>
+            <p:ph type="sldNum" sz="quarter" idx="5"/>
+          </p:nvPr>
+        </p:nvSpPr>
+        <p:spPr/>
+        <p:txBody>
+          <a:bodyPr/>
+          <a:lstStyle/>
+          <a:p>
+            <a:fld id="{8EFDE9E4-1236-D24B-A118-9F0833B0F237}" type="slidenum">
+              <a:rPr lang="en-US" smtClean="0"/>
+              <a:t>13</a:t>
+            </a:fld>
+            <a:endParaRPr lang="en-US"/>
+          </a:p>
+        </p:txBody>
+      </p:sp>
+    </p:spTree>
+    <p:extLst>
+      <p:ext uri="{BB962C8B-B14F-4D97-AF65-F5344CB8AC3E}">
+        <p14:creationId xmlns:p14="http://schemas.microsoft.com/office/powerpoint/2010/main" val="3989583716"/>
+      </p:ext>
+    </p:extLst>
+  </p:cSld>
+  <p:clrMapOvr>
+    <a:masterClrMapping/>
+  </p:clrMapOvr>
+</p:notes>
+</file>
+
+<file path=ppt/notesSlides/notesSlide11.xml><?xml version="1.0" encoding="utf-8"?>
+<p:notes xmlns:a="http://schemas.openxmlformats.org/drawingml/2006/main" xmlns:r="http://schemas.openxmlformats.org/officeDocument/2006/relationships" xmlns:p="http://schemas.openxmlformats.org/presentationml/2006/main">
+  <p:cSld>
+    <p:spTree>
+      <p:nvGrpSpPr>
+        <p:cNvPr id="1" name=""/>
+        <p:cNvGrpSpPr/>
+        <p:nvPr/>
+      </p:nvGrpSpPr>
+      <p:grpSpPr>
+        <a:xfrm>
+          <a:off x="0" y="0"/>
+          <a:ext cx="0" cy="0"/>
+          <a:chOff x="0" y="0"/>
+          <a:chExt cx="0" cy="0"/>
+        </a:xfrm>
+      </p:grpSpPr>
+      <p:sp>
+        <p:nvSpPr>
+          <p:cNvPr id="2" name="Slide Image Placeholder 1"/>
+          <p:cNvSpPr>
+            <a:spLocks noGrp="1" noRot="1" noChangeAspect="1"/>
+          </p:cNvSpPr>
+          <p:nvPr>
+            <p:ph type="sldImg"/>
+          </p:nvPr>
+        </p:nvSpPr>
+        <p:spPr/>
+      </p:sp>
+      <p:sp>
+        <p:nvSpPr>
+          <p:cNvPr id="3" name="Notes Placeholder 2"/>
+          <p:cNvSpPr>
+            <a:spLocks noGrp="1"/>
+          </p:cNvSpPr>
+          <p:nvPr>
+            <p:ph type="body" idx="1"/>
+          </p:nvPr>
+        </p:nvSpPr>
+        <p:spPr/>
+        <p:txBody>
+          <a:bodyPr/>
+          <a:lstStyle/>
+          <a:p>
             <a:endParaRPr lang="en-US" dirty="0"/>
+          </a:p>
+        </p:txBody>
+      </p:sp>
+      <p:sp>
+        <p:nvSpPr>
+          <p:cNvPr id="4" name="Slide Number Placeholder 3"/>
+          <p:cNvSpPr>
+            <a:spLocks noGrp="1"/>
+          </p:cNvSpPr>
+          <p:nvPr>
+            <p:ph type="sldNum" sz="quarter" idx="5"/>
+          </p:nvPr>
+        </p:nvSpPr>
+        <p:spPr/>
+        <p:txBody>
+          <a:bodyPr/>
+          <a:lstStyle/>
+          <a:p>
+            <a:fld id="{8EFDE9E4-1236-D24B-A118-9F0833B0F237}" type="slidenum">
+              <a:rPr lang="en-US" smtClean="0"/>
+              <a:t>14</a:t>
+            </a:fld>
+            <a:endParaRPr lang="en-US"/>
+          </a:p>
+        </p:txBody>
+      </p:sp>
+    </p:spTree>
+    <p:extLst>
+      <p:ext uri="{BB962C8B-B14F-4D97-AF65-F5344CB8AC3E}">
+        <p14:creationId xmlns:p14="http://schemas.microsoft.com/office/powerpoint/2010/main" val="66244503"/>
+      </p:ext>
+    </p:extLst>
+  </p:cSld>
+  <p:clrMapOvr>
+    <a:masterClrMapping/>
+  </p:clrMapOvr>
+</p:notes>
+</file>
+
+<file path=ppt/notesSlides/notesSlide12.xml><?xml version="1.0" encoding="utf-8"?>
+<p:notes xmlns:a="http://schemas.openxmlformats.org/drawingml/2006/main" xmlns:r="http://schemas.openxmlformats.org/officeDocument/2006/relationships" xmlns:p="http://schemas.openxmlformats.org/presentationml/2006/main">
+  <p:cSld>
+    <p:spTree>
+      <p:nvGrpSpPr>
+        <p:cNvPr id="1" name=""/>
+        <p:cNvGrpSpPr/>
+        <p:nvPr/>
+      </p:nvGrpSpPr>
+      <p:grpSpPr>
+        <a:xfrm>
+          <a:off x="0" y="0"/>
+          <a:ext cx="0" cy="0"/>
+          <a:chOff x="0" y="0"/>
+          <a:chExt cx="0" cy="0"/>
+        </a:xfrm>
+      </p:grpSpPr>
+      <p:sp>
+        <p:nvSpPr>
+          <p:cNvPr id="2" name="Slide Image Placeholder 1"/>
+          <p:cNvSpPr>
+            <a:spLocks noGrp="1" noRot="1" noChangeAspect="1"/>
+          </p:cNvSpPr>
+          <p:nvPr>
+            <p:ph type="sldImg"/>
+          </p:nvPr>
+        </p:nvSpPr>
+        <p:spPr/>
+      </p:sp>
+      <p:sp>
+        <p:nvSpPr>
+          <p:cNvPr id="3" name="Notes Placeholder 2"/>
+          <p:cNvSpPr>
+            <a:spLocks noGrp="1"/>
+          </p:cNvSpPr>
+          <p:nvPr>
+            <p:ph type="body" idx="1"/>
+          </p:nvPr>
+        </p:nvSpPr>
+        <p:spPr/>
+        <p:txBody>
+          <a:bodyPr/>
+          <a:lstStyle/>
+          <a:p>
+            <a:r>
+              <a:rPr lang="en-US" dirty="0"/>
+              <a:t>However, Netflix showed a remarkable increase from 2018 to 2021, outperforming the US market. In 2022, the stock price began to decline, indicating mean reversion.</a:t>
+            </a:r>
+          </a:p>
+        </p:txBody>
+      </p:sp>
+      <p:sp>
+        <p:nvSpPr>
+          <p:cNvPr id="4" name="Slide Number Placeholder 3"/>
+          <p:cNvSpPr>
+            <a:spLocks noGrp="1"/>
+          </p:cNvSpPr>
+          <p:nvPr>
+            <p:ph type="sldNum" sz="quarter" idx="5"/>
+          </p:nvPr>
+        </p:nvSpPr>
+        <p:spPr/>
+        <p:txBody>
+          <a:bodyPr/>
+          <a:lstStyle/>
+          <a:p>
+            <a:fld id="{8EFDE9E4-1236-D24B-A118-9F0833B0F237}" type="slidenum">
+              <a:rPr lang="en-US" smtClean="0"/>
+              <a:t>16</a:t>
+            </a:fld>
+            <a:endParaRPr lang="en-US"/>
+          </a:p>
+        </p:txBody>
+      </p:sp>
+    </p:spTree>
+    <p:extLst>
+      <p:ext uri="{BB962C8B-B14F-4D97-AF65-F5344CB8AC3E}">
+        <p14:creationId xmlns:p14="http://schemas.microsoft.com/office/powerpoint/2010/main" val="2781595643"/>
+      </p:ext>
+    </p:extLst>
+  </p:cSld>
+  <p:clrMapOvr>
+    <a:masterClrMapping/>
+  </p:clrMapOvr>
+</p:notes>
+</file>
+
+<file path=ppt/notesSlides/notesSlide13.xml><?xml version="1.0" encoding="utf-8"?>
+<p:notes xmlns:a="http://schemas.openxmlformats.org/drawingml/2006/main" xmlns:r="http://schemas.openxmlformats.org/officeDocument/2006/relationships" xmlns:p="http://schemas.openxmlformats.org/presentationml/2006/main">
+  <p:cSld>
+    <p:spTree>
+      <p:nvGrpSpPr>
+        <p:cNvPr id="1" name=""/>
+        <p:cNvGrpSpPr/>
+        <p:nvPr/>
+      </p:nvGrpSpPr>
+      <p:grpSpPr>
+        <a:xfrm>
+          <a:off x="0" y="0"/>
+          <a:ext cx="0" cy="0"/>
+          <a:chOff x="0" y="0"/>
+          <a:chExt cx="0" cy="0"/>
+        </a:xfrm>
+      </p:grpSpPr>
+      <p:sp>
+        <p:nvSpPr>
+          <p:cNvPr id="2" name="Slide Image Placeholder 1"/>
+          <p:cNvSpPr>
+            <a:spLocks noGrp="1" noRot="1" noChangeAspect="1"/>
+          </p:cNvSpPr>
+          <p:nvPr>
+            <p:ph type="sldImg"/>
+          </p:nvPr>
+        </p:nvSpPr>
+        <p:spPr/>
+      </p:sp>
+      <p:sp>
+        <p:nvSpPr>
+          <p:cNvPr id="3" name="Notes Placeholder 2"/>
+          <p:cNvSpPr>
+            <a:spLocks noGrp="1"/>
+          </p:cNvSpPr>
+          <p:nvPr>
+            <p:ph type="body" idx="1"/>
+          </p:nvPr>
+        </p:nvSpPr>
+        <p:spPr/>
+        <p:txBody>
+          <a:bodyPr/>
+          <a:lstStyle/>
+          <a:p>
+            <a:r>
+              <a:rPr lang="en-US" dirty="0"/>
+              <a:t>the is a pairwise correlation heatmap of FAANG company and sp500 stock price. </a:t>
+            </a:r>
+          </a:p>
+          <a:p>
+            <a:endParaRPr lang="en-US" dirty="0"/>
+          </a:p>
+          <a:p>
+            <a:r>
+              <a:rPr lang="en-US" dirty="0"/>
+              <a:t>since FAANG company are part of the S&amp;P 500 index, here we use the correlation heat map to disentangle the effect of FAANG company on the S&amp;P 500 index and also the correlation among them.</a:t>
+            </a:r>
           </a:p>
         </p:txBody>
       </p:sp>
@@ -3923,6 +4202,101 @@
     <p:extLst>
       <p:ext uri="{BB962C8B-B14F-4D97-AF65-F5344CB8AC3E}">
         <p14:creationId xmlns:p14="http://schemas.microsoft.com/office/powerpoint/2010/main" val="3714293708"/>
+      </p:ext>
+    </p:extLst>
+  </p:cSld>
+  <p:clrMapOvr>
+    <a:masterClrMapping/>
+  </p:clrMapOvr>
+</p:notes>
+</file>
+
+<file path=ppt/notesSlides/notesSlide14.xml><?xml version="1.0" encoding="utf-8"?>
+<p:notes xmlns:a="http://schemas.openxmlformats.org/drawingml/2006/main" xmlns:r="http://schemas.openxmlformats.org/officeDocument/2006/relationships" xmlns:p="http://schemas.openxmlformats.org/presentationml/2006/main">
+  <p:cSld>
+    <p:spTree>
+      <p:nvGrpSpPr>
+        <p:cNvPr id="1" name=""/>
+        <p:cNvGrpSpPr/>
+        <p:nvPr/>
+      </p:nvGrpSpPr>
+      <p:grpSpPr>
+        <a:xfrm>
+          <a:off x="0" y="0"/>
+          <a:ext cx="0" cy="0"/>
+          <a:chOff x="0" y="0"/>
+          <a:chExt cx="0" cy="0"/>
+        </a:xfrm>
+      </p:grpSpPr>
+      <p:sp>
+        <p:nvSpPr>
+          <p:cNvPr id="2" name="Slide Image Placeholder 1"/>
+          <p:cNvSpPr>
+            <a:spLocks noGrp="1" noRot="1" noChangeAspect="1"/>
+          </p:cNvSpPr>
+          <p:nvPr>
+            <p:ph type="sldImg"/>
+          </p:nvPr>
+        </p:nvSpPr>
+        <p:spPr/>
+      </p:sp>
+      <p:sp>
+        <p:nvSpPr>
+          <p:cNvPr id="3" name="Notes Placeholder 2"/>
+          <p:cNvSpPr>
+            <a:spLocks noGrp="1"/>
+          </p:cNvSpPr>
+          <p:nvPr>
+            <p:ph type="body" idx="1"/>
+          </p:nvPr>
+        </p:nvSpPr>
+        <p:spPr/>
+        <p:txBody>
+          <a:bodyPr/>
+          <a:lstStyle/>
+          <a:p>
+            <a:r>
+              <a:rPr lang="en-US" dirty="0"/>
+              <a:t>based on all the data </a:t>
+            </a:r>
+            <a:r>
+              <a:rPr lang="en-US" dirty="0" err="1"/>
+              <a:t>i</a:t>
+            </a:r>
+            <a:r>
+              <a:rPr lang="en-US" dirty="0"/>
+              <a:t> mentioned above, we can conclude that first, </a:t>
+            </a:r>
+          </a:p>
+        </p:txBody>
+      </p:sp>
+      <p:sp>
+        <p:nvSpPr>
+          <p:cNvPr id="4" name="Slide Number Placeholder 3"/>
+          <p:cNvSpPr>
+            <a:spLocks noGrp="1"/>
+          </p:cNvSpPr>
+          <p:nvPr>
+            <p:ph type="sldNum" sz="quarter" idx="5"/>
+          </p:nvPr>
+        </p:nvSpPr>
+        <p:spPr/>
+        <p:txBody>
+          <a:bodyPr/>
+          <a:lstStyle/>
+          <a:p>
+            <a:fld id="{8EFDE9E4-1236-D24B-A118-9F0833B0F237}" type="slidenum">
+              <a:rPr lang="en-US" smtClean="0"/>
+              <a:t>18</a:t>
+            </a:fld>
+            <a:endParaRPr lang="en-US"/>
+          </a:p>
+        </p:txBody>
+      </p:sp>
+    </p:spTree>
+    <p:extLst>
+      <p:ext uri="{BB962C8B-B14F-4D97-AF65-F5344CB8AC3E}">
+        <p14:creationId xmlns:p14="http://schemas.microsoft.com/office/powerpoint/2010/main" val="2987858306"/>
       </p:ext>
     </p:extLst>
   </p:cSld>
@@ -3976,7 +4350,10 @@
           <a:bodyPr/>
           <a:lstStyle/>
           <a:p>
-            <a:endParaRPr lang="en-US" dirty="0"/>
+            <a:r>
+              <a:rPr lang="en-US" dirty="0"/>
+              <a:t>the 10-year period</a:t>
+            </a:r>
           </a:p>
         </p:txBody>
       </p:sp>
@@ -4161,7 +4538,18 @@
           <a:bodyPr/>
           <a:lstStyle/>
           <a:p>
-            <a:endParaRPr lang="en-US" dirty="0"/>
+            <a:r>
+              <a:rPr lang="en-US" dirty="0"/>
+              <a:t>we </a:t>
+            </a:r>
+            <a:r>
+              <a:rPr lang="en-US" dirty="0" err="1"/>
+              <a:t>goona</a:t>
+            </a:r>
+            <a:r>
+              <a:rPr lang="en-US" dirty="0"/>
+              <a:t> highlight the impact </a:t>
+            </a:r>
           </a:p>
         </p:txBody>
       </p:sp>
@@ -4182,7 +4570,7 @@
           <a:p>
             <a:fld id="{8EFDE9E4-1236-D24B-A118-9F0833B0F237}" type="slidenum">
               <a:rPr lang="en-US" smtClean="0"/>
-              <a:t>8</a:t>
+              <a:t>7</a:t>
             </a:fld>
             <a:endParaRPr lang="en-US"/>
           </a:p>
@@ -4191,7 +4579,7 @@
     </p:spTree>
     <p:extLst>
       <p:ext uri="{BB962C8B-B14F-4D97-AF65-F5344CB8AC3E}">
-        <p14:creationId xmlns:p14="http://schemas.microsoft.com/office/powerpoint/2010/main" val="3317973082"/>
+        <p14:creationId xmlns:p14="http://schemas.microsoft.com/office/powerpoint/2010/main" val="16067301"/>
       </p:ext>
     </p:extLst>
   </p:cSld>
@@ -4266,7 +4654,7 @@
           <a:p>
             <a:fld id="{8EFDE9E4-1236-D24B-A118-9F0833B0F237}" type="slidenum">
               <a:rPr lang="en-US" smtClean="0"/>
-              <a:t>9</a:t>
+              <a:t>8</a:t>
             </a:fld>
             <a:endParaRPr lang="en-US"/>
           </a:p>
@@ -4275,7 +4663,7 @@
     </p:spTree>
     <p:extLst>
       <p:ext uri="{BB962C8B-B14F-4D97-AF65-F5344CB8AC3E}">
-        <p14:creationId xmlns:p14="http://schemas.microsoft.com/office/powerpoint/2010/main" val="185488307"/>
+        <p14:creationId xmlns:p14="http://schemas.microsoft.com/office/powerpoint/2010/main" val="3317973082"/>
       </p:ext>
     </p:extLst>
   </p:cSld>
@@ -4331,7 +4719,23 @@
           <a:p>
             <a:r>
               <a:rPr lang="en-US" dirty="0"/>
-              <a:t>Resample the data for more clear visualization</a:t>
+              <a:t>we </a:t>
+            </a:r>
+            <a:r>
+              <a:rPr lang="en-US" dirty="0" err="1"/>
+              <a:t>gonna</a:t>
+            </a:r>
+            <a:r>
+              <a:rPr lang="en-US" dirty="0"/>
+              <a:t> use </a:t>
+            </a:r>
+            <a:r>
+              <a:rPr lang="en-US" dirty="0" err="1"/>
+              <a:t>adjclose</a:t>
+            </a:r>
+            <a:r>
+              <a:rPr lang="en-US" dirty="0"/>
+              <a:t> price for better reference.</a:t>
             </a:r>
           </a:p>
         </p:txBody>
@@ -4353,7 +4757,7 @@
           <a:p>
             <a:fld id="{8EFDE9E4-1236-D24B-A118-9F0833B0F237}" type="slidenum">
               <a:rPr lang="en-US" smtClean="0"/>
-              <a:t>10</a:t>
+              <a:t>9</a:t>
             </a:fld>
             <a:endParaRPr lang="en-US"/>
           </a:p>
@@ -4362,7 +4766,7 @@
     </p:spTree>
     <p:extLst>
       <p:ext uri="{BB962C8B-B14F-4D97-AF65-F5344CB8AC3E}">
-        <p14:creationId xmlns:p14="http://schemas.microsoft.com/office/powerpoint/2010/main" val="3392753324"/>
+        <p14:creationId xmlns:p14="http://schemas.microsoft.com/office/powerpoint/2010/main" val="185488307"/>
       </p:ext>
     </p:extLst>
   </p:cSld>
@@ -4418,7 +4822,16 @@
           <a:p>
             <a:r>
               <a:rPr lang="en-US" dirty="0"/>
-              <a:t>To calculate market cap</a:t>
+              <a:t>Resample the data for more clear visualization</a:t>
+            </a:r>
+          </a:p>
+          <a:p>
+            <a:endParaRPr lang="en-US" dirty="0"/>
+          </a:p>
+          <a:p>
+            <a:r>
+              <a:rPr lang="en-US" dirty="0"/>
+              <a:t>the bar graph represents the trending volume, and the line graph represents the prices trend for each company.</a:t>
             </a:r>
           </a:p>
         </p:txBody>
@@ -4440,7 +4853,7 @@
           <a:p>
             <a:fld id="{8EFDE9E4-1236-D24B-A118-9F0833B0F237}" type="slidenum">
               <a:rPr lang="en-US" smtClean="0"/>
-              <a:t>12</a:t>
+              <a:t>10</a:t>
             </a:fld>
             <a:endParaRPr lang="en-US"/>
           </a:p>
@@ -4449,7 +4862,7 @@
     </p:spTree>
     <p:extLst>
       <p:ext uri="{BB962C8B-B14F-4D97-AF65-F5344CB8AC3E}">
-        <p14:creationId xmlns:p14="http://schemas.microsoft.com/office/powerpoint/2010/main" val="3917743116"/>
+        <p14:creationId xmlns:p14="http://schemas.microsoft.com/office/powerpoint/2010/main" val="3392753324"/>
       </p:ext>
     </p:extLst>
   </p:cSld>
@@ -4504,8 +4917,12 @@
           <a:lstStyle/>
           <a:p>
             <a:r>
-              <a:rPr lang="en-US" sz="1200" dirty="0"/>
-              <a:t>Multiplying Share Data with Stock Prices during Pre-Pandemic, Pandemic, and Post-Pandemic Periods</a:t>
+              <a:rPr lang="en-US" dirty="0"/>
+              <a:t>- point out </a:t>
+            </a:r>
+            <a:r>
+              <a:rPr lang="en-US" dirty="0" err="1"/>
+              <a:t>netflix</a:t>
             </a:r>
             <a:endParaRPr lang="en-US" dirty="0"/>
           </a:p>
@@ -4528,7 +4945,7 @@
           <a:p>
             <a:fld id="{8EFDE9E4-1236-D24B-A118-9F0833B0F237}" type="slidenum">
               <a:rPr lang="en-US" smtClean="0"/>
-              <a:t>13</a:t>
+              <a:t>11</a:t>
             </a:fld>
             <a:endParaRPr lang="en-US"/>
           </a:p>
@@ -4537,7 +4954,7 @@
     </p:spTree>
     <p:extLst>
       <p:ext uri="{BB962C8B-B14F-4D97-AF65-F5344CB8AC3E}">
-        <p14:creationId xmlns:p14="http://schemas.microsoft.com/office/powerpoint/2010/main" val="3989583716"/>
+        <p14:creationId xmlns:p14="http://schemas.microsoft.com/office/powerpoint/2010/main" val="3211539009"/>
       </p:ext>
     </p:extLst>
   </p:cSld>
@@ -4591,7 +5008,43 @@
           <a:bodyPr/>
           <a:lstStyle/>
           <a:p>
+            <a:r>
+              <a:rPr lang="en-US" dirty="0"/>
+              <a:t>To calculate the market cap, we used the outstanding share data multiply by the stock price.</a:t>
+            </a:r>
+          </a:p>
+          <a:p>
             <a:endParaRPr lang="en-US" dirty="0"/>
+          </a:p>
+          <a:p>
+            <a:r>
+              <a:rPr lang="en-US" dirty="0"/>
+              <a:t>we </a:t>
+            </a:r>
+            <a:r>
+              <a:rPr lang="en-US" dirty="0" err="1"/>
+              <a:t>wanna</a:t>
+            </a:r>
+            <a:r>
+              <a:rPr lang="en-US" dirty="0"/>
+              <a:t> compare the market cap </a:t>
+            </a:r>
+            <a:r>
+              <a:rPr lang="en-US" dirty="0" err="1"/>
+              <a:t>cahnge</a:t>
+            </a:r>
+            <a:r>
+              <a:rPr lang="en-US" dirty="0"/>
+              <a:t> among 3 different time period which are pre-covid, during covid and </a:t>
+            </a:r>
+            <a:r>
+              <a:rPr lang="en-US" dirty="0" err="1"/>
+              <a:t>pst</a:t>
+            </a:r>
+            <a:r>
+              <a:rPr lang="en-US" dirty="0"/>
+              <a:t>-covid. </a:t>
+            </a:r>
           </a:p>
         </p:txBody>
       </p:sp>
@@ -4612,7 +5065,7 @@
           <a:p>
             <a:fld id="{8EFDE9E4-1236-D24B-A118-9F0833B0F237}" type="slidenum">
               <a:rPr lang="en-US" smtClean="0"/>
-              <a:t>14</a:t>
+              <a:t>12</a:t>
             </a:fld>
             <a:endParaRPr lang="en-US"/>
           </a:p>
@@ -4621,7 +5074,7 @@
     </p:spTree>
     <p:extLst>
       <p:ext uri="{BB962C8B-B14F-4D97-AF65-F5344CB8AC3E}">
-        <p14:creationId xmlns:p14="http://schemas.microsoft.com/office/powerpoint/2010/main" val="66244503"/>
+        <p14:creationId xmlns:p14="http://schemas.microsoft.com/office/powerpoint/2010/main" val="3917743116"/>
       </p:ext>
     </p:extLst>
   </p:cSld>
@@ -5119,7 +5572,7 @@
           <a:p>
             <a:fld id="{72345051-2045-45DA-935E-2E3CA1A69ADC}" type="datetimeFigureOut">
               <a:rPr lang="en-US" smtClean="0"/>
-              <a:t>7/20/23</a:t>
+              <a:t>7/23/23</a:t>
             </a:fld>
             <a:endParaRPr lang="en-US" dirty="0"/>
           </a:p>
@@ -5317,7 +5770,7 @@
           <a:p>
             <a:fld id="{72345051-2045-45DA-935E-2E3CA1A69ADC}" type="datetimeFigureOut">
               <a:rPr lang="en-US" smtClean="0"/>
-              <a:t>7/20/23</a:t>
+              <a:t>7/23/23</a:t>
             </a:fld>
             <a:endParaRPr lang="en-US"/>
           </a:p>
@@ -5525,7 +5978,7 @@
           <a:p>
             <a:fld id="{72345051-2045-45DA-935E-2E3CA1A69ADC}" type="datetimeFigureOut">
               <a:rPr lang="en-US" smtClean="0"/>
-              <a:t>7/20/23</a:t>
+              <a:t>7/23/23</a:t>
             </a:fld>
             <a:endParaRPr lang="en-US"/>
           </a:p>
@@ -5747,7 +6200,7 @@
           <a:p>
             <a:fld id="{72345051-2045-45DA-935E-2E3CA1A69ADC}" type="datetimeFigureOut">
               <a:rPr lang="en-US" smtClean="0"/>
-              <a:t>7/20/23</a:t>
+              <a:t>7/23/23</a:t>
             </a:fld>
             <a:endParaRPr lang="en-US"/>
           </a:p>
@@ -6658,7 +7111,7 @@
           <a:p>
             <a:fld id="{72345051-2045-45DA-935E-2E3CA1A69ADC}" type="datetimeFigureOut">
               <a:rPr lang="en-US" smtClean="0"/>
-              <a:t>7/20/23</a:t>
+              <a:t>7/23/23</a:t>
             </a:fld>
             <a:endParaRPr lang="en-US"/>
           </a:p>
@@ -7261,7 +7714,7 @@
           <a:p>
             <a:fld id="{72345051-2045-45DA-935E-2E3CA1A69ADC}" type="datetimeFigureOut">
               <a:rPr lang="en-US" smtClean="0"/>
-              <a:t>7/20/23</a:t>
+              <a:t>7/23/23</a:t>
             </a:fld>
             <a:endParaRPr lang="en-US"/>
           </a:p>
@@ -8309,7 +8762,7 @@
           <a:p>
             <a:fld id="{72345051-2045-45DA-935E-2E3CA1A69ADC}" type="datetimeFigureOut">
               <a:rPr lang="en-US" smtClean="0"/>
-              <a:t>7/20/23</a:t>
+              <a:t>7/23/23</a:t>
             </a:fld>
             <a:endParaRPr lang="en-US"/>
           </a:p>
@@ -9093,7 +9546,7 @@
           <a:p>
             <a:fld id="{72345051-2045-45DA-935E-2E3CA1A69ADC}" type="datetimeFigureOut">
               <a:rPr lang="en-US" smtClean="0"/>
-              <a:t>7/20/23</a:t>
+              <a:t>7/23/23</a:t>
             </a:fld>
             <a:endParaRPr lang="en-US"/>
           </a:p>
@@ -9542,7 +9995,7 @@
           <a:p>
             <a:fld id="{72345051-2045-45DA-935E-2E3CA1A69ADC}" type="datetimeFigureOut">
               <a:rPr lang="en-US" smtClean="0"/>
-              <a:t>7/20/23</a:t>
+              <a:t>7/23/23</a:t>
             </a:fld>
             <a:endParaRPr lang="en-US"/>
           </a:p>
@@ -9859,7 +10312,7 @@
           <a:p>
             <a:fld id="{72345051-2045-45DA-935E-2E3CA1A69ADC}" type="datetimeFigureOut">
               <a:rPr lang="en-US" smtClean="0"/>
-              <a:t>7/20/23</a:t>
+              <a:t>7/23/23</a:t>
             </a:fld>
             <a:endParaRPr lang="en-US"/>
           </a:p>
@@ -10487,7 +10940,7 @@
           <a:p>
             <a:fld id="{72345051-2045-45DA-935E-2E3CA1A69ADC}" type="datetimeFigureOut">
               <a:rPr lang="en-US" smtClean="0"/>
-              <a:t>7/20/23</a:t>
+              <a:t>7/23/23</a:t>
             </a:fld>
             <a:endParaRPr lang="en-US"/>
           </a:p>
@@ -11060,7 +11513,7 @@
           <a:p>
             <a:fld id="{72345051-2045-45DA-935E-2E3CA1A69ADC}" type="datetimeFigureOut">
               <a:rPr lang="en-US" smtClean="0"/>
-              <a:t>7/20/23</a:t>
+              <a:t>7/23/23</a:t>
             </a:fld>
             <a:endParaRPr lang="en-US" dirty="0"/>
           </a:p>
@@ -13517,6 +13970,66 @@
           </a:prstGeom>
         </p:spPr>
       </p:pic>
+      <p:pic>
+        <p:nvPicPr>
+          <p:cNvPr id="4" name="Picture 3" descr="A blue infinity symbol on a black background&#10;&#10;Description automatically generated">
+            <a:extLst>
+              <a:ext uri="{FF2B5EF4-FFF2-40B4-BE49-F238E27FC236}">
+                <a16:creationId xmlns:a16="http://schemas.microsoft.com/office/drawing/2014/main" id="{06F0D005-9171-8E04-3311-4311709F15E3}"/>
+              </a:ext>
+            </a:extLst>
+          </p:cNvPr>
+          <p:cNvPicPr>
+            <a:picLocks noChangeAspect="1"/>
+          </p:cNvPicPr>
+          <p:nvPr/>
+        </p:nvPicPr>
+        <p:blipFill>
+          <a:blip r:embed="rId5"/>
+          <a:stretch>
+            <a:fillRect/>
+          </a:stretch>
+        </p:blipFill>
+        <p:spPr>
+          <a:xfrm>
+            <a:off x="5202342" y="639193"/>
+            <a:ext cx="640475" cy="360267"/>
+          </a:xfrm>
+          <a:prstGeom prst="rect">
+            <a:avLst/>
+          </a:prstGeom>
+        </p:spPr>
+      </p:pic>
+      <p:pic>
+        <p:nvPicPr>
+          <p:cNvPr id="6" name="Picture 5" descr="A grey apple logo with a bite taken out of it&#10;&#10;Description automatically generated">
+            <a:extLst>
+              <a:ext uri="{FF2B5EF4-FFF2-40B4-BE49-F238E27FC236}">
+                <a16:creationId xmlns:a16="http://schemas.microsoft.com/office/drawing/2014/main" id="{B6D7D77B-0E7B-FBFB-F5AE-6A53138831A1}"/>
+              </a:ext>
+            </a:extLst>
+          </p:cNvPr>
+          <p:cNvPicPr>
+            <a:picLocks noChangeAspect="1"/>
+          </p:cNvPicPr>
+          <p:nvPr/>
+        </p:nvPicPr>
+        <p:blipFill>
+          <a:blip r:embed="rId6"/>
+          <a:stretch>
+            <a:fillRect/>
+          </a:stretch>
+        </p:blipFill>
+        <p:spPr>
+          <a:xfrm>
+            <a:off x="5202342" y="3842352"/>
+            <a:ext cx="588806" cy="588806"/>
+          </a:xfrm>
+          <a:prstGeom prst="rect">
+            <a:avLst/>
+          </a:prstGeom>
+        </p:spPr>
+      </p:pic>
     </p:spTree>
     <p:extLst>
       <p:ext uri="{BB962C8B-B14F-4D97-AF65-F5344CB8AC3E}">
@@ -13617,7 +14130,7 @@
       </p:sp>
       <mc:AlternateContent xmlns:mc="http://schemas.openxmlformats.org/markup-compatibility/2006" xmlns:p14="http://schemas.microsoft.com/office/powerpoint/2010/main">
         <mc:Choice Requires="p14">
-          <p:contentPart p14:bwMode="auto" r:id="rId2">
+          <p:contentPart p14:bwMode="auto" r:id="rId3">
             <p14:nvContentPartPr>
               <p14:cNvPr id="34" name="Ink 33">
                 <a:extLst>
@@ -13665,7 +14178,7 @@
               <p:nvPr/>
             </p:nvPicPr>
             <p:blipFill>
-              <a:blip r:embed="rId3"/>
+              <a:blip r:embed="rId4"/>
               <a:stretch>
                 <a:fillRect/>
               </a:stretch>
@@ -15129,7 +15642,7 @@
           <p:nvPr/>
         </p:nvPicPr>
         <p:blipFill>
-          <a:blip r:embed="rId4"/>
+          <a:blip r:embed="rId5"/>
           <a:stretch>
             <a:fillRect/>
           </a:stretch>
@@ -15159,7 +15672,7 @@
           <p:nvPr/>
         </p:nvPicPr>
         <p:blipFill>
-          <a:blip r:embed="rId5"/>
+          <a:blip r:embed="rId6"/>
           <a:stretch>
             <a:fillRect/>
           </a:stretch>
@@ -15189,7 +15702,7 @@
           <p:nvPr/>
         </p:nvPicPr>
         <p:blipFill>
-          <a:blip r:embed="rId6"/>
+          <a:blip r:embed="rId7"/>
           <a:stretch>
             <a:fillRect/>
           </a:stretch>
@@ -15234,11 +15747,101 @@
           <a:p>
             <a:r>
               <a:rPr lang="en-US" sz="4400" b="1" dirty="0"/>
-              <a:t>FAANG stocks initially dropped during the pandemic, except for Netflix. They later recovered, reflecting investor confidence.</a:t>
+              <a:t>FAANG stocks initially dropped during the pandemic, except for Netflix. They later recovered, reflecting investors’ confidence.</a:t>
             </a:r>
           </a:p>
         </p:txBody>
       </p:sp>
+      <p:pic>
+        <p:nvPicPr>
+          <p:cNvPr id="5" name="Picture 4" descr="A logo with a black background&#10;&#10;Description automatically generated">
+            <a:extLst>
+              <a:ext uri="{FF2B5EF4-FFF2-40B4-BE49-F238E27FC236}">
+                <a16:creationId xmlns:a16="http://schemas.microsoft.com/office/drawing/2014/main" id="{61266CCA-1044-849F-133D-239B2E96A7E8}"/>
+              </a:ext>
+            </a:extLst>
+          </p:cNvPr>
+          <p:cNvPicPr>
+            <a:picLocks noChangeAspect="1"/>
+          </p:cNvPicPr>
+          <p:nvPr/>
+        </p:nvPicPr>
+        <p:blipFill>
+          <a:blip r:embed="rId8"/>
+          <a:stretch>
+            <a:fillRect/>
+          </a:stretch>
+        </p:blipFill>
+        <p:spPr>
+          <a:xfrm>
+            <a:off x="1062097" y="520772"/>
+            <a:ext cx="1192005" cy="359922"/>
+          </a:xfrm>
+          <a:prstGeom prst="rect">
+            <a:avLst/>
+          </a:prstGeom>
+        </p:spPr>
+      </p:pic>
+      <p:pic>
+        <p:nvPicPr>
+          <p:cNvPr id="12" name="Picture 11" descr="A red text on a black background&#10;&#10;Description automatically generated">
+            <a:extLst>
+              <a:ext uri="{FF2B5EF4-FFF2-40B4-BE49-F238E27FC236}">
+                <a16:creationId xmlns:a16="http://schemas.microsoft.com/office/drawing/2014/main" id="{3C8A0339-0343-68A8-DE1D-B17B1354DE80}"/>
+              </a:ext>
+            </a:extLst>
+          </p:cNvPr>
+          <p:cNvPicPr>
+            <a:picLocks noChangeAspect="1"/>
+          </p:cNvPicPr>
+          <p:nvPr/>
+        </p:nvPicPr>
+        <p:blipFill>
+          <a:blip r:embed="rId9"/>
+          <a:stretch>
+            <a:fillRect/>
+          </a:stretch>
+        </p:blipFill>
+        <p:spPr>
+          <a:xfrm>
+            <a:off x="1062097" y="3609714"/>
+            <a:ext cx="1192005" cy="363063"/>
+          </a:xfrm>
+          <a:prstGeom prst="rect">
+            <a:avLst/>
+          </a:prstGeom>
+        </p:spPr>
+      </p:pic>
+      <p:pic>
+        <p:nvPicPr>
+          <p:cNvPr id="14" name="Picture 13" descr="A colorful circle logo on a black background&#10;&#10;Description automatically generated">
+            <a:extLst>
+              <a:ext uri="{FF2B5EF4-FFF2-40B4-BE49-F238E27FC236}">
+                <a16:creationId xmlns:a16="http://schemas.microsoft.com/office/drawing/2014/main" id="{09384181-5BEE-04E3-A791-EC8E377D993E}"/>
+              </a:ext>
+            </a:extLst>
+          </p:cNvPr>
+          <p:cNvPicPr>
+            <a:picLocks noChangeAspect="1"/>
+          </p:cNvPicPr>
+          <p:nvPr/>
+        </p:nvPicPr>
+        <p:blipFill>
+          <a:blip r:embed="rId10"/>
+          <a:stretch>
+            <a:fillRect/>
+          </a:stretch>
+        </p:blipFill>
+        <p:spPr>
+          <a:xfrm>
+            <a:off x="6904411" y="536075"/>
+            <a:ext cx="974309" cy="329316"/>
+          </a:xfrm>
+          <a:prstGeom prst="rect">
+            <a:avLst/>
+          </a:prstGeom>
+        </p:spPr>
+      </p:pic>
     </p:spTree>
     <p:extLst>
       <p:ext uri="{BB962C8B-B14F-4D97-AF65-F5344CB8AC3E}">
@@ -18235,14 +18838,14 @@
             </a:pPr>
             <a:r>
               <a:rPr lang="en-US" sz="4400" b="1" dirty="0"/>
-              <a:t>The S&amp;P 500 Index demonstrated a consistent upward price trend like FAANG stocks over time.</a:t>
+              <a:t>Most FAANG companies displayed a similar trend, aligning with the S&amp;P 500 Index.</a:t>
             </a:r>
           </a:p>
         </p:txBody>
       </p:sp>
       <mc:AlternateContent xmlns:mc="http://schemas.openxmlformats.org/markup-compatibility/2006" xmlns:p14="http://schemas.microsoft.com/office/powerpoint/2010/main">
         <mc:Choice Requires="p14">
-          <p:contentPart p14:bwMode="auto" r:id="rId2">
+          <p:contentPart p14:bwMode="auto" r:id="rId3">
             <p14:nvContentPartPr>
               <p14:cNvPr id="14" name="Ink 13">
                 <a:extLst>
@@ -18290,7 +18893,7 @@
               <p:nvPr/>
             </p:nvPicPr>
             <p:blipFill>
-              <a:blip r:embed="rId3"/>
+              <a:blip r:embed="rId4"/>
               <a:stretch>
                 <a:fillRect/>
               </a:stretch>
@@ -18515,7 +19118,7 @@
           <p:nvPr/>
         </p:nvPicPr>
         <p:blipFill>
-          <a:blip r:embed="rId4"/>
+          <a:blip r:embed="rId5"/>
           <a:stretch>
             <a:fillRect/>
           </a:stretch>
@@ -19109,7 +19712,7 @@
           <p:nvPr/>
         </p:nvPicPr>
         <p:blipFill rotWithShape="1">
-          <a:blip r:embed="rId2">
+          <a:blip r:embed="rId3">
             <a:alphaModFix amt="50000"/>
           </a:blip>
           <a:srcRect t="1906" b="13824"/>
@@ -19844,7 +20447,7 @@
                   <a:schemeClr val="bg1"/>
                 </a:solidFill>
               </a:rPr>
-              <a:t>FAANG stocks demonstrate consistent price increases, making them attractive investments. </a:t>
+              <a:t>FAANG stocks demonstrate consistent price increase, making them attractive investments. </a:t>
             </a:r>
           </a:p>
           <a:p>
@@ -19854,7 +20457,7 @@
                   <a:schemeClr val="bg1"/>
                 </a:solidFill>
               </a:rPr>
-              <a:t>Apple, Google, and Amazon are relatively stable, while Netflix and Meta exhibit higher volatility.</a:t>
+              <a:t>Apple, Google, and Amazon are relatively stable, while Netflix and Meta show higher volatility.</a:t>
             </a:r>
           </a:p>
           <a:p>
@@ -19864,7 +20467,7 @@
                   <a:schemeClr val="bg1"/>
                 </a:solidFill>
               </a:rPr>
-              <a:t> FAANG stocks offer long-term growth opportunities with varying levels of risk and potential rewards based on individual preferences.</a:t>
+              <a:t> FAANG stocks offer long-term growth opportunities with different levels of risk and potential rewards based on individual preferences.</a:t>
             </a:r>
           </a:p>
         </p:txBody>
@@ -19879,6 +20482,701 @@
   <p:clrMapOvr>
     <a:overrideClrMapping bg1="dk1" tx1="lt1" bg2="dk2" tx2="lt2" accent1="accent1" accent2="accent2" accent3="accent3" accent4="accent4" accent5="accent5" accent6="accent6" hlink="hlink" folHlink="folHlink"/>
   </p:clrMapOvr>
+</p:sld>
+</file>
+
+<file path=ppt/slides/slide19.xml><?xml version="1.0" encoding="utf-8"?>
+<p:sld xmlns:a="http://schemas.openxmlformats.org/drawingml/2006/main" xmlns:r="http://schemas.openxmlformats.org/officeDocument/2006/relationships" xmlns:p="http://schemas.openxmlformats.org/presentationml/2006/main">
+  <p:cSld>
+    <p:bg>
+      <p:bgPr>
+        <a:solidFill>
+          <a:schemeClr val="bg1"/>
+        </a:solidFill>
+        <a:effectLst/>
+      </p:bgPr>
+    </p:bg>
+    <p:spTree>
+      <p:nvGrpSpPr>
+        <p:cNvPr id="1" name=""/>
+        <p:cNvGrpSpPr/>
+        <p:nvPr/>
+      </p:nvGrpSpPr>
+      <p:grpSpPr>
+        <a:xfrm>
+          <a:off x="0" y="0"/>
+          <a:ext cx="0" cy="0"/>
+          <a:chOff x="0" y="0"/>
+          <a:chExt cx="0" cy="0"/>
+        </a:xfrm>
+      </p:grpSpPr>
+      <p:sp useBgFill="1">
+        <p:nvSpPr>
+          <p:cNvPr id="41" name="Rectangle 35">
+            <a:extLst>
+              <a:ext uri="{FF2B5EF4-FFF2-40B4-BE49-F238E27FC236}">
+                <a16:creationId xmlns:a16="http://schemas.microsoft.com/office/drawing/2014/main" id="{657F69E0-C4B0-4BEC-A689-4F8D877F05D4}"/>
+              </a:ext>
+              <a:ext uri="{C183D7F6-B498-43B3-948B-1728B52AA6E4}">
+                <adec:decorative xmlns:adec="http://schemas.microsoft.com/office/drawing/2017/decorative" val="1"/>
+              </a:ext>
+            </a:extLst>
+          </p:cNvPr>
+          <p:cNvSpPr>
+            <a:spLocks noGrp="1" noRot="1" noChangeAspect="1" noMove="1" noResize="1" noEditPoints="1" noAdjustHandles="1" noChangeArrowheads="1" noChangeShapeType="1" noTextEdit="1"/>
+          </p:cNvSpPr>
+          <p:nvPr>
+            <p:extLst>
+              <p:ext uri="{386F3935-93C4-4BCD-93E2-E3B085C9AB24}">
+                <p16:designElem xmlns:p16="http://schemas.microsoft.com/office/powerpoint/2015/main" val="1"/>
+              </p:ext>
+            </p:extLst>
+          </p:nvPr>
+        </p:nvSpPr>
+        <p:spPr>
+          <a:xfrm>
+            <a:off x="0" y="0"/>
+            <a:ext cx="12188952" cy="6858000"/>
+          </a:xfrm>
+          <a:prstGeom prst="rect">
+            <a:avLst/>
+          </a:prstGeom>
+          <a:ln>
+            <a:noFill/>
+          </a:ln>
+        </p:spPr>
+        <p:style>
+          <a:lnRef idx="2">
+            <a:schemeClr val="accent1">
+              <a:shade val="50000"/>
+            </a:schemeClr>
+          </a:lnRef>
+          <a:fillRef idx="1">
+            <a:schemeClr val="accent1"/>
+          </a:fillRef>
+          <a:effectRef idx="0">
+            <a:schemeClr val="accent1"/>
+          </a:effectRef>
+          <a:fontRef idx="minor">
+            <a:schemeClr val="lt1"/>
+          </a:fontRef>
+        </p:style>
+        <p:txBody>
+          <a:bodyPr rtlCol="0" anchor="ctr"/>
+          <a:lstStyle/>
+          <a:p>
+            <a:pPr algn="ctr"/>
+            <a:endParaRPr lang="en-US"/>
+          </a:p>
+        </p:txBody>
+      </p:sp>
+      <p:pic>
+        <p:nvPicPr>
+          <p:cNvPr id="15" name="Picture 3" descr="Graph on document with pen">
+            <a:extLst>
+              <a:ext uri="{FF2B5EF4-FFF2-40B4-BE49-F238E27FC236}">
+                <a16:creationId xmlns:a16="http://schemas.microsoft.com/office/drawing/2014/main" id="{EEDC1ED9-71A7-42B3-87D7-39B27131D130}"/>
+              </a:ext>
+            </a:extLst>
+          </p:cNvPr>
+          <p:cNvPicPr>
+            <a:picLocks noChangeAspect="1"/>
+          </p:cNvPicPr>
+          <p:nvPr/>
+        </p:nvPicPr>
+        <p:blipFill rotWithShape="1">
+          <a:blip r:embed="rId2">
+            <a:alphaModFix/>
+          </a:blip>
+          <a:srcRect t="1896" r="-1" b="13813"/>
+          <a:stretch/>
+        </p:blipFill>
+        <p:spPr>
+          <a:xfrm>
+            <a:off x="20" y="10"/>
+            <a:ext cx="12188930" cy="6857990"/>
+          </a:xfrm>
+          <a:prstGeom prst="rect">
+            <a:avLst/>
+          </a:prstGeom>
+        </p:spPr>
+      </p:pic>
+      <p:sp>
+        <p:nvSpPr>
+          <p:cNvPr id="42" name="Rectangle 37">
+            <a:extLst>
+              <a:ext uri="{FF2B5EF4-FFF2-40B4-BE49-F238E27FC236}">
+                <a16:creationId xmlns:a16="http://schemas.microsoft.com/office/drawing/2014/main" id="{8F51725E-A483-43B2-A6F2-C44F502FE033}"/>
+              </a:ext>
+              <a:ext uri="{C183D7F6-B498-43B3-948B-1728B52AA6E4}">
+                <adec:decorative xmlns:adec="http://schemas.microsoft.com/office/drawing/2017/decorative" val="1"/>
+              </a:ext>
+            </a:extLst>
+          </p:cNvPr>
+          <p:cNvSpPr>
+            <a:spLocks noGrp="1" noRot="1" noChangeAspect="1" noMove="1" noResize="1" noEditPoints="1" noAdjustHandles="1" noChangeArrowheads="1" noChangeShapeType="1" noTextEdit="1"/>
+          </p:cNvSpPr>
+          <p:nvPr>
+            <p:extLst>
+              <p:ext uri="{386F3935-93C4-4BCD-93E2-E3B085C9AB24}">
+                <p16:designElem xmlns:p16="http://schemas.microsoft.com/office/powerpoint/2015/main" val="1"/>
+              </p:ext>
+            </p:extLst>
+          </p:nvPr>
+        </p:nvSpPr>
+        <p:spPr>
+          <a:xfrm>
+            <a:off x="0" y="937549"/>
+            <a:ext cx="12191999" cy="5058137"/>
+          </a:xfrm>
+          <a:prstGeom prst="rect">
+            <a:avLst/>
+          </a:prstGeom>
+          <a:gradFill flip="none" rotWithShape="1">
+            <a:gsLst>
+              <a:gs pos="50000">
+                <a:schemeClr val="tx1">
+                  <a:alpha val="30000"/>
+                </a:schemeClr>
+              </a:gs>
+              <a:gs pos="80000">
+                <a:schemeClr val="tx1">
+                  <a:alpha val="15000"/>
+                </a:schemeClr>
+              </a:gs>
+              <a:gs pos="0">
+                <a:schemeClr val="tx1">
+                  <a:alpha val="0"/>
+                </a:schemeClr>
+              </a:gs>
+              <a:gs pos="20000">
+                <a:schemeClr val="tx1">
+                  <a:alpha val="15000"/>
+                </a:schemeClr>
+              </a:gs>
+              <a:gs pos="100000">
+                <a:schemeClr val="tx1">
+                  <a:alpha val="0"/>
+                </a:schemeClr>
+              </a:gs>
+            </a:gsLst>
+            <a:lin ang="16200000" scaled="1"/>
+            <a:tileRect/>
+          </a:gradFill>
+          <a:ln>
+            <a:noFill/>
+          </a:ln>
+        </p:spPr>
+        <p:style>
+          <a:lnRef idx="2">
+            <a:schemeClr val="accent1">
+              <a:shade val="50000"/>
+            </a:schemeClr>
+          </a:lnRef>
+          <a:fillRef idx="1">
+            <a:schemeClr val="accent1"/>
+          </a:fillRef>
+          <a:effectRef idx="0">
+            <a:schemeClr val="accent1"/>
+          </a:effectRef>
+          <a:fontRef idx="minor">
+            <a:schemeClr val="lt1"/>
+          </a:fontRef>
+        </p:style>
+        <p:txBody>
+          <a:bodyPr rtlCol="0" anchor="ctr"/>
+          <a:lstStyle/>
+          <a:p>
+            <a:pPr algn="ctr"/>
+            <a:endParaRPr lang="en-US"/>
+          </a:p>
+        </p:txBody>
+      </p:sp>
+      <p:sp>
+        <p:nvSpPr>
+          <p:cNvPr id="2" name="Title 1">
+            <a:extLst>
+              <a:ext uri="{FF2B5EF4-FFF2-40B4-BE49-F238E27FC236}">
+                <a16:creationId xmlns:a16="http://schemas.microsoft.com/office/drawing/2014/main" id="{6B72BBE7-28AB-F3B6-3088-BA70747CA05A}"/>
+              </a:ext>
+            </a:extLst>
+          </p:cNvPr>
+          <p:cNvSpPr>
+            <a:spLocks noGrp="1"/>
+          </p:cNvSpPr>
+          <p:nvPr>
+            <p:ph type="ctrTitle"/>
+          </p:nvPr>
+        </p:nvSpPr>
+        <p:spPr>
+          <a:xfrm>
+            <a:off x="1524000" y="1122363"/>
+            <a:ext cx="9144000" cy="3063240"/>
+          </a:xfrm>
+        </p:spPr>
+        <p:txBody>
+          <a:bodyPr>
+            <a:normAutofit/>
+          </a:bodyPr>
+          <a:lstStyle/>
+          <a:p>
+            <a:pPr algn="ctr"/>
+            <a:r>
+              <a:rPr lang="en-US" sz="10800">
+                <a:solidFill>
+                  <a:schemeClr val="bg1"/>
+                </a:solidFill>
+              </a:rPr>
+              <a:t>THANK YOU</a:t>
+            </a:r>
+          </a:p>
+        </p:txBody>
+      </p:sp>
+      <p:sp>
+        <p:nvSpPr>
+          <p:cNvPr id="40" name="Rectangle 6">
+            <a:extLst>
+              <a:ext uri="{FF2B5EF4-FFF2-40B4-BE49-F238E27FC236}">
+                <a16:creationId xmlns:a16="http://schemas.microsoft.com/office/drawing/2014/main" id="{9F6380B4-6A1C-481E-8408-B4E6C75B9B81}"/>
+              </a:ext>
+              <a:ext uri="{C183D7F6-B498-43B3-948B-1728B52AA6E4}">
+                <adec:decorative xmlns:adec="http://schemas.microsoft.com/office/drawing/2017/decorative" val="1"/>
+              </a:ext>
+            </a:extLst>
+          </p:cNvPr>
+          <p:cNvSpPr>
+            <a:spLocks noGrp="1" noRot="1" noChangeAspect="1" noMove="1" noResize="1" noEditPoints="1" noAdjustHandles="1" noChangeArrowheads="1" noChangeShapeType="1" noTextEdit="1"/>
+          </p:cNvSpPr>
+          <p:nvPr>
+            <p:extLst>
+              <p:ext uri="{386F3935-93C4-4BCD-93E2-E3B085C9AB24}">
+                <p16:designElem xmlns:p16="http://schemas.microsoft.com/office/powerpoint/2015/main" val="1"/>
+              </p:ext>
+            </p:extLst>
+          </p:nvPr>
+        </p:nvSpPr>
+        <p:spPr>
+          <a:xfrm>
+            <a:off x="3974206" y="4368623"/>
+            <a:ext cx="4243589" cy="27432"/>
+          </a:xfrm>
+          <a:custGeom>
+            <a:avLst/>
+            <a:gdLst>
+              <a:gd name="connsiteX0" fmla="*/ 0 w 4243589"/>
+              <a:gd name="connsiteY0" fmla="*/ 0 h 27432"/>
+              <a:gd name="connsiteX1" fmla="*/ 563791 w 4243589"/>
+              <a:gd name="connsiteY1" fmla="*/ 0 h 27432"/>
+              <a:gd name="connsiteX2" fmla="*/ 1042710 w 4243589"/>
+              <a:gd name="connsiteY2" fmla="*/ 0 h 27432"/>
+              <a:gd name="connsiteX3" fmla="*/ 1564066 w 4243589"/>
+              <a:gd name="connsiteY3" fmla="*/ 0 h 27432"/>
+              <a:gd name="connsiteX4" fmla="*/ 2212729 w 4243589"/>
+              <a:gd name="connsiteY4" fmla="*/ 0 h 27432"/>
+              <a:gd name="connsiteX5" fmla="*/ 2776520 w 4243589"/>
+              <a:gd name="connsiteY5" fmla="*/ 0 h 27432"/>
+              <a:gd name="connsiteX6" fmla="*/ 3297875 w 4243589"/>
+              <a:gd name="connsiteY6" fmla="*/ 0 h 27432"/>
+              <a:gd name="connsiteX7" fmla="*/ 4243589 w 4243589"/>
+              <a:gd name="connsiteY7" fmla="*/ 0 h 27432"/>
+              <a:gd name="connsiteX8" fmla="*/ 4243589 w 4243589"/>
+              <a:gd name="connsiteY8" fmla="*/ 27432 h 27432"/>
+              <a:gd name="connsiteX9" fmla="*/ 3637362 w 4243589"/>
+              <a:gd name="connsiteY9" fmla="*/ 27432 h 27432"/>
+              <a:gd name="connsiteX10" fmla="*/ 3116007 w 4243589"/>
+              <a:gd name="connsiteY10" fmla="*/ 27432 h 27432"/>
+              <a:gd name="connsiteX11" fmla="*/ 2424908 w 4243589"/>
+              <a:gd name="connsiteY11" fmla="*/ 27432 h 27432"/>
+              <a:gd name="connsiteX12" fmla="*/ 1861117 w 4243589"/>
+              <a:gd name="connsiteY12" fmla="*/ 27432 h 27432"/>
+              <a:gd name="connsiteX13" fmla="*/ 1382198 w 4243589"/>
+              <a:gd name="connsiteY13" fmla="*/ 27432 h 27432"/>
+              <a:gd name="connsiteX14" fmla="*/ 733535 w 4243589"/>
+              <a:gd name="connsiteY14" fmla="*/ 27432 h 27432"/>
+              <a:gd name="connsiteX15" fmla="*/ 0 w 4243589"/>
+              <a:gd name="connsiteY15" fmla="*/ 27432 h 27432"/>
+              <a:gd name="connsiteX16" fmla="*/ 0 w 4243589"/>
+              <a:gd name="connsiteY16" fmla="*/ 0 h 27432"/>
+            </a:gdLst>
+            <a:ahLst/>
+            <a:cxnLst>
+              <a:cxn ang="0">
+                <a:pos x="connsiteX0" y="connsiteY0"/>
+              </a:cxn>
+              <a:cxn ang="0">
+                <a:pos x="connsiteX1" y="connsiteY1"/>
+              </a:cxn>
+              <a:cxn ang="0">
+                <a:pos x="connsiteX2" y="connsiteY2"/>
+              </a:cxn>
+              <a:cxn ang="0">
+                <a:pos x="connsiteX3" y="connsiteY3"/>
+              </a:cxn>
+              <a:cxn ang="0">
+                <a:pos x="connsiteX4" y="connsiteY4"/>
+              </a:cxn>
+              <a:cxn ang="0">
+                <a:pos x="connsiteX5" y="connsiteY5"/>
+              </a:cxn>
+              <a:cxn ang="0">
+                <a:pos x="connsiteX6" y="connsiteY6"/>
+              </a:cxn>
+              <a:cxn ang="0">
+                <a:pos x="connsiteX7" y="connsiteY7"/>
+              </a:cxn>
+              <a:cxn ang="0">
+                <a:pos x="connsiteX8" y="connsiteY8"/>
+              </a:cxn>
+              <a:cxn ang="0">
+                <a:pos x="connsiteX9" y="connsiteY9"/>
+              </a:cxn>
+              <a:cxn ang="0">
+                <a:pos x="connsiteX10" y="connsiteY10"/>
+              </a:cxn>
+              <a:cxn ang="0">
+                <a:pos x="connsiteX11" y="connsiteY11"/>
+              </a:cxn>
+              <a:cxn ang="0">
+                <a:pos x="connsiteX12" y="connsiteY12"/>
+              </a:cxn>
+              <a:cxn ang="0">
+                <a:pos x="connsiteX13" y="connsiteY13"/>
+              </a:cxn>
+              <a:cxn ang="0">
+                <a:pos x="connsiteX14" y="connsiteY14"/>
+              </a:cxn>
+              <a:cxn ang="0">
+                <a:pos x="connsiteX15" y="connsiteY15"/>
+              </a:cxn>
+              <a:cxn ang="0">
+                <a:pos x="connsiteX16" y="connsiteY16"/>
+              </a:cxn>
+            </a:cxnLst>
+            <a:rect l="l" t="t" r="r" b="b"/>
+            <a:pathLst>
+              <a:path w="4243589" h="27432" fill="none" extrusionOk="0">
+                <a:moveTo>
+                  <a:pt x="0" y="0"/>
+                </a:moveTo>
+                <a:cubicBezTo>
+                  <a:pt x="157351" y="-15653"/>
+                  <a:pt x="378877" y="-5828"/>
+                  <a:pt x="563791" y="0"/>
+                </a:cubicBezTo>
+                <a:cubicBezTo>
+                  <a:pt x="748705" y="5828"/>
+                  <a:pt x="905659" y="-5525"/>
+                  <a:pt x="1042710" y="0"/>
+                </a:cubicBezTo>
+                <a:cubicBezTo>
+                  <a:pt x="1179761" y="5525"/>
+                  <a:pt x="1356845" y="-21288"/>
+                  <a:pt x="1564066" y="0"/>
+                </a:cubicBezTo>
+                <a:cubicBezTo>
+                  <a:pt x="1771287" y="21288"/>
+                  <a:pt x="1912099" y="25135"/>
+                  <a:pt x="2212729" y="0"/>
+                </a:cubicBezTo>
+                <a:cubicBezTo>
+                  <a:pt x="2513359" y="-25135"/>
+                  <a:pt x="2514918" y="-27119"/>
+                  <a:pt x="2776520" y="0"/>
+                </a:cubicBezTo>
+                <a:cubicBezTo>
+                  <a:pt x="3038122" y="27119"/>
+                  <a:pt x="3178771" y="18116"/>
+                  <a:pt x="3297875" y="0"/>
+                </a:cubicBezTo>
+                <a:cubicBezTo>
+                  <a:pt x="3416980" y="-18116"/>
+                  <a:pt x="4012240" y="-40869"/>
+                  <a:pt x="4243589" y="0"/>
+                </a:cubicBezTo>
+                <a:cubicBezTo>
+                  <a:pt x="4242616" y="8304"/>
+                  <a:pt x="4243111" y="21512"/>
+                  <a:pt x="4243589" y="27432"/>
+                </a:cubicBezTo>
+                <a:cubicBezTo>
+                  <a:pt x="4112949" y="6289"/>
+                  <a:pt x="3928037" y="10975"/>
+                  <a:pt x="3637362" y="27432"/>
+                </a:cubicBezTo>
+                <a:cubicBezTo>
+                  <a:pt x="3346687" y="43889"/>
+                  <a:pt x="3254446" y="35813"/>
+                  <a:pt x="3116007" y="27432"/>
+                </a:cubicBezTo>
+                <a:cubicBezTo>
+                  <a:pt x="2977569" y="19051"/>
+                  <a:pt x="2620228" y="38017"/>
+                  <a:pt x="2424908" y="27432"/>
+                </a:cubicBezTo>
+                <a:cubicBezTo>
+                  <a:pt x="2229588" y="16847"/>
+                  <a:pt x="2088287" y="5290"/>
+                  <a:pt x="1861117" y="27432"/>
+                </a:cubicBezTo>
+                <a:cubicBezTo>
+                  <a:pt x="1633947" y="49574"/>
+                  <a:pt x="1502447" y="8273"/>
+                  <a:pt x="1382198" y="27432"/>
+                </a:cubicBezTo>
+                <a:cubicBezTo>
+                  <a:pt x="1261949" y="46591"/>
+                  <a:pt x="1045440" y="37497"/>
+                  <a:pt x="733535" y="27432"/>
+                </a:cubicBezTo>
+                <a:cubicBezTo>
+                  <a:pt x="421630" y="17367"/>
+                  <a:pt x="341257" y="-9215"/>
+                  <a:pt x="0" y="27432"/>
+                </a:cubicBezTo>
+                <a:cubicBezTo>
+                  <a:pt x="-1048" y="14992"/>
+                  <a:pt x="-1120" y="7447"/>
+                  <a:pt x="0" y="0"/>
+                </a:cubicBezTo>
+                <a:close/>
+              </a:path>
+              <a:path w="4243589" h="27432" stroke="0" extrusionOk="0">
+                <a:moveTo>
+                  <a:pt x="0" y="0"/>
+                </a:moveTo>
+                <a:cubicBezTo>
+                  <a:pt x="128164" y="17204"/>
+                  <a:pt x="312653" y="1129"/>
+                  <a:pt x="563791" y="0"/>
+                </a:cubicBezTo>
+                <a:cubicBezTo>
+                  <a:pt x="814929" y="-1129"/>
+                  <a:pt x="837271" y="8503"/>
+                  <a:pt x="1042710" y="0"/>
+                </a:cubicBezTo>
+                <a:cubicBezTo>
+                  <a:pt x="1248149" y="-8503"/>
+                  <a:pt x="1588432" y="-28862"/>
+                  <a:pt x="1733809" y="0"/>
+                </a:cubicBezTo>
+                <a:cubicBezTo>
+                  <a:pt x="1879186" y="28862"/>
+                  <a:pt x="2052815" y="5974"/>
+                  <a:pt x="2297600" y="0"/>
+                </a:cubicBezTo>
+                <a:cubicBezTo>
+                  <a:pt x="2542385" y="-5974"/>
+                  <a:pt x="2699960" y="-23550"/>
+                  <a:pt x="2861391" y="0"/>
+                </a:cubicBezTo>
+                <a:cubicBezTo>
+                  <a:pt x="3022822" y="23550"/>
+                  <a:pt x="3390411" y="25272"/>
+                  <a:pt x="3552490" y="0"/>
+                </a:cubicBezTo>
+                <a:cubicBezTo>
+                  <a:pt x="3714569" y="-25272"/>
+                  <a:pt x="3950585" y="-31327"/>
+                  <a:pt x="4243589" y="0"/>
+                </a:cubicBezTo>
+                <a:cubicBezTo>
+                  <a:pt x="4244074" y="9333"/>
+                  <a:pt x="4244867" y="19699"/>
+                  <a:pt x="4243589" y="27432"/>
+                </a:cubicBezTo>
+                <a:cubicBezTo>
+                  <a:pt x="4130424" y="7904"/>
+                  <a:pt x="3932803" y="51393"/>
+                  <a:pt x="3722234" y="27432"/>
+                </a:cubicBezTo>
+                <a:cubicBezTo>
+                  <a:pt x="3511665" y="3471"/>
+                  <a:pt x="3269903" y="55138"/>
+                  <a:pt x="3116007" y="27432"/>
+                </a:cubicBezTo>
+                <a:cubicBezTo>
+                  <a:pt x="2962111" y="-274"/>
+                  <a:pt x="2744280" y="32368"/>
+                  <a:pt x="2509780" y="27432"/>
+                </a:cubicBezTo>
+                <a:cubicBezTo>
+                  <a:pt x="2275280" y="22496"/>
+                  <a:pt x="2066059" y="52808"/>
+                  <a:pt x="1945989" y="27432"/>
+                </a:cubicBezTo>
+                <a:cubicBezTo>
+                  <a:pt x="1825919" y="2056"/>
+                  <a:pt x="1407329" y="21760"/>
+                  <a:pt x="1254890" y="27432"/>
+                </a:cubicBezTo>
+                <a:cubicBezTo>
+                  <a:pt x="1102451" y="33104"/>
+                  <a:pt x="837950" y="40817"/>
+                  <a:pt x="563791" y="27432"/>
+                </a:cubicBezTo>
+                <a:cubicBezTo>
+                  <a:pt x="289632" y="14047"/>
+                  <a:pt x="132768" y="16249"/>
+                  <a:pt x="0" y="27432"/>
+                </a:cubicBezTo>
+                <a:cubicBezTo>
+                  <a:pt x="211" y="18145"/>
+                  <a:pt x="120" y="6480"/>
+                  <a:pt x="0" y="0"/>
+                </a:cubicBezTo>
+                <a:close/>
+              </a:path>
+            </a:pathLst>
+          </a:custGeom>
+          <a:solidFill>
+            <a:schemeClr val="bg1"/>
+          </a:solidFill>
+          <a:ln w="38100" cap="rnd">
+            <a:solidFill>
+              <a:schemeClr val="bg1"/>
+            </a:solidFill>
+            <a:round/>
+            <a:extLst>
+              <a:ext uri="{C807C97D-BFC1-408E-A445-0C87EB9F89A2}">
+                <ask:lineSketchStyleProps xmlns:ask="http://schemas.microsoft.com/office/drawing/2018/sketchyshapes" sd="1219033472">
+                  <a:prstGeom prst="rect">
+                    <a:avLst/>
+                  </a:prstGeom>
+                  <ask:type>
+                    <ask:lineSketchFreehand/>
+                  </ask:type>
+                </ask:lineSketchStyleProps>
+              </a:ext>
+            </a:extLst>
+          </a:ln>
+        </p:spPr>
+        <p:style>
+          <a:lnRef idx="2">
+            <a:schemeClr val="accent1">
+              <a:shade val="50000"/>
+            </a:schemeClr>
+          </a:lnRef>
+          <a:fillRef idx="1">
+            <a:schemeClr val="accent1"/>
+          </a:fillRef>
+          <a:effectRef idx="0">
+            <a:schemeClr val="accent1"/>
+          </a:effectRef>
+          <a:fontRef idx="minor">
+            <a:schemeClr val="lt1"/>
+          </a:fontRef>
+        </p:style>
+        <p:txBody>
+          <a:bodyPr rtlCol="0" anchor="ctr"/>
+          <a:lstStyle/>
+          <a:p>
+            <a:pPr algn="ctr"/>
+            <a:endParaRPr lang="en-US"/>
+          </a:p>
+        </p:txBody>
+      </p:sp>
+    </p:spTree>
+    <p:extLst>
+      <p:ext uri="{BB962C8B-B14F-4D97-AF65-F5344CB8AC3E}">
+        <p14:creationId xmlns:p14="http://schemas.microsoft.com/office/powerpoint/2010/main" val="547928710"/>
+      </p:ext>
+    </p:extLst>
+  </p:cSld>
+  <p:clrMapOvr>
+    <a:masterClrMapping/>
+  </p:clrMapOvr>
+  <p:timing>
+    <p:tnLst>
+      <p:par>
+        <p:cTn id="1" dur="indefinite" restart="never" nodeType="tmRoot">
+          <p:childTnLst>
+            <p:seq concurrent="1" nextAc="seek">
+              <p:cTn id="2" dur="indefinite" nodeType="mainSeq">
+                <p:childTnLst>
+                  <p:par>
+                    <p:cTn id="3" fill="hold">
+                      <p:stCondLst>
+                        <p:cond delay="indefinite"/>
+                        <p:cond evt="onBegin" delay="0">
+                          <p:tn val="2"/>
+                        </p:cond>
+                      </p:stCondLst>
+                      <p:childTnLst>
+                        <p:par>
+                          <p:cTn id="4" fill="hold">
+                            <p:stCondLst>
+                              <p:cond delay="0"/>
+                            </p:stCondLst>
+                            <p:childTnLst>
+                              <p:par>
+                                <p:cTn id="5" presetID="10" presetClass="entr" presetSubtype="0" fill="hold" grpId="0" nodeType="withEffect">
+                                  <p:stCondLst>
+                                    <p:cond delay="1000"/>
+                                  </p:stCondLst>
+                                  <p:iterate>
+                                    <p:tmPct val="10000"/>
+                                  </p:iterate>
+                                  <p:childTnLst>
+                                    <p:set>
+                                      <p:cBhvr>
+                                        <p:cTn id="6" dur="1" fill="hold">
+                                          <p:stCondLst>
+                                            <p:cond delay="0"/>
+                                          </p:stCondLst>
+                                        </p:cTn>
+                                        <p:tgtEl>
+                                          <p:spTgt spid="2"/>
+                                        </p:tgtEl>
+                                        <p:attrNameLst>
+                                          <p:attrName>style.visibility</p:attrName>
+                                        </p:attrNameLst>
+                                      </p:cBhvr>
+                                      <p:to>
+                                        <p:strVal val="visible"/>
+                                      </p:to>
+                                    </p:set>
+                                    <p:animEffect transition="in" filter="fade">
+                                      <p:cBhvr>
+                                        <p:cTn id="7" dur="700"/>
+                                        <p:tgtEl>
+                                          <p:spTgt spid="2"/>
+                                        </p:tgtEl>
+                                      </p:cBhvr>
+                                    </p:animEffect>
+                                  </p:childTnLst>
+                                </p:cTn>
+                              </p:par>
+                            </p:childTnLst>
+                          </p:cTn>
+                        </p:par>
+                      </p:childTnLst>
+                    </p:cTn>
+                  </p:par>
+                </p:childTnLst>
+              </p:cTn>
+              <p:prevCondLst>
+                <p:cond evt="onPrev" delay="0">
+                  <p:tgtEl>
+                    <p:sldTgt/>
+                  </p:tgtEl>
+                </p:cond>
+              </p:prevCondLst>
+              <p:nextCondLst>
+                <p:cond evt="onNext" delay="0">
+                  <p:tgtEl>
+                    <p:sldTgt/>
+                  </p:tgtEl>
+                </p:cond>
+              </p:nextCondLst>
+            </p:seq>
+          </p:childTnLst>
+        </p:cTn>
+      </p:par>
+    </p:tnLst>
+    <p:bldLst>
+      <p:bldP spid="2" grpId="0"/>
+    </p:bldLst>
+  </p:timing>
 </p:sld>
 </file>
 
@@ -23599,7 +24897,7 @@
           <p:nvPr/>
         </p:nvPicPr>
         <p:blipFill rotWithShape="1">
-          <a:blip r:embed="rId2">
+          <a:blip r:embed="rId3">
             <a:alphaModFix amt="50000"/>
           </a:blip>
           <a:srcRect t="2901" r="-1" b="12807"/>

--- a/PyFAANG Slides.pptx
+++ b/PyFAANG Slides.pptx
@@ -5,7 +5,7 @@
     <p:sldMasterId id="2147483823" r:id="rId1"/>
   </p:sldMasterIdLst>
   <p:notesMasterIdLst>
-    <p:notesMasterId r:id="rId21"/>
+    <p:notesMasterId r:id="rId23"/>
   </p:notesMasterIdLst>
   <p:sldIdLst>
     <p:sldId id="256" r:id="rId2"/>
@@ -20,13 +20,15 @@
     <p:sldId id="274" r:id="rId11"/>
     <p:sldId id="275" r:id="rId12"/>
     <p:sldId id="265" r:id="rId13"/>
-    <p:sldId id="266" r:id="rId14"/>
-    <p:sldId id="267" r:id="rId15"/>
-    <p:sldId id="268" r:id="rId16"/>
-    <p:sldId id="269" r:id="rId17"/>
-    <p:sldId id="277" r:id="rId18"/>
-    <p:sldId id="278" r:id="rId19"/>
-    <p:sldId id="281" r:id="rId20"/>
+    <p:sldId id="283" r:id="rId14"/>
+    <p:sldId id="266" r:id="rId15"/>
+    <p:sldId id="267" r:id="rId16"/>
+    <p:sldId id="268" r:id="rId17"/>
+    <p:sldId id="269" r:id="rId18"/>
+    <p:sldId id="277" r:id="rId19"/>
+    <p:sldId id="278" r:id="rId20"/>
+    <p:sldId id="282" r:id="rId21"/>
+    <p:sldId id="281" r:id="rId22"/>
   </p:sldIdLst>
   <p:sldSz cx="12192000" cy="6858000"/>
   <p:notesSz cx="6858000" cy="9144000"/>
@@ -3488,7 +3490,7 @@
           <a:p>
             <a:fld id="{F1E43193-3029-F642-90EF-548B8EF63C6A}" type="datetimeFigureOut">
               <a:rPr lang="en-US" smtClean="0"/>
-              <a:t>7/23/23</a:t>
+              <a:t>7/24/23</a:t>
             </a:fld>
             <a:endParaRPr lang="en-US"/>
           </a:p>
@@ -3800,110 +3802,8 @@
           <a:lstStyle/>
           <a:p>
             <a:r>
-              <a:rPr lang="en-US" b="0" i="0" dirty="0">
-                <a:solidFill>
-                  <a:srgbClr val="D1D5DB"/>
-                </a:solidFill>
-                <a:effectLst/>
-                <a:latin typeface="Söhne"/>
-              </a:rPr>
-              <a:t>- it accounting for stock splits, dividends, and other corporate actions. </a:t>
-            </a:r>
-            <a:endParaRPr lang="en-US" dirty="0"/>
-          </a:p>
-        </p:txBody>
-      </p:sp>
-      <p:sp>
-        <p:nvSpPr>
-          <p:cNvPr id="4" name="Slide Number Placeholder 3"/>
-          <p:cNvSpPr>
-            <a:spLocks noGrp="1"/>
-          </p:cNvSpPr>
-          <p:nvPr>
-            <p:ph type="sldNum" sz="quarter" idx="5"/>
-          </p:nvPr>
-        </p:nvSpPr>
-        <p:spPr/>
-        <p:txBody>
-          <a:bodyPr/>
-          <a:lstStyle/>
-          <a:p>
-            <a:fld id="{8EFDE9E4-1236-D24B-A118-9F0833B0F237}" type="slidenum">
-              <a:rPr lang="en-US" smtClean="0"/>
-              <a:t>4</a:t>
-            </a:fld>
-            <a:endParaRPr lang="en-US"/>
-          </a:p>
-        </p:txBody>
-      </p:sp>
-    </p:spTree>
-    <p:extLst>
-      <p:ext uri="{BB962C8B-B14F-4D97-AF65-F5344CB8AC3E}">
-        <p14:creationId xmlns:p14="http://schemas.microsoft.com/office/powerpoint/2010/main" val="3557702994"/>
-      </p:ext>
-    </p:extLst>
-  </p:cSld>
-  <p:clrMapOvr>
-    <a:masterClrMapping/>
-  </p:clrMapOvr>
-</p:notes>
-</file>
-
-<file path=ppt/notesSlides/notesSlide10.xml><?xml version="1.0" encoding="utf-8"?>
-<p:notes xmlns:a="http://schemas.openxmlformats.org/drawingml/2006/main" xmlns:r="http://schemas.openxmlformats.org/officeDocument/2006/relationships" xmlns:p="http://schemas.openxmlformats.org/presentationml/2006/main">
-  <p:cSld>
-    <p:spTree>
-      <p:nvGrpSpPr>
-        <p:cNvPr id="1" name=""/>
-        <p:cNvGrpSpPr/>
-        <p:nvPr/>
-      </p:nvGrpSpPr>
-      <p:grpSpPr>
-        <a:xfrm>
-          <a:off x="0" y="0"/>
-          <a:ext cx="0" cy="0"/>
-          <a:chOff x="0" y="0"/>
-          <a:chExt cx="0" cy="0"/>
-        </a:xfrm>
-      </p:grpSpPr>
-      <p:sp>
-        <p:nvSpPr>
-          <p:cNvPr id="2" name="Slide Image Placeholder 1"/>
-          <p:cNvSpPr>
-            <a:spLocks noGrp="1" noRot="1" noChangeAspect="1"/>
-          </p:cNvSpPr>
-          <p:nvPr>
-            <p:ph type="sldImg"/>
-          </p:nvPr>
-        </p:nvSpPr>
-        <p:spPr/>
-      </p:sp>
-      <p:sp>
-        <p:nvSpPr>
-          <p:cNvPr id="3" name="Notes Placeholder 2"/>
-          <p:cNvSpPr>
-            <a:spLocks noGrp="1"/>
-          </p:cNvSpPr>
-          <p:nvPr>
-            <p:ph type="body" idx="1"/>
-          </p:nvPr>
-        </p:nvSpPr>
-        <p:spPr/>
-        <p:txBody>
-          <a:bodyPr/>
-          <a:lstStyle/>
-          <a:p>
-            <a:r>
               <a:rPr lang="en-US" dirty="0"/>
-              <a:t>we can see that during covid </a:t>
-            </a:r>
-            <a:r>
-              <a:rPr lang="en-US" dirty="0" err="1"/>
-              <a:t>netflix</a:t>
-            </a:r>
-            <a:r>
-              <a:rPr lang="en-US" dirty="0"/>
-              <a:t> holds strong- point out</a:t>
+              <a:t>based on risk taking ability</a:t>
             </a:r>
           </a:p>
         </p:txBody>
@@ -3925,7 +3825,7 @@
           <a:p>
             <a:fld id="{8EFDE9E4-1236-D24B-A118-9F0833B0F237}" type="slidenum">
               <a:rPr lang="en-US" smtClean="0"/>
-              <a:t>13</a:t>
+              <a:t>2</a:t>
             </a:fld>
             <a:endParaRPr lang="en-US"/>
           </a:p>
@@ -3934,7 +3834,7 @@
     </p:spTree>
     <p:extLst>
       <p:ext uri="{BB962C8B-B14F-4D97-AF65-F5344CB8AC3E}">
-        <p14:creationId xmlns:p14="http://schemas.microsoft.com/office/powerpoint/2010/main" val="3989583716"/>
+        <p14:creationId xmlns:p14="http://schemas.microsoft.com/office/powerpoint/2010/main" val="4025145922"/>
       </p:ext>
     </p:extLst>
   </p:cSld>
@@ -3944,935 +3844,7 @@
 </p:notes>
 </file>
 
-<file path=ppt/notesSlides/notesSlide11.xml><?xml version="1.0" encoding="utf-8"?>
-<p:notes xmlns:a="http://schemas.openxmlformats.org/drawingml/2006/main" xmlns:r="http://schemas.openxmlformats.org/officeDocument/2006/relationships" xmlns:p="http://schemas.openxmlformats.org/presentationml/2006/main">
-  <p:cSld>
-    <p:spTree>
-      <p:nvGrpSpPr>
-        <p:cNvPr id="1" name=""/>
-        <p:cNvGrpSpPr/>
-        <p:nvPr/>
-      </p:nvGrpSpPr>
-      <p:grpSpPr>
-        <a:xfrm>
-          <a:off x="0" y="0"/>
-          <a:ext cx="0" cy="0"/>
-          <a:chOff x="0" y="0"/>
-          <a:chExt cx="0" cy="0"/>
-        </a:xfrm>
-      </p:grpSpPr>
-      <p:sp>
-        <p:nvSpPr>
-          <p:cNvPr id="2" name="Slide Image Placeholder 1"/>
-          <p:cNvSpPr>
-            <a:spLocks noGrp="1" noRot="1" noChangeAspect="1"/>
-          </p:cNvSpPr>
-          <p:nvPr>
-            <p:ph type="sldImg"/>
-          </p:nvPr>
-        </p:nvSpPr>
-        <p:spPr/>
-      </p:sp>
-      <p:sp>
-        <p:nvSpPr>
-          <p:cNvPr id="3" name="Notes Placeholder 2"/>
-          <p:cNvSpPr>
-            <a:spLocks noGrp="1"/>
-          </p:cNvSpPr>
-          <p:nvPr>
-            <p:ph type="body" idx="1"/>
-          </p:nvPr>
-        </p:nvSpPr>
-        <p:spPr/>
-        <p:txBody>
-          <a:bodyPr/>
-          <a:lstStyle/>
-          <a:p>
-            <a:endParaRPr lang="en-US" dirty="0"/>
-          </a:p>
-        </p:txBody>
-      </p:sp>
-      <p:sp>
-        <p:nvSpPr>
-          <p:cNvPr id="4" name="Slide Number Placeholder 3"/>
-          <p:cNvSpPr>
-            <a:spLocks noGrp="1"/>
-          </p:cNvSpPr>
-          <p:nvPr>
-            <p:ph type="sldNum" sz="quarter" idx="5"/>
-          </p:nvPr>
-        </p:nvSpPr>
-        <p:spPr/>
-        <p:txBody>
-          <a:bodyPr/>
-          <a:lstStyle/>
-          <a:p>
-            <a:fld id="{8EFDE9E4-1236-D24B-A118-9F0833B0F237}" type="slidenum">
-              <a:rPr lang="en-US" smtClean="0"/>
-              <a:t>14</a:t>
-            </a:fld>
-            <a:endParaRPr lang="en-US"/>
-          </a:p>
-        </p:txBody>
-      </p:sp>
-    </p:spTree>
-    <p:extLst>
-      <p:ext uri="{BB962C8B-B14F-4D97-AF65-F5344CB8AC3E}">
-        <p14:creationId xmlns:p14="http://schemas.microsoft.com/office/powerpoint/2010/main" val="66244503"/>
-      </p:ext>
-    </p:extLst>
-  </p:cSld>
-  <p:clrMapOvr>
-    <a:masterClrMapping/>
-  </p:clrMapOvr>
-</p:notes>
-</file>
-
-<file path=ppt/notesSlides/notesSlide12.xml><?xml version="1.0" encoding="utf-8"?>
-<p:notes xmlns:a="http://schemas.openxmlformats.org/drawingml/2006/main" xmlns:r="http://schemas.openxmlformats.org/officeDocument/2006/relationships" xmlns:p="http://schemas.openxmlformats.org/presentationml/2006/main">
-  <p:cSld>
-    <p:spTree>
-      <p:nvGrpSpPr>
-        <p:cNvPr id="1" name=""/>
-        <p:cNvGrpSpPr/>
-        <p:nvPr/>
-      </p:nvGrpSpPr>
-      <p:grpSpPr>
-        <a:xfrm>
-          <a:off x="0" y="0"/>
-          <a:ext cx="0" cy="0"/>
-          <a:chOff x="0" y="0"/>
-          <a:chExt cx="0" cy="0"/>
-        </a:xfrm>
-      </p:grpSpPr>
-      <p:sp>
-        <p:nvSpPr>
-          <p:cNvPr id="2" name="Slide Image Placeholder 1"/>
-          <p:cNvSpPr>
-            <a:spLocks noGrp="1" noRot="1" noChangeAspect="1"/>
-          </p:cNvSpPr>
-          <p:nvPr>
-            <p:ph type="sldImg"/>
-          </p:nvPr>
-        </p:nvSpPr>
-        <p:spPr/>
-      </p:sp>
-      <p:sp>
-        <p:nvSpPr>
-          <p:cNvPr id="3" name="Notes Placeholder 2"/>
-          <p:cNvSpPr>
-            <a:spLocks noGrp="1"/>
-          </p:cNvSpPr>
-          <p:nvPr>
-            <p:ph type="body" idx="1"/>
-          </p:nvPr>
-        </p:nvSpPr>
-        <p:spPr/>
-        <p:txBody>
-          <a:bodyPr/>
-          <a:lstStyle/>
-          <a:p>
-            <a:r>
-              <a:rPr lang="en-US" dirty="0"/>
-              <a:t>However, Netflix showed a remarkable increase from 2018 to 2021, outperforming the US market. In 2022, the stock price began to decline, indicating mean reversion.</a:t>
-            </a:r>
-          </a:p>
-        </p:txBody>
-      </p:sp>
-      <p:sp>
-        <p:nvSpPr>
-          <p:cNvPr id="4" name="Slide Number Placeholder 3"/>
-          <p:cNvSpPr>
-            <a:spLocks noGrp="1"/>
-          </p:cNvSpPr>
-          <p:nvPr>
-            <p:ph type="sldNum" sz="quarter" idx="5"/>
-          </p:nvPr>
-        </p:nvSpPr>
-        <p:spPr/>
-        <p:txBody>
-          <a:bodyPr/>
-          <a:lstStyle/>
-          <a:p>
-            <a:fld id="{8EFDE9E4-1236-D24B-A118-9F0833B0F237}" type="slidenum">
-              <a:rPr lang="en-US" smtClean="0"/>
-              <a:t>16</a:t>
-            </a:fld>
-            <a:endParaRPr lang="en-US"/>
-          </a:p>
-        </p:txBody>
-      </p:sp>
-    </p:spTree>
-    <p:extLst>
-      <p:ext uri="{BB962C8B-B14F-4D97-AF65-F5344CB8AC3E}">
-        <p14:creationId xmlns:p14="http://schemas.microsoft.com/office/powerpoint/2010/main" val="2781595643"/>
-      </p:ext>
-    </p:extLst>
-  </p:cSld>
-  <p:clrMapOvr>
-    <a:masterClrMapping/>
-  </p:clrMapOvr>
-</p:notes>
-</file>
-
-<file path=ppt/notesSlides/notesSlide13.xml><?xml version="1.0" encoding="utf-8"?>
-<p:notes xmlns:a="http://schemas.openxmlformats.org/drawingml/2006/main" xmlns:r="http://schemas.openxmlformats.org/officeDocument/2006/relationships" xmlns:p="http://schemas.openxmlformats.org/presentationml/2006/main">
-  <p:cSld>
-    <p:spTree>
-      <p:nvGrpSpPr>
-        <p:cNvPr id="1" name=""/>
-        <p:cNvGrpSpPr/>
-        <p:nvPr/>
-      </p:nvGrpSpPr>
-      <p:grpSpPr>
-        <a:xfrm>
-          <a:off x="0" y="0"/>
-          <a:ext cx="0" cy="0"/>
-          <a:chOff x="0" y="0"/>
-          <a:chExt cx="0" cy="0"/>
-        </a:xfrm>
-      </p:grpSpPr>
-      <p:sp>
-        <p:nvSpPr>
-          <p:cNvPr id="2" name="Slide Image Placeholder 1"/>
-          <p:cNvSpPr>
-            <a:spLocks noGrp="1" noRot="1" noChangeAspect="1"/>
-          </p:cNvSpPr>
-          <p:nvPr>
-            <p:ph type="sldImg"/>
-          </p:nvPr>
-        </p:nvSpPr>
-        <p:spPr/>
-      </p:sp>
-      <p:sp>
-        <p:nvSpPr>
-          <p:cNvPr id="3" name="Notes Placeholder 2"/>
-          <p:cNvSpPr>
-            <a:spLocks noGrp="1"/>
-          </p:cNvSpPr>
-          <p:nvPr>
-            <p:ph type="body" idx="1"/>
-          </p:nvPr>
-        </p:nvSpPr>
-        <p:spPr/>
-        <p:txBody>
-          <a:bodyPr/>
-          <a:lstStyle/>
-          <a:p>
-            <a:r>
-              <a:rPr lang="en-US" dirty="0"/>
-              <a:t>the is a pairwise correlation heatmap of FAANG company and sp500 stock price. </a:t>
-            </a:r>
-          </a:p>
-          <a:p>
-            <a:endParaRPr lang="en-US" dirty="0"/>
-          </a:p>
-          <a:p>
-            <a:r>
-              <a:rPr lang="en-US" dirty="0"/>
-              <a:t>since FAANG company are part of the S&amp;P 500 index, here we use the correlation heat map to disentangle the effect of FAANG company on the S&amp;P 500 index and also the correlation among them.</a:t>
-            </a:r>
-          </a:p>
-        </p:txBody>
-      </p:sp>
-      <p:sp>
-        <p:nvSpPr>
-          <p:cNvPr id="4" name="Slide Number Placeholder 3"/>
-          <p:cNvSpPr>
-            <a:spLocks noGrp="1"/>
-          </p:cNvSpPr>
-          <p:nvPr>
-            <p:ph type="sldNum" sz="quarter" idx="5"/>
-          </p:nvPr>
-        </p:nvSpPr>
-        <p:spPr/>
-        <p:txBody>
-          <a:bodyPr/>
-          <a:lstStyle/>
-          <a:p>
-            <a:fld id="{8EFDE9E4-1236-D24B-A118-9F0833B0F237}" type="slidenum">
-              <a:rPr lang="en-US" smtClean="0"/>
-              <a:t>17</a:t>
-            </a:fld>
-            <a:endParaRPr lang="en-US"/>
-          </a:p>
-        </p:txBody>
-      </p:sp>
-    </p:spTree>
-    <p:extLst>
-      <p:ext uri="{BB962C8B-B14F-4D97-AF65-F5344CB8AC3E}">
-        <p14:creationId xmlns:p14="http://schemas.microsoft.com/office/powerpoint/2010/main" val="3714293708"/>
-      </p:ext>
-    </p:extLst>
-  </p:cSld>
-  <p:clrMapOvr>
-    <a:masterClrMapping/>
-  </p:clrMapOvr>
-</p:notes>
-</file>
-
-<file path=ppt/notesSlides/notesSlide14.xml><?xml version="1.0" encoding="utf-8"?>
-<p:notes xmlns:a="http://schemas.openxmlformats.org/drawingml/2006/main" xmlns:r="http://schemas.openxmlformats.org/officeDocument/2006/relationships" xmlns:p="http://schemas.openxmlformats.org/presentationml/2006/main">
-  <p:cSld>
-    <p:spTree>
-      <p:nvGrpSpPr>
-        <p:cNvPr id="1" name=""/>
-        <p:cNvGrpSpPr/>
-        <p:nvPr/>
-      </p:nvGrpSpPr>
-      <p:grpSpPr>
-        <a:xfrm>
-          <a:off x="0" y="0"/>
-          <a:ext cx="0" cy="0"/>
-          <a:chOff x="0" y="0"/>
-          <a:chExt cx="0" cy="0"/>
-        </a:xfrm>
-      </p:grpSpPr>
-      <p:sp>
-        <p:nvSpPr>
-          <p:cNvPr id="2" name="Slide Image Placeholder 1"/>
-          <p:cNvSpPr>
-            <a:spLocks noGrp="1" noRot="1" noChangeAspect="1"/>
-          </p:cNvSpPr>
-          <p:nvPr>
-            <p:ph type="sldImg"/>
-          </p:nvPr>
-        </p:nvSpPr>
-        <p:spPr/>
-      </p:sp>
-      <p:sp>
-        <p:nvSpPr>
-          <p:cNvPr id="3" name="Notes Placeholder 2"/>
-          <p:cNvSpPr>
-            <a:spLocks noGrp="1"/>
-          </p:cNvSpPr>
-          <p:nvPr>
-            <p:ph type="body" idx="1"/>
-          </p:nvPr>
-        </p:nvSpPr>
-        <p:spPr/>
-        <p:txBody>
-          <a:bodyPr/>
-          <a:lstStyle/>
-          <a:p>
-            <a:r>
-              <a:rPr lang="en-US" dirty="0"/>
-              <a:t>based on all the data </a:t>
-            </a:r>
-            <a:r>
-              <a:rPr lang="en-US" dirty="0" err="1"/>
-              <a:t>i</a:t>
-            </a:r>
-            <a:r>
-              <a:rPr lang="en-US" dirty="0"/>
-              <a:t> mentioned above, we can conclude that first, </a:t>
-            </a:r>
-          </a:p>
-        </p:txBody>
-      </p:sp>
-      <p:sp>
-        <p:nvSpPr>
-          <p:cNvPr id="4" name="Slide Number Placeholder 3"/>
-          <p:cNvSpPr>
-            <a:spLocks noGrp="1"/>
-          </p:cNvSpPr>
-          <p:nvPr>
-            <p:ph type="sldNum" sz="quarter" idx="5"/>
-          </p:nvPr>
-        </p:nvSpPr>
-        <p:spPr/>
-        <p:txBody>
-          <a:bodyPr/>
-          <a:lstStyle/>
-          <a:p>
-            <a:fld id="{8EFDE9E4-1236-D24B-A118-9F0833B0F237}" type="slidenum">
-              <a:rPr lang="en-US" smtClean="0"/>
-              <a:t>18</a:t>
-            </a:fld>
-            <a:endParaRPr lang="en-US"/>
-          </a:p>
-        </p:txBody>
-      </p:sp>
-    </p:spTree>
-    <p:extLst>
-      <p:ext uri="{BB962C8B-B14F-4D97-AF65-F5344CB8AC3E}">
-        <p14:creationId xmlns:p14="http://schemas.microsoft.com/office/powerpoint/2010/main" val="2987858306"/>
-      </p:ext>
-    </p:extLst>
-  </p:cSld>
-  <p:clrMapOvr>
-    <a:masterClrMapping/>
-  </p:clrMapOvr>
-</p:notes>
-</file>
-
-<file path=ppt/notesSlides/notesSlide2.xml><?xml version="1.0" encoding="utf-8"?>
-<p:notes xmlns:a="http://schemas.openxmlformats.org/drawingml/2006/main" xmlns:r="http://schemas.openxmlformats.org/officeDocument/2006/relationships" xmlns:p="http://schemas.openxmlformats.org/presentationml/2006/main">
-  <p:cSld>
-    <p:spTree>
-      <p:nvGrpSpPr>
-        <p:cNvPr id="1" name=""/>
-        <p:cNvGrpSpPr/>
-        <p:nvPr/>
-      </p:nvGrpSpPr>
-      <p:grpSpPr>
-        <a:xfrm>
-          <a:off x="0" y="0"/>
-          <a:ext cx="0" cy="0"/>
-          <a:chOff x="0" y="0"/>
-          <a:chExt cx="0" cy="0"/>
-        </a:xfrm>
-      </p:grpSpPr>
-      <p:sp>
-        <p:nvSpPr>
-          <p:cNvPr id="2" name="Slide Image Placeholder 1"/>
-          <p:cNvSpPr>
-            <a:spLocks noGrp="1" noRot="1" noChangeAspect="1"/>
-          </p:cNvSpPr>
-          <p:nvPr>
-            <p:ph type="sldImg"/>
-          </p:nvPr>
-        </p:nvSpPr>
-        <p:spPr/>
-      </p:sp>
-      <p:sp>
-        <p:nvSpPr>
-          <p:cNvPr id="3" name="Notes Placeholder 2"/>
-          <p:cNvSpPr>
-            <a:spLocks noGrp="1"/>
-          </p:cNvSpPr>
-          <p:nvPr>
-            <p:ph type="body" idx="1"/>
-          </p:nvPr>
-        </p:nvSpPr>
-        <p:spPr/>
-        <p:txBody>
-          <a:bodyPr/>
-          <a:lstStyle/>
-          <a:p>
-            <a:r>
-              <a:rPr lang="en-US" dirty="0"/>
-              <a:t>the 10-year period</a:t>
-            </a:r>
-          </a:p>
-        </p:txBody>
-      </p:sp>
-      <p:sp>
-        <p:nvSpPr>
-          <p:cNvPr id="4" name="Slide Number Placeholder 3"/>
-          <p:cNvSpPr>
-            <a:spLocks noGrp="1"/>
-          </p:cNvSpPr>
-          <p:nvPr>
-            <p:ph type="sldNum" sz="quarter" idx="5"/>
-          </p:nvPr>
-        </p:nvSpPr>
-        <p:spPr/>
-        <p:txBody>
-          <a:bodyPr/>
-          <a:lstStyle/>
-          <a:p>
-            <a:fld id="{8EFDE9E4-1236-D24B-A118-9F0833B0F237}" type="slidenum">
-              <a:rPr lang="en-US" smtClean="0"/>
-              <a:t>5</a:t>
-            </a:fld>
-            <a:endParaRPr lang="en-US"/>
-          </a:p>
-        </p:txBody>
-      </p:sp>
-    </p:spTree>
-    <p:extLst>
-      <p:ext uri="{BB962C8B-B14F-4D97-AF65-F5344CB8AC3E}">
-        <p14:creationId xmlns:p14="http://schemas.microsoft.com/office/powerpoint/2010/main" val="3030008134"/>
-      </p:ext>
-    </p:extLst>
-  </p:cSld>
-  <p:clrMapOvr>
-    <a:masterClrMapping/>
-  </p:clrMapOvr>
-</p:notes>
-</file>
-
-<file path=ppt/notesSlides/notesSlide3.xml><?xml version="1.0" encoding="utf-8"?>
-<p:notes xmlns:a="http://schemas.openxmlformats.org/drawingml/2006/main" xmlns:r="http://schemas.openxmlformats.org/officeDocument/2006/relationships" xmlns:p="http://schemas.openxmlformats.org/presentationml/2006/main">
-  <p:cSld>
-    <p:spTree>
-      <p:nvGrpSpPr>
-        <p:cNvPr id="1" name=""/>
-        <p:cNvGrpSpPr/>
-        <p:nvPr/>
-      </p:nvGrpSpPr>
-      <p:grpSpPr>
-        <a:xfrm>
-          <a:off x="0" y="0"/>
-          <a:ext cx="0" cy="0"/>
-          <a:chOff x="0" y="0"/>
-          <a:chExt cx="0" cy="0"/>
-        </a:xfrm>
-      </p:grpSpPr>
-      <p:sp>
-        <p:nvSpPr>
-          <p:cNvPr id="2" name="Slide Image Placeholder 1"/>
-          <p:cNvSpPr>
-            <a:spLocks noGrp="1" noRot="1" noChangeAspect="1"/>
-          </p:cNvSpPr>
-          <p:nvPr>
-            <p:ph type="sldImg"/>
-          </p:nvPr>
-        </p:nvSpPr>
-        <p:spPr/>
-      </p:sp>
-      <p:sp>
-        <p:nvSpPr>
-          <p:cNvPr id="3" name="Notes Placeholder 2"/>
-          <p:cNvSpPr>
-            <a:spLocks noGrp="1"/>
-          </p:cNvSpPr>
-          <p:nvPr>
-            <p:ph type="body" idx="1"/>
-          </p:nvPr>
-        </p:nvSpPr>
-        <p:spPr/>
-        <p:txBody>
-          <a:bodyPr/>
-          <a:lstStyle/>
-          <a:p>
-            <a:pPr marL="171450" indent="-171450">
-              <a:buFontTx/>
-              <a:buChar char="-"/>
-            </a:pPr>
-            <a:r>
-              <a:rPr lang="en-US" b="0" i="0" dirty="0">
-                <a:solidFill>
-                  <a:srgbClr val="000000"/>
-                </a:solidFill>
-                <a:effectLst/>
-                <a:latin typeface="Helvetica Neue" panose="02000503000000020004" pitchFamily="2" charset="0"/>
-              </a:rPr>
-              <a:t>From 2012 to 2022, the dataset reveals a pattern where the FAANG stock prices were increasing while the trading volumes were decreasing before 2020, suggesting a potential "reduction of market participation" and a potential indication of a price reversal. Now, let's dive deeper into the dataset to examine the dynamics of the FAANG stocks during the pandemic.</a:t>
-            </a:r>
-            <a:endParaRPr lang="en-US" dirty="0"/>
-          </a:p>
-          <a:p>
-            <a:endParaRPr lang="en-US" dirty="0"/>
-          </a:p>
-        </p:txBody>
-      </p:sp>
-      <p:sp>
-        <p:nvSpPr>
-          <p:cNvPr id="4" name="Slide Number Placeholder 3"/>
-          <p:cNvSpPr>
-            <a:spLocks noGrp="1"/>
-          </p:cNvSpPr>
-          <p:nvPr>
-            <p:ph type="sldNum" sz="quarter" idx="5"/>
-          </p:nvPr>
-        </p:nvSpPr>
-        <p:spPr/>
-        <p:txBody>
-          <a:bodyPr/>
-          <a:lstStyle/>
-          <a:p>
-            <a:fld id="{8EFDE9E4-1236-D24B-A118-9F0833B0F237}" type="slidenum">
-              <a:rPr lang="en-US" smtClean="0"/>
-              <a:t>6</a:t>
-            </a:fld>
-            <a:endParaRPr lang="en-US"/>
-          </a:p>
-        </p:txBody>
-      </p:sp>
-    </p:spTree>
-    <p:extLst>
-      <p:ext uri="{BB962C8B-B14F-4D97-AF65-F5344CB8AC3E}">
-        <p14:creationId xmlns:p14="http://schemas.microsoft.com/office/powerpoint/2010/main" val="4139536596"/>
-      </p:ext>
-    </p:extLst>
-  </p:cSld>
-  <p:clrMapOvr>
-    <a:masterClrMapping/>
-  </p:clrMapOvr>
-</p:notes>
-</file>
-
-<file path=ppt/notesSlides/notesSlide4.xml><?xml version="1.0" encoding="utf-8"?>
-<p:notes xmlns:a="http://schemas.openxmlformats.org/drawingml/2006/main" xmlns:r="http://schemas.openxmlformats.org/officeDocument/2006/relationships" xmlns:p="http://schemas.openxmlformats.org/presentationml/2006/main">
-  <p:cSld>
-    <p:spTree>
-      <p:nvGrpSpPr>
-        <p:cNvPr id="1" name=""/>
-        <p:cNvGrpSpPr/>
-        <p:nvPr/>
-      </p:nvGrpSpPr>
-      <p:grpSpPr>
-        <a:xfrm>
-          <a:off x="0" y="0"/>
-          <a:ext cx="0" cy="0"/>
-          <a:chOff x="0" y="0"/>
-          <a:chExt cx="0" cy="0"/>
-        </a:xfrm>
-      </p:grpSpPr>
-      <p:sp>
-        <p:nvSpPr>
-          <p:cNvPr id="2" name="Slide Image Placeholder 1"/>
-          <p:cNvSpPr>
-            <a:spLocks noGrp="1" noRot="1" noChangeAspect="1"/>
-          </p:cNvSpPr>
-          <p:nvPr>
-            <p:ph type="sldImg"/>
-          </p:nvPr>
-        </p:nvSpPr>
-        <p:spPr/>
-      </p:sp>
-      <p:sp>
-        <p:nvSpPr>
-          <p:cNvPr id="3" name="Notes Placeholder 2"/>
-          <p:cNvSpPr>
-            <a:spLocks noGrp="1"/>
-          </p:cNvSpPr>
-          <p:nvPr>
-            <p:ph type="body" idx="1"/>
-          </p:nvPr>
-        </p:nvSpPr>
-        <p:spPr/>
-        <p:txBody>
-          <a:bodyPr/>
-          <a:lstStyle/>
-          <a:p>
-            <a:r>
-              <a:rPr lang="en-US" dirty="0"/>
-              <a:t>we </a:t>
-            </a:r>
-            <a:r>
-              <a:rPr lang="en-US" dirty="0" err="1"/>
-              <a:t>goona</a:t>
-            </a:r>
-            <a:r>
-              <a:rPr lang="en-US" dirty="0"/>
-              <a:t> highlight the impact </a:t>
-            </a:r>
-          </a:p>
-        </p:txBody>
-      </p:sp>
-      <p:sp>
-        <p:nvSpPr>
-          <p:cNvPr id="4" name="Slide Number Placeholder 3"/>
-          <p:cNvSpPr>
-            <a:spLocks noGrp="1"/>
-          </p:cNvSpPr>
-          <p:nvPr>
-            <p:ph type="sldNum" sz="quarter" idx="5"/>
-          </p:nvPr>
-        </p:nvSpPr>
-        <p:spPr/>
-        <p:txBody>
-          <a:bodyPr/>
-          <a:lstStyle/>
-          <a:p>
-            <a:fld id="{8EFDE9E4-1236-D24B-A118-9F0833B0F237}" type="slidenum">
-              <a:rPr lang="en-US" smtClean="0"/>
-              <a:t>7</a:t>
-            </a:fld>
-            <a:endParaRPr lang="en-US"/>
-          </a:p>
-        </p:txBody>
-      </p:sp>
-    </p:spTree>
-    <p:extLst>
-      <p:ext uri="{BB962C8B-B14F-4D97-AF65-F5344CB8AC3E}">
-        <p14:creationId xmlns:p14="http://schemas.microsoft.com/office/powerpoint/2010/main" val="16067301"/>
-      </p:ext>
-    </p:extLst>
-  </p:cSld>
-  <p:clrMapOvr>
-    <a:masterClrMapping/>
-  </p:clrMapOvr>
-</p:notes>
-</file>
-
-<file path=ppt/notesSlides/notesSlide5.xml><?xml version="1.0" encoding="utf-8"?>
-<p:notes xmlns:a="http://schemas.openxmlformats.org/drawingml/2006/main" xmlns:r="http://schemas.openxmlformats.org/officeDocument/2006/relationships" xmlns:p="http://schemas.openxmlformats.org/presentationml/2006/main">
-  <p:cSld>
-    <p:spTree>
-      <p:nvGrpSpPr>
-        <p:cNvPr id="1" name=""/>
-        <p:cNvGrpSpPr/>
-        <p:nvPr/>
-      </p:nvGrpSpPr>
-      <p:grpSpPr>
-        <a:xfrm>
-          <a:off x="0" y="0"/>
-          <a:ext cx="0" cy="0"/>
-          <a:chOff x="0" y="0"/>
-          <a:chExt cx="0" cy="0"/>
-        </a:xfrm>
-      </p:grpSpPr>
-      <p:sp>
-        <p:nvSpPr>
-          <p:cNvPr id="2" name="Slide Image Placeholder 1"/>
-          <p:cNvSpPr>
-            <a:spLocks noGrp="1" noRot="1" noChangeAspect="1"/>
-          </p:cNvSpPr>
-          <p:nvPr>
-            <p:ph type="sldImg"/>
-          </p:nvPr>
-        </p:nvSpPr>
-        <p:spPr/>
-      </p:sp>
-      <p:sp>
-        <p:nvSpPr>
-          <p:cNvPr id="3" name="Notes Placeholder 2"/>
-          <p:cNvSpPr>
-            <a:spLocks noGrp="1"/>
-          </p:cNvSpPr>
-          <p:nvPr>
-            <p:ph type="body" idx="1"/>
-          </p:nvPr>
-        </p:nvSpPr>
-        <p:spPr/>
-        <p:txBody>
-          <a:bodyPr/>
-          <a:lstStyle/>
-          <a:p>
-            <a:endParaRPr lang="en-US" dirty="0"/>
-          </a:p>
-        </p:txBody>
-      </p:sp>
-      <p:sp>
-        <p:nvSpPr>
-          <p:cNvPr id="4" name="Slide Number Placeholder 3"/>
-          <p:cNvSpPr>
-            <a:spLocks noGrp="1"/>
-          </p:cNvSpPr>
-          <p:nvPr>
-            <p:ph type="sldNum" sz="quarter" idx="5"/>
-          </p:nvPr>
-        </p:nvSpPr>
-        <p:spPr/>
-        <p:txBody>
-          <a:bodyPr/>
-          <a:lstStyle/>
-          <a:p>
-            <a:fld id="{8EFDE9E4-1236-D24B-A118-9F0833B0F237}" type="slidenum">
-              <a:rPr lang="en-US" smtClean="0"/>
-              <a:t>8</a:t>
-            </a:fld>
-            <a:endParaRPr lang="en-US"/>
-          </a:p>
-        </p:txBody>
-      </p:sp>
-    </p:spTree>
-    <p:extLst>
-      <p:ext uri="{BB962C8B-B14F-4D97-AF65-F5344CB8AC3E}">
-        <p14:creationId xmlns:p14="http://schemas.microsoft.com/office/powerpoint/2010/main" val="3317973082"/>
-      </p:ext>
-    </p:extLst>
-  </p:cSld>
-  <p:clrMapOvr>
-    <a:masterClrMapping/>
-  </p:clrMapOvr>
-</p:notes>
-</file>
-
-<file path=ppt/notesSlides/notesSlide6.xml><?xml version="1.0" encoding="utf-8"?>
-<p:notes xmlns:a="http://schemas.openxmlformats.org/drawingml/2006/main" xmlns:r="http://schemas.openxmlformats.org/officeDocument/2006/relationships" xmlns:p="http://schemas.openxmlformats.org/presentationml/2006/main">
-  <p:cSld>
-    <p:spTree>
-      <p:nvGrpSpPr>
-        <p:cNvPr id="1" name=""/>
-        <p:cNvGrpSpPr/>
-        <p:nvPr/>
-      </p:nvGrpSpPr>
-      <p:grpSpPr>
-        <a:xfrm>
-          <a:off x="0" y="0"/>
-          <a:ext cx="0" cy="0"/>
-          <a:chOff x="0" y="0"/>
-          <a:chExt cx="0" cy="0"/>
-        </a:xfrm>
-      </p:grpSpPr>
-      <p:sp>
-        <p:nvSpPr>
-          <p:cNvPr id="2" name="Slide Image Placeholder 1"/>
-          <p:cNvSpPr>
-            <a:spLocks noGrp="1" noRot="1" noChangeAspect="1"/>
-          </p:cNvSpPr>
-          <p:nvPr>
-            <p:ph type="sldImg"/>
-          </p:nvPr>
-        </p:nvSpPr>
-        <p:spPr/>
-      </p:sp>
-      <p:sp>
-        <p:nvSpPr>
-          <p:cNvPr id="3" name="Notes Placeholder 2"/>
-          <p:cNvSpPr>
-            <a:spLocks noGrp="1"/>
-          </p:cNvSpPr>
-          <p:nvPr>
-            <p:ph type="body" idx="1"/>
-          </p:nvPr>
-        </p:nvSpPr>
-        <p:spPr/>
-        <p:txBody>
-          <a:bodyPr/>
-          <a:lstStyle/>
-          <a:p>
-            <a:r>
-              <a:rPr lang="en-US" dirty="0"/>
-              <a:t>we </a:t>
-            </a:r>
-            <a:r>
-              <a:rPr lang="en-US" dirty="0" err="1"/>
-              <a:t>gonna</a:t>
-            </a:r>
-            <a:r>
-              <a:rPr lang="en-US" dirty="0"/>
-              <a:t> use </a:t>
-            </a:r>
-            <a:r>
-              <a:rPr lang="en-US" dirty="0" err="1"/>
-              <a:t>adjclose</a:t>
-            </a:r>
-            <a:r>
-              <a:rPr lang="en-US" dirty="0"/>
-              <a:t> price for better reference.</a:t>
-            </a:r>
-          </a:p>
-        </p:txBody>
-      </p:sp>
-      <p:sp>
-        <p:nvSpPr>
-          <p:cNvPr id="4" name="Slide Number Placeholder 3"/>
-          <p:cNvSpPr>
-            <a:spLocks noGrp="1"/>
-          </p:cNvSpPr>
-          <p:nvPr>
-            <p:ph type="sldNum" sz="quarter" idx="5"/>
-          </p:nvPr>
-        </p:nvSpPr>
-        <p:spPr/>
-        <p:txBody>
-          <a:bodyPr/>
-          <a:lstStyle/>
-          <a:p>
-            <a:fld id="{8EFDE9E4-1236-D24B-A118-9F0833B0F237}" type="slidenum">
-              <a:rPr lang="en-US" smtClean="0"/>
-              <a:t>9</a:t>
-            </a:fld>
-            <a:endParaRPr lang="en-US"/>
-          </a:p>
-        </p:txBody>
-      </p:sp>
-    </p:spTree>
-    <p:extLst>
-      <p:ext uri="{BB962C8B-B14F-4D97-AF65-F5344CB8AC3E}">
-        <p14:creationId xmlns:p14="http://schemas.microsoft.com/office/powerpoint/2010/main" val="185488307"/>
-      </p:ext>
-    </p:extLst>
-  </p:cSld>
-  <p:clrMapOvr>
-    <a:masterClrMapping/>
-  </p:clrMapOvr>
-</p:notes>
-</file>
-
-<file path=ppt/notesSlides/notesSlide7.xml><?xml version="1.0" encoding="utf-8"?>
-<p:notes xmlns:a="http://schemas.openxmlformats.org/drawingml/2006/main" xmlns:r="http://schemas.openxmlformats.org/officeDocument/2006/relationships" xmlns:p="http://schemas.openxmlformats.org/presentationml/2006/main">
-  <p:cSld>
-    <p:spTree>
-      <p:nvGrpSpPr>
-        <p:cNvPr id="1" name=""/>
-        <p:cNvGrpSpPr/>
-        <p:nvPr/>
-      </p:nvGrpSpPr>
-      <p:grpSpPr>
-        <a:xfrm>
-          <a:off x="0" y="0"/>
-          <a:ext cx="0" cy="0"/>
-          <a:chOff x="0" y="0"/>
-          <a:chExt cx="0" cy="0"/>
-        </a:xfrm>
-      </p:grpSpPr>
-      <p:sp>
-        <p:nvSpPr>
-          <p:cNvPr id="2" name="Slide Image Placeholder 1"/>
-          <p:cNvSpPr>
-            <a:spLocks noGrp="1" noRot="1" noChangeAspect="1"/>
-          </p:cNvSpPr>
-          <p:nvPr>
-            <p:ph type="sldImg"/>
-          </p:nvPr>
-        </p:nvSpPr>
-        <p:spPr/>
-      </p:sp>
-      <p:sp>
-        <p:nvSpPr>
-          <p:cNvPr id="3" name="Notes Placeholder 2"/>
-          <p:cNvSpPr>
-            <a:spLocks noGrp="1"/>
-          </p:cNvSpPr>
-          <p:nvPr>
-            <p:ph type="body" idx="1"/>
-          </p:nvPr>
-        </p:nvSpPr>
-        <p:spPr/>
-        <p:txBody>
-          <a:bodyPr/>
-          <a:lstStyle/>
-          <a:p>
-            <a:r>
-              <a:rPr lang="en-US" dirty="0"/>
-              <a:t>Resample the data for more clear visualization</a:t>
-            </a:r>
-          </a:p>
-          <a:p>
-            <a:endParaRPr lang="en-US" dirty="0"/>
-          </a:p>
-          <a:p>
-            <a:r>
-              <a:rPr lang="en-US" dirty="0"/>
-              <a:t>the bar graph represents the trending volume, and the line graph represents the prices trend for each company.</a:t>
-            </a:r>
-          </a:p>
-        </p:txBody>
-      </p:sp>
-      <p:sp>
-        <p:nvSpPr>
-          <p:cNvPr id="4" name="Slide Number Placeholder 3"/>
-          <p:cNvSpPr>
-            <a:spLocks noGrp="1"/>
-          </p:cNvSpPr>
-          <p:nvPr>
-            <p:ph type="sldNum" sz="quarter" idx="5"/>
-          </p:nvPr>
-        </p:nvSpPr>
-        <p:spPr/>
-        <p:txBody>
-          <a:bodyPr/>
-          <a:lstStyle/>
-          <a:p>
-            <a:fld id="{8EFDE9E4-1236-D24B-A118-9F0833B0F237}" type="slidenum">
-              <a:rPr lang="en-US" smtClean="0"/>
-              <a:t>10</a:t>
-            </a:fld>
-            <a:endParaRPr lang="en-US"/>
-          </a:p>
-        </p:txBody>
-      </p:sp>
-    </p:spTree>
-    <p:extLst>
-      <p:ext uri="{BB962C8B-B14F-4D97-AF65-F5344CB8AC3E}">
-        <p14:creationId xmlns:p14="http://schemas.microsoft.com/office/powerpoint/2010/main" val="3392753324"/>
-      </p:ext>
-    </p:extLst>
-  </p:cSld>
-  <p:clrMapOvr>
-    <a:masterClrMapping/>
-  </p:clrMapOvr>
-</p:notes>
-</file>
-
-<file path=ppt/notesSlides/notesSlide8.xml><?xml version="1.0" encoding="utf-8"?>
+<file path=ppt/notesSlides/notesSlide10.xml><?xml version="1.0" encoding="utf-8"?>
 <p:notes xmlns:a="http://schemas.openxmlformats.org/drawingml/2006/main" xmlns:r="http://schemas.openxmlformats.org/officeDocument/2006/relationships" xmlns:p="http://schemas.openxmlformats.org/presentationml/2006/main">
   <p:cSld>
     <p:spTree>
@@ -4964,6 +3936,1633 @@
 </p:notes>
 </file>
 
+<file path=ppt/notesSlides/notesSlide11.xml><?xml version="1.0" encoding="utf-8"?>
+<p:notes xmlns:a="http://schemas.openxmlformats.org/drawingml/2006/main" xmlns:r="http://schemas.openxmlformats.org/officeDocument/2006/relationships" xmlns:p="http://schemas.openxmlformats.org/presentationml/2006/main">
+  <p:cSld>
+    <p:spTree>
+      <p:nvGrpSpPr>
+        <p:cNvPr id="1" name=""/>
+        <p:cNvGrpSpPr/>
+        <p:nvPr/>
+      </p:nvGrpSpPr>
+      <p:grpSpPr>
+        <a:xfrm>
+          <a:off x="0" y="0"/>
+          <a:ext cx="0" cy="0"/>
+          <a:chOff x="0" y="0"/>
+          <a:chExt cx="0" cy="0"/>
+        </a:xfrm>
+      </p:grpSpPr>
+      <p:sp>
+        <p:nvSpPr>
+          <p:cNvPr id="2" name="Slide Image Placeholder 1"/>
+          <p:cNvSpPr>
+            <a:spLocks noGrp="1" noRot="1" noChangeAspect="1"/>
+          </p:cNvSpPr>
+          <p:nvPr>
+            <p:ph type="sldImg"/>
+          </p:nvPr>
+        </p:nvSpPr>
+        <p:spPr/>
+      </p:sp>
+      <p:sp>
+        <p:nvSpPr>
+          <p:cNvPr id="3" name="Notes Placeholder 2"/>
+          <p:cNvSpPr>
+            <a:spLocks noGrp="1"/>
+          </p:cNvSpPr>
+          <p:nvPr>
+            <p:ph type="body" idx="1"/>
+          </p:nvPr>
+        </p:nvSpPr>
+        <p:spPr/>
+        <p:txBody>
+          <a:bodyPr/>
+          <a:lstStyle/>
+          <a:p>
+            <a:endParaRPr lang="en-US" dirty="0"/>
+          </a:p>
+          <a:p>
+            <a:r>
+              <a:rPr lang="en-US" dirty="0"/>
+              <a:t>To calculate the market cap, we used the outstanding share data multiply by the stock price.</a:t>
+            </a:r>
+          </a:p>
+          <a:p>
+            <a:endParaRPr lang="en-US" dirty="0"/>
+          </a:p>
+          <a:p>
+            <a:r>
+              <a:rPr lang="en-US" dirty="0"/>
+              <a:t>we </a:t>
+            </a:r>
+            <a:r>
+              <a:rPr lang="en-US" dirty="0" err="1"/>
+              <a:t>wanna</a:t>
+            </a:r>
+            <a:r>
+              <a:rPr lang="en-US" dirty="0"/>
+              <a:t> compare the market cap </a:t>
+            </a:r>
+            <a:r>
+              <a:rPr lang="en-US" dirty="0" err="1"/>
+              <a:t>cahnge</a:t>
+            </a:r>
+            <a:r>
+              <a:rPr lang="en-US" dirty="0"/>
+              <a:t> among 3 different time period which are pre-covid, during covid and </a:t>
+            </a:r>
+            <a:r>
+              <a:rPr lang="en-US" dirty="0" err="1"/>
+              <a:t>pst</a:t>
+            </a:r>
+            <a:r>
+              <a:rPr lang="en-US" dirty="0"/>
+              <a:t>-covid. </a:t>
+            </a:r>
+          </a:p>
+          <a:p>
+            <a:endParaRPr lang="en-US" dirty="0"/>
+          </a:p>
+          <a:p>
+            <a:r>
+              <a:rPr lang="en-US" dirty="0"/>
+              <a:t>Since </a:t>
+            </a:r>
+            <a:r>
+              <a:rPr lang="en-US" dirty="0" err="1"/>
+              <a:t>th</a:t>
+            </a:r>
+            <a:r>
+              <a:rPr lang="en-US" dirty="0"/>
+              <a:t> yahoo-finance build-in library doesn’t provide market cap data for the certain period. I decided to use </a:t>
+            </a:r>
+            <a:r>
+              <a:rPr lang="en-US" dirty="0" err="1"/>
+              <a:t>api</a:t>
+            </a:r>
+            <a:r>
+              <a:rPr lang="en-US" dirty="0"/>
+              <a:t> and dictionary to parse out the data and put into a pandas data frame</a:t>
+            </a:r>
+          </a:p>
+        </p:txBody>
+      </p:sp>
+      <p:sp>
+        <p:nvSpPr>
+          <p:cNvPr id="4" name="Slide Number Placeholder 3"/>
+          <p:cNvSpPr>
+            <a:spLocks noGrp="1"/>
+          </p:cNvSpPr>
+          <p:nvPr>
+            <p:ph type="sldNum" sz="quarter" idx="5"/>
+          </p:nvPr>
+        </p:nvSpPr>
+        <p:spPr/>
+        <p:txBody>
+          <a:bodyPr/>
+          <a:lstStyle/>
+          <a:p>
+            <a:fld id="{8EFDE9E4-1236-D24B-A118-9F0833B0F237}" type="slidenum">
+              <a:rPr lang="en-US" smtClean="0"/>
+              <a:t>12</a:t>
+            </a:fld>
+            <a:endParaRPr lang="en-US"/>
+          </a:p>
+        </p:txBody>
+      </p:sp>
+    </p:spTree>
+    <p:extLst>
+      <p:ext uri="{BB962C8B-B14F-4D97-AF65-F5344CB8AC3E}">
+        <p14:creationId xmlns:p14="http://schemas.microsoft.com/office/powerpoint/2010/main" val="3917743116"/>
+      </p:ext>
+    </p:extLst>
+  </p:cSld>
+  <p:clrMapOvr>
+    <a:masterClrMapping/>
+  </p:clrMapOvr>
+</p:notes>
+</file>
+
+<file path=ppt/notesSlides/notesSlide12.xml><?xml version="1.0" encoding="utf-8"?>
+<p:notes xmlns:a="http://schemas.openxmlformats.org/drawingml/2006/main" xmlns:r="http://schemas.openxmlformats.org/officeDocument/2006/relationships" xmlns:p="http://schemas.openxmlformats.org/presentationml/2006/main">
+  <p:cSld>
+    <p:spTree>
+      <p:nvGrpSpPr>
+        <p:cNvPr id="1" name=""/>
+        <p:cNvGrpSpPr/>
+        <p:nvPr/>
+      </p:nvGrpSpPr>
+      <p:grpSpPr>
+        <a:xfrm>
+          <a:off x="0" y="0"/>
+          <a:ext cx="0" cy="0"/>
+          <a:chOff x="0" y="0"/>
+          <a:chExt cx="0" cy="0"/>
+        </a:xfrm>
+      </p:grpSpPr>
+      <p:sp>
+        <p:nvSpPr>
+          <p:cNvPr id="2" name="Slide Image Placeholder 1"/>
+          <p:cNvSpPr>
+            <a:spLocks noGrp="1" noRot="1" noChangeAspect="1"/>
+          </p:cNvSpPr>
+          <p:nvPr>
+            <p:ph type="sldImg"/>
+          </p:nvPr>
+        </p:nvSpPr>
+        <p:spPr/>
+      </p:sp>
+      <p:sp>
+        <p:nvSpPr>
+          <p:cNvPr id="3" name="Notes Placeholder 2"/>
+          <p:cNvSpPr>
+            <a:spLocks noGrp="1"/>
+          </p:cNvSpPr>
+          <p:nvPr>
+            <p:ph type="body" idx="1"/>
+          </p:nvPr>
+        </p:nvSpPr>
+        <p:spPr/>
+        <p:txBody>
+          <a:bodyPr/>
+          <a:lstStyle/>
+          <a:p>
+            <a:r>
+              <a:rPr lang="en-US" dirty="0"/>
+              <a:t>- casting data type into integer </a:t>
+            </a:r>
+            <a:r>
+              <a:rPr lang="en-US" dirty="0" err="1"/>
+              <a:t>fro</a:t>
+            </a:r>
+            <a:r>
+              <a:rPr lang="en-US" dirty="0"/>
+              <a:t> data formatting and consistency </a:t>
+            </a:r>
+          </a:p>
+        </p:txBody>
+      </p:sp>
+      <p:sp>
+        <p:nvSpPr>
+          <p:cNvPr id="4" name="Slide Number Placeholder 3"/>
+          <p:cNvSpPr>
+            <a:spLocks noGrp="1"/>
+          </p:cNvSpPr>
+          <p:nvPr>
+            <p:ph type="sldNum" sz="quarter" idx="5"/>
+          </p:nvPr>
+        </p:nvSpPr>
+        <p:spPr/>
+        <p:txBody>
+          <a:bodyPr/>
+          <a:lstStyle/>
+          <a:p>
+            <a:fld id="{8EFDE9E4-1236-D24B-A118-9F0833B0F237}" type="slidenum">
+              <a:rPr lang="en-US" smtClean="0"/>
+              <a:t>13</a:t>
+            </a:fld>
+            <a:endParaRPr lang="en-US"/>
+          </a:p>
+        </p:txBody>
+      </p:sp>
+    </p:spTree>
+    <p:extLst>
+      <p:ext uri="{BB962C8B-B14F-4D97-AF65-F5344CB8AC3E}">
+        <p14:creationId xmlns:p14="http://schemas.microsoft.com/office/powerpoint/2010/main" val="2307203304"/>
+      </p:ext>
+    </p:extLst>
+  </p:cSld>
+  <p:clrMapOvr>
+    <a:masterClrMapping/>
+  </p:clrMapOvr>
+</p:notes>
+</file>
+
+<file path=ppt/notesSlides/notesSlide13.xml><?xml version="1.0" encoding="utf-8"?>
+<p:notes xmlns:a="http://schemas.openxmlformats.org/drawingml/2006/main" xmlns:r="http://schemas.openxmlformats.org/officeDocument/2006/relationships" xmlns:p="http://schemas.openxmlformats.org/presentationml/2006/main">
+  <p:cSld>
+    <p:spTree>
+      <p:nvGrpSpPr>
+        <p:cNvPr id="1" name=""/>
+        <p:cNvGrpSpPr/>
+        <p:nvPr/>
+      </p:nvGrpSpPr>
+      <p:grpSpPr>
+        <a:xfrm>
+          <a:off x="0" y="0"/>
+          <a:ext cx="0" cy="0"/>
+          <a:chOff x="0" y="0"/>
+          <a:chExt cx="0" cy="0"/>
+        </a:xfrm>
+      </p:grpSpPr>
+      <p:sp>
+        <p:nvSpPr>
+          <p:cNvPr id="2" name="Slide Image Placeholder 1"/>
+          <p:cNvSpPr>
+            <a:spLocks noGrp="1" noRot="1" noChangeAspect="1"/>
+          </p:cNvSpPr>
+          <p:nvPr>
+            <p:ph type="sldImg"/>
+          </p:nvPr>
+        </p:nvSpPr>
+        <p:spPr/>
+      </p:sp>
+      <p:sp>
+        <p:nvSpPr>
+          <p:cNvPr id="3" name="Notes Placeholder 2"/>
+          <p:cNvSpPr>
+            <a:spLocks noGrp="1"/>
+          </p:cNvSpPr>
+          <p:nvPr>
+            <p:ph type="body" idx="1"/>
+          </p:nvPr>
+        </p:nvSpPr>
+        <p:spPr/>
+        <p:txBody>
+          <a:bodyPr/>
+          <a:lstStyle/>
+          <a:p>
+            <a:r>
+              <a:rPr lang="en-US" dirty="0"/>
+              <a:t>- we can see that during covid </a:t>
+            </a:r>
+            <a:r>
+              <a:rPr lang="en-US" dirty="0" err="1"/>
+              <a:t>netflix</a:t>
+            </a:r>
+            <a:r>
+              <a:rPr lang="en-US" dirty="0"/>
+              <a:t> holds strong- point out</a:t>
+            </a:r>
+          </a:p>
+          <a:p>
+            <a:r>
+              <a:rPr lang="en-US" dirty="0"/>
+              <a:t>meanwhile other companies more or less got </a:t>
+            </a:r>
+            <a:r>
+              <a:rPr lang="en-US" dirty="0" err="1"/>
+              <a:t>afftected</a:t>
+            </a:r>
+            <a:r>
+              <a:rPr lang="en-US" dirty="0"/>
+              <a:t> by covid</a:t>
+            </a:r>
+          </a:p>
+          <a:p>
+            <a:r>
+              <a:rPr lang="en-US" dirty="0"/>
+              <a:t>- however, </a:t>
+            </a:r>
+            <a:r>
+              <a:rPr lang="en-US" dirty="0" err="1"/>
+              <a:t>anazon</a:t>
+            </a:r>
+            <a:r>
+              <a:rPr lang="en-US" dirty="0"/>
+              <a:t> google and apple stage</a:t>
+            </a:r>
+          </a:p>
+          <a:p>
+            <a:r>
+              <a:rPr lang="en-US" dirty="0"/>
+              <a:t>- might because of compensatory consumption</a:t>
+            </a:r>
+          </a:p>
+          <a:p>
+            <a:endParaRPr lang="en-US" dirty="0"/>
+          </a:p>
+        </p:txBody>
+      </p:sp>
+      <p:sp>
+        <p:nvSpPr>
+          <p:cNvPr id="4" name="Slide Number Placeholder 3"/>
+          <p:cNvSpPr>
+            <a:spLocks noGrp="1"/>
+          </p:cNvSpPr>
+          <p:nvPr>
+            <p:ph type="sldNum" sz="quarter" idx="5"/>
+          </p:nvPr>
+        </p:nvSpPr>
+        <p:spPr/>
+        <p:txBody>
+          <a:bodyPr/>
+          <a:lstStyle/>
+          <a:p>
+            <a:fld id="{8EFDE9E4-1236-D24B-A118-9F0833B0F237}" type="slidenum">
+              <a:rPr lang="en-US" smtClean="0"/>
+              <a:t>14</a:t>
+            </a:fld>
+            <a:endParaRPr lang="en-US"/>
+          </a:p>
+        </p:txBody>
+      </p:sp>
+    </p:spTree>
+    <p:extLst>
+      <p:ext uri="{BB962C8B-B14F-4D97-AF65-F5344CB8AC3E}">
+        <p14:creationId xmlns:p14="http://schemas.microsoft.com/office/powerpoint/2010/main" val="3989583716"/>
+      </p:ext>
+    </p:extLst>
+  </p:cSld>
+  <p:clrMapOvr>
+    <a:masterClrMapping/>
+  </p:clrMapOvr>
+</p:notes>
+</file>
+
+<file path=ppt/notesSlides/notesSlide14.xml><?xml version="1.0" encoding="utf-8"?>
+<p:notes xmlns:a="http://schemas.openxmlformats.org/drawingml/2006/main" xmlns:r="http://schemas.openxmlformats.org/officeDocument/2006/relationships" xmlns:p="http://schemas.openxmlformats.org/presentationml/2006/main">
+  <p:cSld>
+    <p:spTree>
+      <p:nvGrpSpPr>
+        <p:cNvPr id="1" name=""/>
+        <p:cNvGrpSpPr/>
+        <p:nvPr/>
+      </p:nvGrpSpPr>
+      <p:grpSpPr>
+        <a:xfrm>
+          <a:off x="0" y="0"/>
+          <a:ext cx="0" cy="0"/>
+          <a:chOff x="0" y="0"/>
+          <a:chExt cx="0" cy="0"/>
+        </a:xfrm>
+      </p:grpSpPr>
+      <p:sp>
+        <p:nvSpPr>
+          <p:cNvPr id="2" name="Slide Image Placeholder 1"/>
+          <p:cNvSpPr>
+            <a:spLocks noGrp="1" noRot="1" noChangeAspect="1"/>
+          </p:cNvSpPr>
+          <p:nvPr>
+            <p:ph type="sldImg"/>
+          </p:nvPr>
+        </p:nvSpPr>
+        <p:spPr/>
+      </p:sp>
+      <p:sp>
+        <p:nvSpPr>
+          <p:cNvPr id="3" name="Notes Placeholder 2"/>
+          <p:cNvSpPr>
+            <a:spLocks noGrp="1"/>
+          </p:cNvSpPr>
+          <p:nvPr>
+            <p:ph type="body" idx="1"/>
+          </p:nvPr>
+        </p:nvSpPr>
+        <p:spPr/>
+        <p:txBody>
+          <a:bodyPr/>
+          <a:lstStyle/>
+          <a:p>
+            <a:endParaRPr lang="en-US" dirty="0"/>
+          </a:p>
+        </p:txBody>
+      </p:sp>
+      <p:sp>
+        <p:nvSpPr>
+          <p:cNvPr id="4" name="Slide Number Placeholder 3"/>
+          <p:cNvSpPr>
+            <a:spLocks noGrp="1"/>
+          </p:cNvSpPr>
+          <p:nvPr>
+            <p:ph type="sldNum" sz="quarter" idx="5"/>
+          </p:nvPr>
+        </p:nvSpPr>
+        <p:spPr/>
+        <p:txBody>
+          <a:bodyPr/>
+          <a:lstStyle/>
+          <a:p>
+            <a:fld id="{8EFDE9E4-1236-D24B-A118-9F0833B0F237}" type="slidenum">
+              <a:rPr lang="en-US" smtClean="0"/>
+              <a:t>15</a:t>
+            </a:fld>
+            <a:endParaRPr lang="en-US"/>
+          </a:p>
+        </p:txBody>
+      </p:sp>
+    </p:spTree>
+    <p:extLst>
+      <p:ext uri="{BB962C8B-B14F-4D97-AF65-F5344CB8AC3E}">
+        <p14:creationId xmlns:p14="http://schemas.microsoft.com/office/powerpoint/2010/main" val="66244503"/>
+      </p:ext>
+    </p:extLst>
+  </p:cSld>
+  <p:clrMapOvr>
+    <a:masterClrMapping/>
+  </p:clrMapOvr>
+</p:notes>
+</file>
+
+<file path=ppt/notesSlides/notesSlide15.xml><?xml version="1.0" encoding="utf-8"?>
+<p:notes xmlns:a="http://schemas.openxmlformats.org/drawingml/2006/main" xmlns:r="http://schemas.openxmlformats.org/officeDocument/2006/relationships" xmlns:p="http://schemas.openxmlformats.org/presentationml/2006/main">
+  <p:cSld>
+    <p:spTree>
+      <p:nvGrpSpPr>
+        <p:cNvPr id="1" name=""/>
+        <p:cNvGrpSpPr/>
+        <p:nvPr/>
+      </p:nvGrpSpPr>
+      <p:grpSpPr>
+        <a:xfrm>
+          <a:off x="0" y="0"/>
+          <a:ext cx="0" cy="0"/>
+          <a:chOff x="0" y="0"/>
+          <a:chExt cx="0" cy="0"/>
+        </a:xfrm>
+      </p:grpSpPr>
+      <p:sp>
+        <p:nvSpPr>
+          <p:cNvPr id="2" name="Slide Image Placeholder 1"/>
+          <p:cNvSpPr>
+            <a:spLocks noGrp="1" noRot="1" noChangeAspect="1"/>
+          </p:cNvSpPr>
+          <p:nvPr>
+            <p:ph type="sldImg"/>
+          </p:nvPr>
+        </p:nvSpPr>
+        <p:spPr/>
+      </p:sp>
+      <p:sp>
+        <p:nvSpPr>
+          <p:cNvPr id="3" name="Notes Placeholder 2"/>
+          <p:cNvSpPr>
+            <a:spLocks noGrp="1"/>
+          </p:cNvSpPr>
+          <p:nvPr>
+            <p:ph type="body" idx="1"/>
+          </p:nvPr>
+        </p:nvSpPr>
+        <p:spPr/>
+        <p:txBody>
+          <a:bodyPr/>
+          <a:lstStyle/>
+          <a:p>
+            <a:r>
+              <a:rPr lang="en-US" dirty="0"/>
+              <a:t>However, Netflix showed a remarkable increase from 2018 to 2021, outperform the US total market. In 2022, the stock price began to decline, indicating mean reversion.</a:t>
+            </a:r>
+          </a:p>
+        </p:txBody>
+      </p:sp>
+      <p:sp>
+        <p:nvSpPr>
+          <p:cNvPr id="4" name="Slide Number Placeholder 3"/>
+          <p:cNvSpPr>
+            <a:spLocks noGrp="1"/>
+          </p:cNvSpPr>
+          <p:nvPr>
+            <p:ph type="sldNum" sz="quarter" idx="5"/>
+          </p:nvPr>
+        </p:nvSpPr>
+        <p:spPr/>
+        <p:txBody>
+          <a:bodyPr/>
+          <a:lstStyle/>
+          <a:p>
+            <a:fld id="{8EFDE9E4-1236-D24B-A118-9F0833B0F237}" type="slidenum">
+              <a:rPr lang="en-US" smtClean="0"/>
+              <a:t>17</a:t>
+            </a:fld>
+            <a:endParaRPr lang="en-US"/>
+          </a:p>
+        </p:txBody>
+      </p:sp>
+    </p:spTree>
+    <p:extLst>
+      <p:ext uri="{BB962C8B-B14F-4D97-AF65-F5344CB8AC3E}">
+        <p14:creationId xmlns:p14="http://schemas.microsoft.com/office/powerpoint/2010/main" val="2781595643"/>
+      </p:ext>
+    </p:extLst>
+  </p:cSld>
+  <p:clrMapOvr>
+    <a:masterClrMapping/>
+  </p:clrMapOvr>
+</p:notes>
+</file>
+
+<file path=ppt/notesSlides/notesSlide16.xml><?xml version="1.0" encoding="utf-8"?>
+<p:notes xmlns:a="http://schemas.openxmlformats.org/drawingml/2006/main" xmlns:r="http://schemas.openxmlformats.org/officeDocument/2006/relationships" xmlns:p="http://schemas.openxmlformats.org/presentationml/2006/main">
+  <p:cSld>
+    <p:spTree>
+      <p:nvGrpSpPr>
+        <p:cNvPr id="1" name=""/>
+        <p:cNvGrpSpPr/>
+        <p:nvPr/>
+      </p:nvGrpSpPr>
+      <p:grpSpPr>
+        <a:xfrm>
+          <a:off x="0" y="0"/>
+          <a:ext cx="0" cy="0"/>
+          <a:chOff x="0" y="0"/>
+          <a:chExt cx="0" cy="0"/>
+        </a:xfrm>
+      </p:grpSpPr>
+      <p:sp>
+        <p:nvSpPr>
+          <p:cNvPr id="2" name="Slide Image Placeholder 1"/>
+          <p:cNvSpPr>
+            <a:spLocks noGrp="1" noRot="1" noChangeAspect="1"/>
+          </p:cNvSpPr>
+          <p:nvPr>
+            <p:ph type="sldImg"/>
+          </p:nvPr>
+        </p:nvSpPr>
+        <p:spPr/>
+      </p:sp>
+      <p:sp>
+        <p:nvSpPr>
+          <p:cNvPr id="3" name="Notes Placeholder 2"/>
+          <p:cNvSpPr>
+            <a:spLocks noGrp="1"/>
+          </p:cNvSpPr>
+          <p:nvPr>
+            <p:ph type="body" idx="1"/>
+          </p:nvPr>
+        </p:nvSpPr>
+        <p:spPr/>
+        <p:txBody>
+          <a:bodyPr/>
+          <a:lstStyle/>
+          <a:p>
+            <a:r>
+              <a:rPr lang="en-US" dirty="0"/>
+              <a:t>the is a pairwise correlation heatmap of FAANG company and sp500 stock price. </a:t>
+            </a:r>
+          </a:p>
+          <a:p>
+            <a:endParaRPr lang="en-US" dirty="0"/>
+          </a:p>
+          <a:p>
+            <a:r>
+              <a:rPr lang="en-US" dirty="0"/>
+              <a:t>since FAANG company are part of the S&amp;P 500 index, here we use the correlation heat map to disentangle the effect of FAANG company on the S&amp;P 500 index and also the correlation among them.</a:t>
+            </a:r>
+          </a:p>
+          <a:p>
+            <a:endParaRPr lang="en-US" dirty="0"/>
+          </a:p>
+          <a:p>
+            <a:r>
+              <a:rPr lang="en-US" dirty="0"/>
+              <a:t>from this plot we can see that they are closely correlated to each other.</a:t>
+            </a:r>
+          </a:p>
+        </p:txBody>
+      </p:sp>
+      <p:sp>
+        <p:nvSpPr>
+          <p:cNvPr id="4" name="Slide Number Placeholder 3"/>
+          <p:cNvSpPr>
+            <a:spLocks noGrp="1"/>
+          </p:cNvSpPr>
+          <p:nvPr>
+            <p:ph type="sldNum" sz="quarter" idx="5"/>
+          </p:nvPr>
+        </p:nvSpPr>
+        <p:spPr/>
+        <p:txBody>
+          <a:bodyPr/>
+          <a:lstStyle/>
+          <a:p>
+            <a:fld id="{8EFDE9E4-1236-D24B-A118-9F0833B0F237}" type="slidenum">
+              <a:rPr lang="en-US" smtClean="0"/>
+              <a:t>18</a:t>
+            </a:fld>
+            <a:endParaRPr lang="en-US"/>
+          </a:p>
+        </p:txBody>
+      </p:sp>
+    </p:spTree>
+    <p:extLst>
+      <p:ext uri="{BB962C8B-B14F-4D97-AF65-F5344CB8AC3E}">
+        <p14:creationId xmlns:p14="http://schemas.microsoft.com/office/powerpoint/2010/main" val="3714293708"/>
+      </p:ext>
+    </p:extLst>
+  </p:cSld>
+  <p:clrMapOvr>
+    <a:masterClrMapping/>
+  </p:clrMapOvr>
+</p:notes>
+</file>
+
+<file path=ppt/notesSlides/notesSlide17.xml><?xml version="1.0" encoding="utf-8"?>
+<p:notes xmlns:a="http://schemas.openxmlformats.org/drawingml/2006/main" xmlns:r="http://schemas.openxmlformats.org/officeDocument/2006/relationships" xmlns:p="http://schemas.openxmlformats.org/presentationml/2006/main">
+  <p:cSld>
+    <p:spTree>
+      <p:nvGrpSpPr>
+        <p:cNvPr id="1" name=""/>
+        <p:cNvGrpSpPr/>
+        <p:nvPr/>
+      </p:nvGrpSpPr>
+      <p:grpSpPr>
+        <a:xfrm>
+          <a:off x="0" y="0"/>
+          <a:ext cx="0" cy="0"/>
+          <a:chOff x="0" y="0"/>
+          <a:chExt cx="0" cy="0"/>
+        </a:xfrm>
+      </p:grpSpPr>
+      <p:sp>
+        <p:nvSpPr>
+          <p:cNvPr id="2" name="Slide Image Placeholder 1"/>
+          <p:cNvSpPr>
+            <a:spLocks noGrp="1" noRot="1" noChangeAspect="1"/>
+          </p:cNvSpPr>
+          <p:nvPr>
+            <p:ph type="sldImg"/>
+          </p:nvPr>
+        </p:nvSpPr>
+        <p:spPr/>
+      </p:sp>
+      <p:sp>
+        <p:nvSpPr>
+          <p:cNvPr id="3" name="Notes Placeholder 2"/>
+          <p:cNvSpPr>
+            <a:spLocks noGrp="1"/>
+          </p:cNvSpPr>
+          <p:nvPr>
+            <p:ph type="body" idx="1"/>
+          </p:nvPr>
+        </p:nvSpPr>
+        <p:spPr/>
+        <p:txBody>
+          <a:bodyPr/>
+          <a:lstStyle/>
+          <a:p>
+            <a:r>
+              <a:rPr lang="en-US" dirty="0"/>
+              <a:t>in summary, based on all the data </a:t>
+            </a:r>
+            <a:r>
+              <a:rPr lang="en-US" dirty="0" err="1"/>
+              <a:t>i</a:t>
+            </a:r>
+            <a:r>
+              <a:rPr lang="en-US" dirty="0"/>
+              <a:t> mentioned above, we can conclude that first, </a:t>
+            </a:r>
+          </a:p>
+        </p:txBody>
+      </p:sp>
+      <p:sp>
+        <p:nvSpPr>
+          <p:cNvPr id="4" name="Slide Number Placeholder 3"/>
+          <p:cNvSpPr>
+            <a:spLocks noGrp="1"/>
+          </p:cNvSpPr>
+          <p:nvPr>
+            <p:ph type="sldNum" sz="quarter" idx="5"/>
+          </p:nvPr>
+        </p:nvSpPr>
+        <p:spPr/>
+        <p:txBody>
+          <a:bodyPr/>
+          <a:lstStyle/>
+          <a:p>
+            <a:fld id="{8EFDE9E4-1236-D24B-A118-9F0833B0F237}" type="slidenum">
+              <a:rPr lang="en-US" smtClean="0"/>
+              <a:t>19</a:t>
+            </a:fld>
+            <a:endParaRPr lang="en-US"/>
+          </a:p>
+        </p:txBody>
+      </p:sp>
+    </p:spTree>
+    <p:extLst>
+      <p:ext uri="{BB962C8B-B14F-4D97-AF65-F5344CB8AC3E}">
+        <p14:creationId xmlns:p14="http://schemas.microsoft.com/office/powerpoint/2010/main" val="2987858306"/>
+      </p:ext>
+    </p:extLst>
+  </p:cSld>
+  <p:clrMapOvr>
+    <a:masterClrMapping/>
+  </p:clrMapOvr>
+</p:notes>
+</file>
+
+<file path=ppt/notesSlides/notesSlide18.xml><?xml version="1.0" encoding="utf-8"?>
+<p:notes xmlns:a="http://schemas.openxmlformats.org/drawingml/2006/main" xmlns:r="http://schemas.openxmlformats.org/officeDocument/2006/relationships" xmlns:p="http://schemas.openxmlformats.org/presentationml/2006/main">
+  <p:cSld>
+    <p:spTree>
+      <p:nvGrpSpPr>
+        <p:cNvPr id="1" name=""/>
+        <p:cNvGrpSpPr/>
+        <p:nvPr/>
+      </p:nvGrpSpPr>
+      <p:grpSpPr>
+        <a:xfrm>
+          <a:off x="0" y="0"/>
+          <a:ext cx="0" cy="0"/>
+          <a:chOff x="0" y="0"/>
+          <a:chExt cx="0" cy="0"/>
+        </a:xfrm>
+      </p:grpSpPr>
+      <p:sp>
+        <p:nvSpPr>
+          <p:cNvPr id="2" name="Slide Image Placeholder 1"/>
+          <p:cNvSpPr>
+            <a:spLocks noGrp="1" noRot="1" noChangeAspect="1"/>
+          </p:cNvSpPr>
+          <p:nvPr>
+            <p:ph type="sldImg"/>
+          </p:nvPr>
+        </p:nvSpPr>
+        <p:spPr/>
+      </p:sp>
+      <p:sp>
+        <p:nvSpPr>
+          <p:cNvPr id="3" name="Notes Placeholder 2"/>
+          <p:cNvSpPr>
+            <a:spLocks noGrp="1"/>
+          </p:cNvSpPr>
+          <p:nvPr>
+            <p:ph type="body" idx="1"/>
+          </p:nvPr>
+        </p:nvSpPr>
+        <p:spPr/>
+        <p:txBody>
+          <a:bodyPr/>
+          <a:lstStyle/>
+          <a:p>
+            <a:r>
+              <a:rPr lang="en-US" b="0" i="0" dirty="0">
+                <a:solidFill>
+                  <a:srgbClr val="D1D5DB"/>
+                </a:solidFill>
+                <a:effectLst/>
+                <a:latin typeface="Söhne"/>
+              </a:rPr>
+              <a:t>The future work of this project can be</a:t>
+            </a:r>
+          </a:p>
+          <a:p>
+            <a:r>
+              <a:rPr lang="en-US" b="0" i="0" dirty="0">
+                <a:solidFill>
+                  <a:srgbClr val="D1D5DB"/>
+                </a:solidFill>
+                <a:effectLst/>
+                <a:latin typeface="Söhne"/>
+              </a:rPr>
+              <a:t>Common algorithms include</a:t>
+            </a:r>
+          </a:p>
+          <a:p>
+            <a:r>
+              <a:rPr lang="en-US" b="0" i="0" dirty="0">
+                <a:solidFill>
+                  <a:srgbClr val="D1D5DB"/>
+                </a:solidFill>
+                <a:effectLst/>
+                <a:latin typeface="Söhne"/>
+              </a:rPr>
+              <a:t>Linear Regression, </a:t>
+            </a:r>
+          </a:p>
+          <a:p>
+            <a:r>
+              <a:rPr lang="en-US" b="0" i="0" dirty="0">
+                <a:solidFill>
+                  <a:srgbClr val="D1D5DB"/>
+                </a:solidFill>
+                <a:effectLst/>
+                <a:latin typeface="Söhne"/>
+              </a:rPr>
+              <a:t>Time series models like ARIMA stands for Autoregressive integrated moving average</a:t>
+            </a:r>
+          </a:p>
+          <a:p>
+            <a:r>
+              <a:rPr lang="en-US" b="0" i="0" dirty="0">
+                <a:solidFill>
+                  <a:srgbClr val="D1D5DB"/>
+                </a:solidFill>
+                <a:effectLst/>
+                <a:latin typeface="Söhne"/>
+              </a:rPr>
+              <a:t>and LSTM stands for Long Short-Term Memory networks.</a:t>
+            </a:r>
+            <a:endParaRPr lang="en-US" dirty="0"/>
+          </a:p>
+        </p:txBody>
+      </p:sp>
+      <p:sp>
+        <p:nvSpPr>
+          <p:cNvPr id="4" name="Slide Number Placeholder 3"/>
+          <p:cNvSpPr>
+            <a:spLocks noGrp="1"/>
+          </p:cNvSpPr>
+          <p:nvPr>
+            <p:ph type="sldNum" sz="quarter" idx="5"/>
+          </p:nvPr>
+        </p:nvSpPr>
+        <p:spPr/>
+        <p:txBody>
+          <a:bodyPr/>
+          <a:lstStyle/>
+          <a:p>
+            <a:fld id="{8EFDE9E4-1236-D24B-A118-9F0833B0F237}" type="slidenum">
+              <a:rPr lang="en-US" smtClean="0"/>
+              <a:t>20</a:t>
+            </a:fld>
+            <a:endParaRPr lang="en-US"/>
+          </a:p>
+        </p:txBody>
+      </p:sp>
+    </p:spTree>
+    <p:extLst>
+      <p:ext uri="{BB962C8B-B14F-4D97-AF65-F5344CB8AC3E}">
+        <p14:creationId xmlns:p14="http://schemas.microsoft.com/office/powerpoint/2010/main" val="68385255"/>
+      </p:ext>
+    </p:extLst>
+  </p:cSld>
+  <p:clrMapOvr>
+    <a:masterClrMapping/>
+  </p:clrMapOvr>
+</p:notes>
+</file>
+
+<file path=ppt/notesSlides/notesSlide2.xml><?xml version="1.0" encoding="utf-8"?>
+<p:notes xmlns:a="http://schemas.openxmlformats.org/drawingml/2006/main" xmlns:r="http://schemas.openxmlformats.org/officeDocument/2006/relationships" xmlns:p="http://schemas.openxmlformats.org/presentationml/2006/main">
+  <p:cSld>
+    <p:spTree>
+      <p:nvGrpSpPr>
+        <p:cNvPr id="1" name=""/>
+        <p:cNvGrpSpPr/>
+        <p:nvPr/>
+      </p:nvGrpSpPr>
+      <p:grpSpPr>
+        <a:xfrm>
+          <a:off x="0" y="0"/>
+          <a:ext cx="0" cy="0"/>
+          <a:chOff x="0" y="0"/>
+          <a:chExt cx="0" cy="0"/>
+        </a:xfrm>
+      </p:grpSpPr>
+      <p:sp>
+        <p:nvSpPr>
+          <p:cNvPr id="2" name="Slide Image Placeholder 1"/>
+          <p:cNvSpPr>
+            <a:spLocks noGrp="1" noRot="1" noChangeAspect="1"/>
+          </p:cNvSpPr>
+          <p:nvPr>
+            <p:ph type="sldImg"/>
+          </p:nvPr>
+        </p:nvSpPr>
+        <p:spPr/>
+      </p:sp>
+      <p:sp>
+        <p:nvSpPr>
+          <p:cNvPr id="3" name="Notes Placeholder 2"/>
+          <p:cNvSpPr>
+            <a:spLocks noGrp="1"/>
+          </p:cNvSpPr>
+          <p:nvPr>
+            <p:ph type="body" idx="1"/>
+          </p:nvPr>
+        </p:nvSpPr>
+        <p:spPr/>
+        <p:txBody>
+          <a:bodyPr/>
+          <a:lstStyle/>
+          <a:p>
+            <a:r>
+              <a:rPr lang="en-US" dirty="0"/>
+              <a:t>A Yahoo finance </a:t>
+            </a:r>
+            <a:r>
+              <a:rPr lang="en-US" dirty="0" err="1"/>
+              <a:t>bulit</a:t>
+            </a:r>
+            <a:r>
+              <a:rPr lang="en-US" dirty="0"/>
+              <a:t>-in library to </a:t>
+            </a:r>
+            <a:r>
+              <a:rPr lang="en-US" dirty="0" err="1"/>
+              <a:t>retrive</a:t>
+            </a:r>
+            <a:r>
+              <a:rPr lang="en-US" dirty="0"/>
+              <a:t> up-</a:t>
+            </a:r>
+            <a:r>
+              <a:rPr lang="en-US" dirty="0" err="1"/>
+              <a:t>tp</a:t>
+            </a:r>
+            <a:r>
+              <a:rPr lang="en-US" dirty="0"/>
+              <a:t>-date stock data</a:t>
+            </a:r>
+          </a:p>
+        </p:txBody>
+      </p:sp>
+      <p:sp>
+        <p:nvSpPr>
+          <p:cNvPr id="4" name="Slide Number Placeholder 3"/>
+          <p:cNvSpPr>
+            <a:spLocks noGrp="1"/>
+          </p:cNvSpPr>
+          <p:nvPr>
+            <p:ph type="sldNum" sz="quarter" idx="5"/>
+          </p:nvPr>
+        </p:nvSpPr>
+        <p:spPr/>
+        <p:txBody>
+          <a:bodyPr/>
+          <a:lstStyle/>
+          <a:p>
+            <a:fld id="{8EFDE9E4-1236-D24B-A118-9F0833B0F237}" type="slidenum">
+              <a:rPr lang="en-US" smtClean="0"/>
+              <a:t>3</a:t>
+            </a:fld>
+            <a:endParaRPr lang="en-US"/>
+          </a:p>
+        </p:txBody>
+      </p:sp>
+    </p:spTree>
+    <p:extLst>
+      <p:ext uri="{BB962C8B-B14F-4D97-AF65-F5344CB8AC3E}">
+        <p14:creationId xmlns:p14="http://schemas.microsoft.com/office/powerpoint/2010/main" val="909134589"/>
+      </p:ext>
+    </p:extLst>
+  </p:cSld>
+  <p:clrMapOvr>
+    <a:masterClrMapping/>
+  </p:clrMapOvr>
+</p:notes>
+</file>
+
+<file path=ppt/notesSlides/notesSlide3.xml><?xml version="1.0" encoding="utf-8"?>
+<p:notes xmlns:a="http://schemas.openxmlformats.org/drawingml/2006/main" xmlns:r="http://schemas.openxmlformats.org/officeDocument/2006/relationships" xmlns:p="http://schemas.openxmlformats.org/presentationml/2006/main">
+  <p:cSld>
+    <p:spTree>
+      <p:nvGrpSpPr>
+        <p:cNvPr id="1" name=""/>
+        <p:cNvGrpSpPr/>
+        <p:nvPr/>
+      </p:nvGrpSpPr>
+      <p:grpSpPr>
+        <a:xfrm>
+          <a:off x="0" y="0"/>
+          <a:ext cx="0" cy="0"/>
+          <a:chOff x="0" y="0"/>
+          <a:chExt cx="0" cy="0"/>
+        </a:xfrm>
+      </p:grpSpPr>
+      <p:sp>
+        <p:nvSpPr>
+          <p:cNvPr id="2" name="Slide Image Placeholder 1"/>
+          <p:cNvSpPr>
+            <a:spLocks noGrp="1" noRot="1" noChangeAspect="1"/>
+          </p:cNvSpPr>
+          <p:nvPr>
+            <p:ph type="sldImg"/>
+          </p:nvPr>
+        </p:nvSpPr>
+        <p:spPr/>
+      </p:sp>
+      <p:sp>
+        <p:nvSpPr>
+          <p:cNvPr id="3" name="Notes Placeholder 2"/>
+          <p:cNvSpPr>
+            <a:spLocks noGrp="1"/>
+          </p:cNvSpPr>
+          <p:nvPr>
+            <p:ph type="body" idx="1"/>
+          </p:nvPr>
+        </p:nvSpPr>
+        <p:spPr/>
+        <p:txBody>
+          <a:bodyPr/>
+          <a:lstStyle/>
+          <a:p>
+            <a:pPr marL="171450" indent="-171450">
+              <a:buFontTx/>
+              <a:buChar char="-"/>
+            </a:pPr>
+            <a:r>
+              <a:rPr lang="en-US" b="0" i="0" dirty="0">
+                <a:solidFill>
+                  <a:srgbClr val="D1D5DB"/>
+                </a:solidFill>
+                <a:effectLst/>
+                <a:latin typeface="Söhne"/>
+              </a:rPr>
+              <a:t>we </a:t>
+            </a:r>
+            <a:r>
+              <a:rPr lang="en-US" b="0" i="0" dirty="0" err="1">
+                <a:solidFill>
+                  <a:srgbClr val="D1D5DB"/>
+                </a:solidFill>
+                <a:effectLst/>
+                <a:latin typeface="Söhne"/>
+              </a:rPr>
+              <a:t>gonna</a:t>
+            </a:r>
+            <a:r>
+              <a:rPr lang="en-US" b="0" i="0" dirty="0">
+                <a:solidFill>
+                  <a:srgbClr val="D1D5DB"/>
+                </a:solidFill>
+                <a:effectLst/>
+                <a:latin typeface="Söhne"/>
+              </a:rPr>
+              <a:t> use </a:t>
+            </a:r>
+            <a:r>
+              <a:rPr lang="en-US" b="0" i="0" dirty="0" err="1">
+                <a:solidFill>
+                  <a:srgbClr val="D1D5DB"/>
+                </a:solidFill>
+                <a:effectLst/>
+                <a:latin typeface="Söhne"/>
+              </a:rPr>
+              <a:t>sdjclose</a:t>
+            </a:r>
+            <a:r>
+              <a:rPr lang="en-US" b="0" i="0" dirty="0">
+                <a:solidFill>
+                  <a:srgbClr val="D1D5DB"/>
+                </a:solidFill>
+                <a:effectLst/>
+                <a:latin typeface="Söhne"/>
+              </a:rPr>
+              <a:t> price for better reference since it accounting for stock splits, dividends, and other corporate actions. </a:t>
+            </a:r>
+          </a:p>
+          <a:p>
+            <a:pPr marL="171450" indent="-171450">
+              <a:buFontTx/>
+              <a:buChar char="-"/>
+            </a:pPr>
+            <a:r>
+              <a:rPr lang="en-US" b="0" i="0" dirty="0">
+                <a:solidFill>
+                  <a:srgbClr val="D1D5DB"/>
+                </a:solidFill>
+                <a:effectLst/>
+                <a:latin typeface="Söhne"/>
+              </a:rPr>
+              <a:t>When requesting the data from the built-in library, I asked for monthly basis interval to perform data cleaning and manipulation. </a:t>
+            </a:r>
+          </a:p>
+        </p:txBody>
+      </p:sp>
+      <p:sp>
+        <p:nvSpPr>
+          <p:cNvPr id="4" name="Slide Number Placeholder 3"/>
+          <p:cNvSpPr>
+            <a:spLocks noGrp="1"/>
+          </p:cNvSpPr>
+          <p:nvPr>
+            <p:ph type="sldNum" sz="quarter" idx="5"/>
+          </p:nvPr>
+        </p:nvSpPr>
+        <p:spPr/>
+        <p:txBody>
+          <a:bodyPr/>
+          <a:lstStyle/>
+          <a:p>
+            <a:fld id="{8EFDE9E4-1236-D24B-A118-9F0833B0F237}" type="slidenum">
+              <a:rPr lang="en-US" smtClean="0"/>
+              <a:t>4</a:t>
+            </a:fld>
+            <a:endParaRPr lang="en-US"/>
+          </a:p>
+        </p:txBody>
+      </p:sp>
+    </p:spTree>
+    <p:extLst>
+      <p:ext uri="{BB962C8B-B14F-4D97-AF65-F5344CB8AC3E}">
+        <p14:creationId xmlns:p14="http://schemas.microsoft.com/office/powerpoint/2010/main" val="3557702994"/>
+      </p:ext>
+    </p:extLst>
+  </p:cSld>
+  <p:clrMapOvr>
+    <a:masterClrMapping/>
+  </p:clrMapOvr>
+</p:notes>
+</file>
+
+<file path=ppt/notesSlides/notesSlide4.xml><?xml version="1.0" encoding="utf-8"?>
+<p:notes xmlns:a="http://schemas.openxmlformats.org/drawingml/2006/main" xmlns:r="http://schemas.openxmlformats.org/officeDocument/2006/relationships" xmlns:p="http://schemas.openxmlformats.org/presentationml/2006/main">
+  <p:cSld>
+    <p:spTree>
+      <p:nvGrpSpPr>
+        <p:cNvPr id="1" name=""/>
+        <p:cNvGrpSpPr/>
+        <p:nvPr/>
+      </p:nvGrpSpPr>
+      <p:grpSpPr>
+        <a:xfrm>
+          <a:off x="0" y="0"/>
+          <a:ext cx="0" cy="0"/>
+          <a:chOff x="0" y="0"/>
+          <a:chExt cx="0" cy="0"/>
+        </a:xfrm>
+      </p:grpSpPr>
+      <p:sp>
+        <p:nvSpPr>
+          <p:cNvPr id="2" name="Slide Image Placeholder 1"/>
+          <p:cNvSpPr>
+            <a:spLocks noGrp="1" noRot="1" noChangeAspect="1"/>
+          </p:cNvSpPr>
+          <p:nvPr>
+            <p:ph type="sldImg"/>
+          </p:nvPr>
+        </p:nvSpPr>
+        <p:spPr/>
+      </p:sp>
+      <p:sp>
+        <p:nvSpPr>
+          <p:cNvPr id="3" name="Notes Placeholder 2"/>
+          <p:cNvSpPr>
+            <a:spLocks noGrp="1"/>
+          </p:cNvSpPr>
+          <p:nvPr>
+            <p:ph type="body" idx="1"/>
+          </p:nvPr>
+        </p:nvSpPr>
+        <p:spPr/>
+        <p:txBody>
+          <a:bodyPr/>
+          <a:lstStyle/>
+          <a:p>
+            <a:r>
+              <a:rPr lang="en-US" dirty="0"/>
+              <a:t>the 10-year period</a:t>
+            </a:r>
+          </a:p>
+        </p:txBody>
+      </p:sp>
+      <p:sp>
+        <p:nvSpPr>
+          <p:cNvPr id="4" name="Slide Number Placeholder 3"/>
+          <p:cNvSpPr>
+            <a:spLocks noGrp="1"/>
+          </p:cNvSpPr>
+          <p:nvPr>
+            <p:ph type="sldNum" sz="quarter" idx="5"/>
+          </p:nvPr>
+        </p:nvSpPr>
+        <p:spPr/>
+        <p:txBody>
+          <a:bodyPr/>
+          <a:lstStyle/>
+          <a:p>
+            <a:fld id="{8EFDE9E4-1236-D24B-A118-9F0833B0F237}" type="slidenum">
+              <a:rPr lang="en-US" smtClean="0"/>
+              <a:t>5</a:t>
+            </a:fld>
+            <a:endParaRPr lang="en-US"/>
+          </a:p>
+        </p:txBody>
+      </p:sp>
+    </p:spTree>
+    <p:extLst>
+      <p:ext uri="{BB962C8B-B14F-4D97-AF65-F5344CB8AC3E}">
+        <p14:creationId xmlns:p14="http://schemas.microsoft.com/office/powerpoint/2010/main" val="3030008134"/>
+      </p:ext>
+    </p:extLst>
+  </p:cSld>
+  <p:clrMapOvr>
+    <a:masterClrMapping/>
+  </p:clrMapOvr>
+</p:notes>
+</file>
+
+<file path=ppt/notesSlides/notesSlide5.xml><?xml version="1.0" encoding="utf-8"?>
+<p:notes xmlns:a="http://schemas.openxmlformats.org/drawingml/2006/main" xmlns:r="http://schemas.openxmlformats.org/officeDocument/2006/relationships" xmlns:p="http://schemas.openxmlformats.org/presentationml/2006/main">
+  <p:cSld>
+    <p:spTree>
+      <p:nvGrpSpPr>
+        <p:cNvPr id="1" name=""/>
+        <p:cNvGrpSpPr/>
+        <p:nvPr/>
+      </p:nvGrpSpPr>
+      <p:grpSpPr>
+        <a:xfrm>
+          <a:off x="0" y="0"/>
+          <a:ext cx="0" cy="0"/>
+          <a:chOff x="0" y="0"/>
+          <a:chExt cx="0" cy="0"/>
+        </a:xfrm>
+      </p:grpSpPr>
+      <p:sp>
+        <p:nvSpPr>
+          <p:cNvPr id="2" name="Slide Image Placeholder 1"/>
+          <p:cNvSpPr>
+            <a:spLocks noGrp="1" noRot="1" noChangeAspect="1"/>
+          </p:cNvSpPr>
+          <p:nvPr>
+            <p:ph type="sldImg"/>
+          </p:nvPr>
+        </p:nvSpPr>
+        <p:spPr/>
+      </p:sp>
+      <p:sp>
+        <p:nvSpPr>
+          <p:cNvPr id="3" name="Notes Placeholder 2"/>
+          <p:cNvSpPr>
+            <a:spLocks noGrp="1"/>
+          </p:cNvSpPr>
+          <p:nvPr>
+            <p:ph type="body" idx="1"/>
+          </p:nvPr>
+        </p:nvSpPr>
+        <p:spPr/>
+        <p:txBody>
+          <a:bodyPr/>
+          <a:lstStyle/>
+          <a:p>
+            <a:pPr marL="171450" indent="-171450">
+              <a:buFontTx/>
+              <a:buChar char="-"/>
+            </a:pPr>
+            <a:r>
+              <a:rPr lang="en-US" b="0" i="0" dirty="0">
+                <a:solidFill>
+                  <a:srgbClr val="000000"/>
+                </a:solidFill>
+                <a:effectLst/>
+                <a:latin typeface="Helvetica Neue" panose="02000503000000020004" pitchFamily="2" charset="0"/>
+              </a:rPr>
+              <a:t>combine with the previous slide we can see that the stock prices was in the uprising trend while the trading volumes were going down before 2020, indicating that the company is doing very well and the shareholders have less tendency to sell their stocks.</a:t>
+            </a:r>
+          </a:p>
+          <a:p>
+            <a:pPr marL="171450" indent="-171450">
+              <a:buFontTx/>
+              <a:buChar char="-"/>
+            </a:pPr>
+            <a:r>
+              <a:rPr lang="en-US" b="0" i="0" dirty="0">
+                <a:solidFill>
+                  <a:srgbClr val="000000"/>
+                </a:solidFill>
+                <a:effectLst/>
+                <a:latin typeface="Helvetica Neue" panose="02000503000000020004" pitchFamily="2" charset="0"/>
+              </a:rPr>
+              <a:t>Now, let's dive deeper into the dataset to see why there is an opposite trend in both matrix</a:t>
+            </a:r>
+            <a:endParaRPr lang="en-US" dirty="0"/>
+          </a:p>
+        </p:txBody>
+      </p:sp>
+      <p:sp>
+        <p:nvSpPr>
+          <p:cNvPr id="4" name="Slide Number Placeholder 3"/>
+          <p:cNvSpPr>
+            <a:spLocks noGrp="1"/>
+          </p:cNvSpPr>
+          <p:nvPr>
+            <p:ph type="sldNum" sz="quarter" idx="5"/>
+          </p:nvPr>
+        </p:nvSpPr>
+        <p:spPr/>
+        <p:txBody>
+          <a:bodyPr/>
+          <a:lstStyle/>
+          <a:p>
+            <a:fld id="{8EFDE9E4-1236-D24B-A118-9F0833B0F237}" type="slidenum">
+              <a:rPr lang="en-US" smtClean="0"/>
+              <a:t>6</a:t>
+            </a:fld>
+            <a:endParaRPr lang="en-US"/>
+          </a:p>
+        </p:txBody>
+      </p:sp>
+    </p:spTree>
+    <p:extLst>
+      <p:ext uri="{BB962C8B-B14F-4D97-AF65-F5344CB8AC3E}">
+        <p14:creationId xmlns:p14="http://schemas.microsoft.com/office/powerpoint/2010/main" val="4139536596"/>
+      </p:ext>
+    </p:extLst>
+  </p:cSld>
+  <p:clrMapOvr>
+    <a:masterClrMapping/>
+  </p:clrMapOvr>
+</p:notes>
+</file>
+
+<file path=ppt/notesSlides/notesSlide6.xml><?xml version="1.0" encoding="utf-8"?>
+<p:notes xmlns:a="http://schemas.openxmlformats.org/drawingml/2006/main" xmlns:r="http://schemas.openxmlformats.org/officeDocument/2006/relationships" xmlns:p="http://schemas.openxmlformats.org/presentationml/2006/main">
+  <p:cSld>
+    <p:spTree>
+      <p:nvGrpSpPr>
+        <p:cNvPr id="1" name=""/>
+        <p:cNvGrpSpPr/>
+        <p:nvPr/>
+      </p:nvGrpSpPr>
+      <p:grpSpPr>
+        <a:xfrm>
+          <a:off x="0" y="0"/>
+          <a:ext cx="0" cy="0"/>
+          <a:chOff x="0" y="0"/>
+          <a:chExt cx="0" cy="0"/>
+        </a:xfrm>
+      </p:grpSpPr>
+      <p:sp>
+        <p:nvSpPr>
+          <p:cNvPr id="2" name="Slide Image Placeholder 1"/>
+          <p:cNvSpPr>
+            <a:spLocks noGrp="1" noRot="1" noChangeAspect="1"/>
+          </p:cNvSpPr>
+          <p:nvPr>
+            <p:ph type="sldImg"/>
+          </p:nvPr>
+        </p:nvSpPr>
+        <p:spPr/>
+      </p:sp>
+      <p:sp>
+        <p:nvSpPr>
+          <p:cNvPr id="3" name="Notes Placeholder 2"/>
+          <p:cNvSpPr>
+            <a:spLocks noGrp="1"/>
+          </p:cNvSpPr>
+          <p:nvPr>
+            <p:ph type="body" idx="1"/>
+          </p:nvPr>
+        </p:nvSpPr>
+        <p:spPr/>
+        <p:txBody>
+          <a:bodyPr/>
+          <a:lstStyle/>
+          <a:p>
+            <a:r>
+              <a:rPr lang="en-US" dirty="0"/>
+              <a:t>first  </a:t>
+            </a:r>
+            <a:r>
+              <a:rPr lang="en-US" dirty="0" err="1"/>
+              <a:t>thats</a:t>
+            </a:r>
+            <a:r>
+              <a:rPr lang="en-US" dirty="0"/>
+              <a:t> take a look at the impact of covid </a:t>
+            </a:r>
+          </a:p>
+        </p:txBody>
+      </p:sp>
+      <p:sp>
+        <p:nvSpPr>
+          <p:cNvPr id="4" name="Slide Number Placeholder 3"/>
+          <p:cNvSpPr>
+            <a:spLocks noGrp="1"/>
+          </p:cNvSpPr>
+          <p:nvPr>
+            <p:ph type="sldNum" sz="quarter" idx="5"/>
+          </p:nvPr>
+        </p:nvSpPr>
+        <p:spPr/>
+        <p:txBody>
+          <a:bodyPr/>
+          <a:lstStyle/>
+          <a:p>
+            <a:fld id="{8EFDE9E4-1236-D24B-A118-9F0833B0F237}" type="slidenum">
+              <a:rPr lang="en-US" smtClean="0"/>
+              <a:t>7</a:t>
+            </a:fld>
+            <a:endParaRPr lang="en-US"/>
+          </a:p>
+        </p:txBody>
+      </p:sp>
+    </p:spTree>
+    <p:extLst>
+      <p:ext uri="{BB962C8B-B14F-4D97-AF65-F5344CB8AC3E}">
+        <p14:creationId xmlns:p14="http://schemas.microsoft.com/office/powerpoint/2010/main" val="16067301"/>
+      </p:ext>
+    </p:extLst>
+  </p:cSld>
+  <p:clrMapOvr>
+    <a:masterClrMapping/>
+  </p:clrMapOvr>
+</p:notes>
+</file>
+
+<file path=ppt/notesSlides/notesSlide7.xml><?xml version="1.0" encoding="utf-8"?>
+<p:notes xmlns:a="http://schemas.openxmlformats.org/drawingml/2006/main" xmlns:r="http://schemas.openxmlformats.org/officeDocument/2006/relationships" xmlns:p="http://schemas.openxmlformats.org/presentationml/2006/main">
+  <p:cSld>
+    <p:spTree>
+      <p:nvGrpSpPr>
+        <p:cNvPr id="1" name=""/>
+        <p:cNvGrpSpPr/>
+        <p:nvPr/>
+      </p:nvGrpSpPr>
+      <p:grpSpPr>
+        <a:xfrm>
+          <a:off x="0" y="0"/>
+          <a:ext cx="0" cy="0"/>
+          <a:chOff x="0" y="0"/>
+          <a:chExt cx="0" cy="0"/>
+        </a:xfrm>
+      </p:grpSpPr>
+      <p:sp>
+        <p:nvSpPr>
+          <p:cNvPr id="2" name="Slide Image Placeholder 1"/>
+          <p:cNvSpPr>
+            <a:spLocks noGrp="1" noRot="1" noChangeAspect="1"/>
+          </p:cNvSpPr>
+          <p:nvPr>
+            <p:ph type="sldImg"/>
+          </p:nvPr>
+        </p:nvSpPr>
+        <p:spPr/>
+      </p:sp>
+      <p:sp>
+        <p:nvSpPr>
+          <p:cNvPr id="3" name="Notes Placeholder 2"/>
+          <p:cNvSpPr>
+            <a:spLocks noGrp="1"/>
+          </p:cNvSpPr>
+          <p:nvPr>
+            <p:ph type="body" idx="1"/>
+          </p:nvPr>
+        </p:nvSpPr>
+        <p:spPr/>
+        <p:txBody>
+          <a:bodyPr/>
+          <a:lstStyle/>
+          <a:p>
+            <a:endParaRPr lang="en-US" dirty="0"/>
+          </a:p>
+        </p:txBody>
+      </p:sp>
+      <p:sp>
+        <p:nvSpPr>
+          <p:cNvPr id="4" name="Slide Number Placeholder 3"/>
+          <p:cNvSpPr>
+            <a:spLocks noGrp="1"/>
+          </p:cNvSpPr>
+          <p:nvPr>
+            <p:ph type="sldNum" sz="quarter" idx="5"/>
+          </p:nvPr>
+        </p:nvSpPr>
+        <p:spPr/>
+        <p:txBody>
+          <a:bodyPr/>
+          <a:lstStyle/>
+          <a:p>
+            <a:fld id="{8EFDE9E4-1236-D24B-A118-9F0833B0F237}" type="slidenum">
+              <a:rPr lang="en-US" smtClean="0"/>
+              <a:t>8</a:t>
+            </a:fld>
+            <a:endParaRPr lang="en-US"/>
+          </a:p>
+        </p:txBody>
+      </p:sp>
+    </p:spTree>
+    <p:extLst>
+      <p:ext uri="{BB962C8B-B14F-4D97-AF65-F5344CB8AC3E}">
+        <p14:creationId xmlns:p14="http://schemas.microsoft.com/office/powerpoint/2010/main" val="3317973082"/>
+      </p:ext>
+    </p:extLst>
+  </p:cSld>
+  <p:clrMapOvr>
+    <a:masterClrMapping/>
+  </p:clrMapOvr>
+</p:notes>
+</file>
+
+<file path=ppt/notesSlides/notesSlide8.xml><?xml version="1.0" encoding="utf-8"?>
+<p:notes xmlns:a="http://schemas.openxmlformats.org/drawingml/2006/main" xmlns:r="http://schemas.openxmlformats.org/officeDocument/2006/relationships" xmlns:p="http://schemas.openxmlformats.org/presentationml/2006/main">
+  <p:cSld>
+    <p:spTree>
+      <p:nvGrpSpPr>
+        <p:cNvPr id="1" name=""/>
+        <p:cNvGrpSpPr/>
+        <p:nvPr/>
+      </p:nvGrpSpPr>
+      <p:grpSpPr>
+        <a:xfrm>
+          <a:off x="0" y="0"/>
+          <a:ext cx="0" cy="0"/>
+          <a:chOff x="0" y="0"/>
+          <a:chExt cx="0" cy="0"/>
+        </a:xfrm>
+      </p:grpSpPr>
+      <p:sp>
+        <p:nvSpPr>
+          <p:cNvPr id="2" name="Slide Image Placeholder 1"/>
+          <p:cNvSpPr>
+            <a:spLocks noGrp="1" noRot="1" noChangeAspect="1"/>
+          </p:cNvSpPr>
+          <p:nvPr>
+            <p:ph type="sldImg"/>
+          </p:nvPr>
+        </p:nvSpPr>
+        <p:spPr/>
+      </p:sp>
+      <p:sp>
+        <p:nvSpPr>
+          <p:cNvPr id="3" name="Notes Placeholder 2"/>
+          <p:cNvSpPr>
+            <a:spLocks noGrp="1"/>
+          </p:cNvSpPr>
+          <p:nvPr>
+            <p:ph type="body" idx="1"/>
+          </p:nvPr>
+        </p:nvSpPr>
+        <p:spPr/>
+        <p:txBody>
+          <a:bodyPr/>
+          <a:lstStyle/>
+          <a:p>
+            <a:r>
+              <a:rPr lang="en-US" dirty="0"/>
+              <a:t>since its a shorter period of time compare to the 10-year interval, </a:t>
+            </a:r>
+            <a:r>
+              <a:rPr lang="en-US" dirty="0" err="1"/>
+              <a:t>i</a:t>
+            </a:r>
+            <a:r>
+              <a:rPr lang="en-US" dirty="0"/>
+              <a:t> used data on daily basis to get a better understanding of the market.</a:t>
+            </a:r>
+          </a:p>
+        </p:txBody>
+      </p:sp>
+      <p:sp>
+        <p:nvSpPr>
+          <p:cNvPr id="4" name="Slide Number Placeholder 3"/>
+          <p:cNvSpPr>
+            <a:spLocks noGrp="1"/>
+          </p:cNvSpPr>
+          <p:nvPr>
+            <p:ph type="sldNum" sz="quarter" idx="5"/>
+          </p:nvPr>
+        </p:nvSpPr>
+        <p:spPr/>
+        <p:txBody>
+          <a:bodyPr/>
+          <a:lstStyle/>
+          <a:p>
+            <a:fld id="{8EFDE9E4-1236-D24B-A118-9F0833B0F237}" type="slidenum">
+              <a:rPr lang="en-US" smtClean="0"/>
+              <a:t>9</a:t>
+            </a:fld>
+            <a:endParaRPr lang="en-US"/>
+          </a:p>
+        </p:txBody>
+      </p:sp>
+    </p:spTree>
+    <p:extLst>
+      <p:ext uri="{BB962C8B-B14F-4D97-AF65-F5344CB8AC3E}">
+        <p14:creationId xmlns:p14="http://schemas.microsoft.com/office/powerpoint/2010/main" val="185488307"/>
+      </p:ext>
+    </p:extLst>
+  </p:cSld>
+  <p:clrMapOvr>
+    <a:masterClrMapping/>
+  </p:clrMapOvr>
+</p:notes>
+</file>
+
 <file path=ppt/notesSlides/notesSlide9.xml><?xml version="1.0" encoding="utf-8"?>
 <p:notes xmlns:a="http://schemas.openxmlformats.org/drawingml/2006/main" xmlns:r="http://schemas.openxmlformats.org/officeDocument/2006/relationships" xmlns:p="http://schemas.openxmlformats.org/presentationml/2006/main">
   <p:cSld>
@@ -5010,7 +5609,7 @@
           <a:p>
             <a:r>
               <a:rPr lang="en-US" dirty="0"/>
-              <a:t>To calculate the market cap, we used the outstanding share data multiply by the stock price.</a:t>
+              <a:t>Resample the data into monthly basis for clear visualization</a:t>
             </a:r>
           </a:p>
           <a:p>
@@ -5019,31 +5618,7 @@
           <a:p>
             <a:r>
               <a:rPr lang="en-US" dirty="0"/>
-              <a:t>we </a:t>
-            </a:r>
-            <a:r>
-              <a:rPr lang="en-US" dirty="0" err="1"/>
-              <a:t>wanna</a:t>
-            </a:r>
-            <a:r>
-              <a:rPr lang="en-US" dirty="0"/>
-              <a:t> compare the market cap </a:t>
-            </a:r>
-            <a:r>
-              <a:rPr lang="en-US" dirty="0" err="1"/>
-              <a:t>cahnge</a:t>
-            </a:r>
-            <a:r>
-              <a:rPr lang="en-US" dirty="0"/>
-              <a:t> among 3 different time period which are pre-covid, during covid and </a:t>
-            </a:r>
-            <a:r>
-              <a:rPr lang="en-US" dirty="0" err="1"/>
-              <a:t>pst</a:t>
-            </a:r>
-            <a:r>
-              <a:rPr lang="en-US" dirty="0"/>
-              <a:t>-covid. </a:t>
+              <a:t>the bar graph represents the trending volume, and the line graph represents the prices trend for each company.</a:t>
             </a:r>
           </a:p>
         </p:txBody>
@@ -5065,7 +5640,7 @@
           <a:p>
             <a:fld id="{8EFDE9E4-1236-D24B-A118-9F0833B0F237}" type="slidenum">
               <a:rPr lang="en-US" smtClean="0"/>
-              <a:t>12</a:t>
+              <a:t>10</a:t>
             </a:fld>
             <a:endParaRPr lang="en-US"/>
           </a:p>
@@ -5074,7 +5649,7 @@
     </p:spTree>
     <p:extLst>
       <p:ext uri="{BB962C8B-B14F-4D97-AF65-F5344CB8AC3E}">
-        <p14:creationId xmlns:p14="http://schemas.microsoft.com/office/powerpoint/2010/main" val="3917743116"/>
+        <p14:creationId xmlns:p14="http://schemas.microsoft.com/office/powerpoint/2010/main" val="3392753324"/>
       </p:ext>
     </p:extLst>
   </p:cSld>
@@ -5572,7 +6147,7 @@
           <a:p>
             <a:fld id="{72345051-2045-45DA-935E-2E3CA1A69ADC}" type="datetimeFigureOut">
               <a:rPr lang="en-US" smtClean="0"/>
-              <a:t>7/23/23</a:t>
+              <a:t>7/24/23</a:t>
             </a:fld>
             <a:endParaRPr lang="en-US" dirty="0"/>
           </a:p>
@@ -5770,7 +6345,7 @@
           <a:p>
             <a:fld id="{72345051-2045-45DA-935E-2E3CA1A69ADC}" type="datetimeFigureOut">
               <a:rPr lang="en-US" smtClean="0"/>
-              <a:t>7/23/23</a:t>
+              <a:t>7/24/23</a:t>
             </a:fld>
             <a:endParaRPr lang="en-US"/>
           </a:p>
@@ -5978,7 +6553,7 @@
           <a:p>
             <a:fld id="{72345051-2045-45DA-935E-2E3CA1A69ADC}" type="datetimeFigureOut">
               <a:rPr lang="en-US" smtClean="0"/>
-              <a:t>7/23/23</a:t>
+              <a:t>7/24/23</a:t>
             </a:fld>
             <a:endParaRPr lang="en-US"/>
           </a:p>
@@ -6200,7 +6775,7 @@
           <a:p>
             <a:fld id="{72345051-2045-45DA-935E-2E3CA1A69ADC}" type="datetimeFigureOut">
               <a:rPr lang="en-US" smtClean="0"/>
-              <a:t>7/23/23</a:t>
+              <a:t>7/24/23</a:t>
             </a:fld>
             <a:endParaRPr lang="en-US"/>
           </a:p>
@@ -7111,7 +7686,7 @@
           <a:p>
             <a:fld id="{72345051-2045-45DA-935E-2E3CA1A69ADC}" type="datetimeFigureOut">
               <a:rPr lang="en-US" smtClean="0"/>
-              <a:t>7/23/23</a:t>
+              <a:t>7/24/23</a:t>
             </a:fld>
             <a:endParaRPr lang="en-US"/>
           </a:p>
@@ -7714,7 +8289,7 @@
           <a:p>
             <a:fld id="{72345051-2045-45DA-935E-2E3CA1A69ADC}" type="datetimeFigureOut">
               <a:rPr lang="en-US" smtClean="0"/>
-              <a:t>7/23/23</a:t>
+              <a:t>7/24/23</a:t>
             </a:fld>
             <a:endParaRPr lang="en-US"/>
           </a:p>
@@ -8762,7 +9337,7 @@
           <a:p>
             <a:fld id="{72345051-2045-45DA-935E-2E3CA1A69ADC}" type="datetimeFigureOut">
               <a:rPr lang="en-US" smtClean="0"/>
-              <a:t>7/23/23</a:t>
+              <a:t>7/24/23</a:t>
             </a:fld>
             <a:endParaRPr lang="en-US"/>
           </a:p>
@@ -9546,7 +10121,7 @@
           <a:p>
             <a:fld id="{72345051-2045-45DA-935E-2E3CA1A69ADC}" type="datetimeFigureOut">
               <a:rPr lang="en-US" smtClean="0"/>
-              <a:t>7/23/23</a:t>
+              <a:t>7/24/23</a:t>
             </a:fld>
             <a:endParaRPr lang="en-US"/>
           </a:p>
@@ -9995,7 +10570,7 @@
           <a:p>
             <a:fld id="{72345051-2045-45DA-935E-2E3CA1A69ADC}" type="datetimeFigureOut">
               <a:rPr lang="en-US" smtClean="0"/>
-              <a:t>7/23/23</a:t>
+              <a:t>7/24/23</a:t>
             </a:fld>
             <a:endParaRPr lang="en-US"/>
           </a:p>
@@ -10312,7 +10887,7 @@
           <a:p>
             <a:fld id="{72345051-2045-45DA-935E-2E3CA1A69ADC}" type="datetimeFigureOut">
               <a:rPr lang="en-US" smtClean="0"/>
-              <a:t>7/23/23</a:t>
+              <a:t>7/24/23</a:t>
             </a:fld>
             <a:endParaRPr lang="en-US"/>
           </a:p>
@@ -10940,7 +11515,7 @@
           <a:p>
             <a:fld id="{72345051-2045-45DA-935E-2E3CA1A69ADC}" type="datetimeFigureOut">
               <a:rPr lang="en-US" smtClean="0"/>
-              <a:t>7/23/23</a:t>
+              <a:t>7/24/23</a:t>
             </a:fld>
             <a:endParaRPr lang="en-US"/>
           </a:p>
@@ -11513,7 +12088,7 @@
           <a:p>
             <a:fld id="{72345051-2045-45DA-935E-2E3CA1A69ADC}" type="datetimeFigureOut">
               <a:rPr lang="en-US" smtClean="0"/>
-              <a:t>7/23/23</a:t>
+              <a:t>7/24/23</a:t>
             </a:fld>
             <a:endParaRPr lang="en-US" dirty="0"/>
           </a:p>
@@ -15709,7 +16284,7 @@
         </p:blipFill>
         <p:spPr>
           <a:xfrm>
-            <a:off x="6131848" y="206271"/>
+            <a:off x="6131848" y="542945"/>
             <a:ext cx="5958110" cy="3066769"/>
           </a:xfrm>
           <a:prstGeom prst="rect">
@@ -15731,7 +16306,7 @@
         </p:nvSpPr>
         <p:spPr>
           <a:xfrm>
-            <a:off x="7971983" y="3142651"/>
+            <a:off x="7871656" y="3327544"/>
             <a:ext cx="4174297" cy="3477875"/>
           </a:xfrm>
           <a:prstGeom prst="rect">
@@ -15747,7 +16322,7 @@
           <a:p>
             <a:r>
               <a:rPr lang="en-US" sz="4400" b="1" dirty="0"/>
-              <a:t>FAANG stocks initially dropped during the pandemic, except for Netflix. They later recovered, reflecting investors’ confidence.</a:t>
+              <a:t>FAANG stocks initially dropped during the pandemic, except for Netflix. They later recovered, reflecting FAANG regained investors’ confidence.</a:t>
             </a:r>
           </a:p>
         </p:txBody>
@@ -15973,9 +16548,18 @@
                 <a:spcPct val="90000"/>
               </a:lnSpc>
             </a:pPr>
+            <a:br>
+              <a:rPr lang="en-US" sz="6600" dirty="0"/>
+            </a:br>
+            <a:br>
+              <a:rPr lang="en-US" sz="6600" dirty="0"/>
+            </a:br>
+            <a:br>
+              <a:rPr lang="en-US" sz="6600" dirty="0"/>
+            </a:br>
             <a:r>
               <a:rPr lang="en-US" sz="6600" dirty="0"/>
-              <a:t>Share Data </a:t>
+              <a:t>Share Data</a:t>
             </a:r>
           </a:p>
         </p:txBody>
@@ -16444,6 +17028,952 @@
           <a:chExt cx="0" cy="0"/>
         </a:xfrm>
       </p:grpSpPr>
+      <p:sp>
+        <p:nvSpPr>
+          <p:cNvPr id="56" name="Rectangle 6">
+            <a:extLst>
+              <a:ext uri="{FF2B5EF4-FFF2-40B4-BE49-F238E27FC236}">
+                <a16:creationId xmlns:a16="http://schemas.microsoft.com/office/drawing/2014/main" id="{DA381740-063A-41A4-836D-85D14980EEF0}"/>
+              </a:ext>
+              <a:ext uri="{C183D7F6-B498-43B3-948B-1728B52AA6E4}">
+                <adec:decorative xmlns:adec="http://schemas.microsoft.com/office/drawing/2017/decorative" val="1"/>
+              </a:ext>
+            </a:extLst>
+          </p:cNvPr>
+          <p:cNvSpPr>
+            <a:spLocks noGrp="1" noRot="1" noChangeAspect="1" noMove="1" noResize="1" noEditPoints="1" noAdjustHandles="1" noChangeArrowheads="1" noChangeShapeType="1" noTextEdit="1"/>
+          </p:cNvSpPr>
+          <p:nvPr>
+            <p:extLst>
+              <p:ext uri="{386F3935-93C4-4BCD-93E2-E3B085C9AB24}">
+                <p16:designElem xmlns:p16="http://schemas.microsoft.com/office/powerpoint/2015/main" val="1"/>
+              </p:ext>
+            </p:extLst>
+          </p:nvPr>
+        </p:nvSpPr>
+        <p:spPr>
+          <a:xfrm>
+            <a:off x="838200" y="4736883"/>
+            <a:ext cx="4243589" cy="27432"/>
+          </a:xfrm>
+          <a:custGeom>
+            <a:avLst/>
+            <a:gdLst>
+              <a:gd name="connsiteX0" fmla="*/ 0 w 4243589"/>
+              <a:gd name="connsiteY0" fmla="*/ 0 h 27432"/>
+              <a:gd name="connsiteX1" fmla="*/ 563791 w 4243589"/>
+              <a:gd name="connsiteY1" fmla="*/ 0 h 27432"/>
+              <a:gd name="connsiteX2" fmla="*/ 1042710 w 4243589"/>
+              <a:gd name="connsiteY2" fmla="*/ 0 h 27432"/>
+              <a:gd name="connsiteX3" fmla="*/ 1564066 w 4243589"/>
+              <a:gd name="connsiteY3" fmla="*/ 0 h 27432"/>
+              <a:gd name="connsiteX4" fmla="*/ 2212729 w 4243589"/>
+              <a:gd name="connsiteY4" fmla="*/ 0 h 27432"/>
+              <a:gd name="connsiteX5" fmla="*/ 2776520 w 4243589"/>
+              <a:gd name="connsiteY5" fmla="*/ 0 h 27432"/>
+              <a:gd name="connsiteX6" fmla="*/ 3297875 w 4243589"/>
+              <a:gd name="connsiteY6" fmla="*/ 0 h 27432"/>
+              <a:gd name="connsiteX7" fmla="*/ 4243589 w 4243589"/>
+              <a:gd name="connsiteY7" fmla="*/ 0 h 27432"/>
+              <a:gd name="connsiteX8" fmla="*/ 4243589 w 4243589"/>
+              <a:gd name="connsiteY8" fmla="*/ 27432 h 27432"/>
+              <a:gd name="connsiteX9" fmla="*/ 3637362 w 4243589"/>
+              <a:gd name="connsiteY9" fmla="*/ 27432 h 27432"/>
+              <a:gd name="connsiteX10" fmla="*/ 3116007 w 4243589"/>
+              <a:gd name="connsiteY10" fmla="*/ 27432 h 27432"/>
+              <a:gd name="connsiteX11" fmla="*/ 2424908 w 4243589"/>
+              <a:gd name="connsiteY11" fmla="*/ 27432 h 27432"/>
+              <a:gd name="connsiteX12" fmla="*/ 1861117 w 4243589"/>
+              <a:gd name="connsiteY12" fmla="*/ 27432 h 27432"/>
+              <a:gd name="connsiteX13" fmla="*/ 1382198 w 4243589"/>
+              <a:gd name="connsiteY13" fmla="*/ 27432 h 27432"/>
+              <a:gd name="connsiteX14" fmla="*/ 733535 w 4243589"/>
+              <a:gd name="connsiteY14" fmla="*/ 27432 h 27432"/>
+              <a:gd name="connsiteX15" fmla="*/ 0 w 4243589"/>
+              <a:gd name="connsiteY15" fmla="*/ 27432 h 27432"/>
+              <a:gd name="connsiteX16" fmla="*/ 0 w 4243589"/>
+              <a:gd name="connsiteY16" fmla="*/ 0 h 27432"/>
+            </a:gdLst>
+            <a:ahLst/>
+            <a:cxnLst>
+              <a:cxn ang="0">
+                <a:pos x="connsiteX0" y="connsiteY0"/>
+              </a:cxn>
+              <a:cxn ang="0">
+                <a:pos x="connsiteX1" y="connsiteY1"/>
+              </a:cxn>
+              <a:cxn ang="0">
+                <a:pos x="connsiteX2" y="connsiteY2"/>
+              </a:cxn>
+              <a:cxn ang="0">
+                <a:pos x="connsiteX3" y="connsiteY3"/>
+              </a:cxn>
+              <a:cxn ang="0">
+                <a:pos x="connsiteX4" y="connsiteY4"/>
+              </a:cxn>
+              <a:cxn ang="0">
+                <a:pos x="connsiteX5" y="connsiteY5"/>
+              </a:cxn>
+              <a:cxn ang="0">
+                <a:pos x="connsiteX6" y="connsiteY6"/>
+              </a:cxn>
+              <a:cxn ang="0">
+                <a:pos x="connsiteX7" y="connsiteY7"/>
+              </a:cxn>
+              <a:cxn ang="0">
+                <a:pos x="connsiteX8" y="connsiteY8"/>
+              </a:cxn>
+              <a:cxn ang="0">
+                <a:pos x="connsiteX9" y="connsiteY9"/>
+              </a:cxn>
+              <a:cxn ang="0">
+                <a:pos x="connsiteX10" y="connsiteY10"/>
+              </a:cxn>
+              <a:cxn ang="0">
+                <a:pos x="connsiteX11" y="connsiteY11"/>
+              </a:cxn>
+              <a:cxn ang="0">
+                <a:pos x="connsiteX12" y="connsiteY12"/>
+              </a:cxn>
+              <a:cxn ang="0">
+                <a:pos x="connsiteX13" y="connsiteY13"/>
+              </a:cxn>
+              <a:cxn ang="0">
+                <a:pos x="connsiteX14" y="connsiteY14"/>
+              </a:cxn>
+              <a:cxn ang="0">
+                <a:pos x="connsiteX15" y="connsiteY15"/>
+              </a:cxn>
+              <a:cxn ang="0">
+                <a:pos x="connsiteX16" y="connsiteY16"/>
+              </a:cxn>
+            </a:cxnLst>
+            <a:rect l="l" t="t" r="r" b="b"/>
+            <a:pathLst>
+              <a:path w="4243589" h="27432" fill="none" extrusionOk="0">
+                <a:moveTo>
+                  <a:pt x="0" y="0"/>
+                </a:moveTo>
+                <a:cubicBezTo>
+                  <a:pt x="157351" y="-15653"/>
+                  <a:pt x="378877" y="-5828"/>
+                  <a:pt x="563791" y="0"/>
+                </a:cubicBezTo>
+                <a:cubicBezTo>
+                  <a:pt x="748705" y="5828"/>
+                  <a:pt x="905659" y="-5525"/>
+                  <a:pt x="1042710" y="0"/>
+                </a:cubicBezTo>
+                <a:cubicBezTo>
+                  <a:pt x="1179761" y="5525"/>
+                  <a:pt x="1356845" y="-21288"/>
+                  <a:pt x="1564066" y="0"/>
+                </a:cubicBezTo>
+                <a:cubicBezTo>
+                  <a:pt x="1771287" y="21288"/>
+                  <a:pt x="1912099" y="25135"/>
+                  <a:pt x="2212729" y="0"/>
+                </a:cubicBezTo>
+                <a:cubicBezTo>
+                  <a:pt x="2513359" y="-25135"/>
+                  <a:pt x="2514918" y="-27119"/>
+                  <a:pt x="2776520" y="0"/>
+                </a:cubicBezTo>
+                <a:cubicBezTo>
+                  <a:pt x="3038122" y="27119"/>
+                  <a:pt x="3178771" y="18116"/>
+                  <a:pt x="3297875" y="0"/>
+                </a:cubicBezTo>
+                <a:cubicBezTo>
+                  <a:pt x="3416980" y="-18116"/>
+                  <a:pt x="4012240" y="-40869"/>
+                  <a:pt x="4243589" y="0"/>
+                </a:cubicBezTo>
+                <a:cubicBezTo>
+                  <a:pt x="4242616" y="8304"/>
+                  <a:pt x="4243111" y="21512"/>
+                  <a:pt x="4243589" y="27432"/>
+                </a:cubicBezTo>
+                <a:cubicBezTo>
+                  <a:pt x="4112949" y="6289"/>
+                  <a:pt x="3928037" y="10975"/>
+                  <a:pt x="3637362" y="27432"/>
+                </a:cubicBezTo>
+                <a:cubicBezTo>
+                  <a:pt x="3346687" y="43889"/>
+                  <a:pt x="3254446" y="35813"/>
+                  <a:pt x="3116007" y="27432"/>
+                </a:cubicBezTo>
+                <a:cubicBezTo>
+                  <a:pt x="2977569" y="19051"/>
+                  <a:pt x="2620228" y="38017"/>
+                  <a:pt x="2424908" y="27432"/>
+                </a:cubicBezTo>
+                <a:cubicBezTo>
+                  <a:pt x="2229588" y="16847"/>
+                  <a:pt x="2088287" y="5290"/>
+                  <a:pt x="1861117" y="27432"/>
+                </a:cubicBezTo>
+                <a:cubicBezTo>
+                  <a:pt x="1633947" y="49574"/>
+                  <a:pt x="1502447" y="8273"/>
+                  <a:pt x="1382198" y="27432"/>
+                </a:cubicBezTo>
+                <a:cubicBezTo>
+                  <a:pt x="1261949" y="46591"/>
+                  <a:pt x="1045440" y="37497"/>
+                  <a:pt x="733535" y="27432"/>
+                </a:cubicBezTo>
+                <a:cubicBezTo>
+                  <a:pt x="421630" y="17367"/>
+                  <a:pt x="341257" y="-9215"/>
+                  <a:pt x="0" y="27432"/>
+                </a:cubicBezTo>
+                <a:cubicBezTo>
+                  <a:pt x="-1048" y="14992"/>
+                  <a:pt x="-1120" y="7447"/>
+                  <a:pt x="0" y="0"/>
+                </a:cubicBezTo>
+                <a:close/>
+              </a:path>
+              <a:path w="4243589" h="27432" stroke="0" extrusionOk="0">
+                <a:moveTo>
+                  <a:pt x="0" y="0"/>
+                </a:moveTo>
+                <a:cubicBezTo>
+                  <a:pt x="128164" y="17204"/>
+                  <a:pt x="312653" y="1129"/>
+                  <a:pt x="563791" y="0"/>
+                </a:cubicBezTo>
+                <a:cubicBezTo>
+                  <a:pt x="814929" y="-1129"/>
+                  <a:pt x="837271" y="8503"/>
+                  <a:pt x="1042710" y="0"/>
+                </a:cubicBezTo>
+                <a:cubicBezTo>
+                  <a:pt x="1248149" y="-8503"/>
+                  <a:pt x="1588432" y="-28862"/>
+                  <a:pt x="1733809" y="0"/>
+                </a:cubicBezTo>
+                <a:cubicBezTo>
+                  <a:pt x="1879186" y="28862"/>
+                  <a:pt x="2052815" y="5974"/>
+                  <a:pt x="2297600" y="0"/>
+                </a:cubicBezTo>
+                <a:cubicBezTo>
+                  <a:pt x="2542385" y="-5974"/>
+                  <a:pt x="2699960" y="-23550"/>
+                  <a:pt x="2861391" y="0"/>
+                </a:cubicBezTo>
+                <a:cubicBezTo>
+                  <a:pt x="3022822" y="23550"/>
+                  <a:pt x="3390411" y="25272"/>
+                  <a:pt x="3552490" y="0"/>
+                </a:cubicBezTo>
+                <a:cubicBezTo>
+                  <a:pt x="3714569" y="-25272"/>
+                  <a:pt x="3950585" y="-31327"/>
+                  <a:pt x="4243589" y="0"/>
+                </a:cubicBezTo>
+                <a:cubicBezTo>
+                  <a:pt x="4244074" y="9333"/>
+                  <a:pt x="4244867" y="19699"/>
+                  <a:pt x="4243589" y="27432"/>
+                </a:cubicBezTo>
+                <a:cubicBezTo>
+                  <a:pt x="4130424" y="7904"/>
+                  <a:pt x="3932803" y="51393"/>
+                  <a:pt x="3722234" y="27432"/>
+                </a:cubicBezTo>
+                <a:cubicBezTo>
+                  <a:pt x="3511665" y="3471"/>
+                  <a:pt x="3269903" y="55138"/>
+                  <a:pt x="3116007" y="27432"/>
+                </a:cubicBezTo>
+                <a:cubicBezTo>
+                  <a:pt x="2962111" y="-274"/>
+                  <a:pt x="2744280" y="32368"/>
+                  <a:pt x="2509780" y="27432"/>
+                </a:cubicBezTo>
+                <a:cubicBezTo>
+                  <a:pt x="2275280" y="22496"/>
+                  <a:pt x="2066059" y="52808"/>
+                  <a:pt x="1945989" y="27432"/>
+                </a:cubicBezTo>
+                <a:cubicBezTo>
+                  <a:pt x="1825919" y="2056"/>
+                  <a:pt x="1407329" y="21760"/>
+                  <a:pt x="1254890" y="27432"/>
+                </a:cubicBezTo>
+                <a:cubicBezTo>
+                  <a:pt x="1102451" y="33104"/>
+                  <a:pt x="837950" y="40817"/>
+                  <a:pt x="563791" y="27432"/>
+                </a:cubicBezTo>
+                <a:cubicBezTo>
+                  <a:pt x="289632" y="14047"/>
+                  <a:pt x="132768" y="16249"/>
+                  <a:pt x="0" y="27432"/>
+                </a:cubicBezTo>
+                <a:cubicBezTo>
+                  <a:pt x="211" y="18145"/>
+                  <a:pt x="120" y="6480"/>
+                  <a:pt x="0" y="0"/>
+                </a:cubicBezTo>
+                <a:close/>
+              </a:path>
+            </a:pathLst>
+          </a:custGeom>
+          <a:solidFill>
+            <a:schemeClr val="tx1"/>
+          </a:solidFill>
+          <a:ln w="38100" cap="rnd">
+            <a:solidFill>
+              <a:schemeClr val="tx1"/>
+            </a:solidFill>
+            <a:round/>
+            <a:extLst>
+              <a:ext uri="{C807C97D-BFC1-408E-A445-0C87EB9F89A2}">
+                <ask:lineSketchStyleProps xmlns:ask="http://schemas.microsoft.com/office/drawing/2018/sketchyshapes" sd="1219033472">
+                  <a:prstGeom prst="rect">
+                    <a:avLst/>
+                  </a:prstGeom>
+                  <ask:type>
+                    <ask:lineSketchFreehand/>
+                  </ask:type>
+                </ask:lineSketchStyleProps>
+              </a:ext>
+            </a:extLst>
+          </a:ln>
+        </p:spPr>
+        <p:style>
+          <a:lnRef idx="2">
+            <a:schemeClr val="accent1">
+              <a:shade val="50000"/>
+            </a:schemeClr>
+          </a:lnRef>
+          <a:fillRef idx="1">
+            <a:schemeClr val="accent1"/>
+          </a:fillRef>
+          <a:effectRef idx="0">
+            <a:schemeClr val="accent1"/>
+          </a:effectRef>
+          <a:fontRef idx="minor">
+            <a:schemeClr val="lt1"/>
+          </a:fontRef>
+        </p:style>
+        <p:txBody>
+          <a:bodyPr rtlCol="0" anchor="ctr"/>
+          <a:lstStyle/>
+          <a:p>
+            <a:pPr algn="ctr"/>
+            <a:endParaRPr lang="en-US">
+              <a:solidFill>
+                <a:schemeClr val="tx1"/>
+              </a:solidFill>
+            </a:endParaRPr>
+          </a:p>
+        </p:txBody>
+      </p:sp>
+      <p:sp useBgFill="1">
+        <p:nvSpPr>
+          <p:cNvPr id="58" name="Rectangle 57">
+            <a:extLst>
+              <a:ext uri="{FF2B5EF4-FFF2-40B4-BE49-F238E27FC236}">
+                <a16:creationId xmlns:a16="http://schemas.microsoft.com/office/drawing/2014/main" id="{A03CEDD6-8F27-4509-BD35-6A78B51E044B}"/>
+              </a:ext>
+              <a:ext uri="{C183D7F6-B498-43B3-948B-1728B52AA6E4}">
+                <adec:decorative xmlns:adec="http://schemas.microsoft.com/office/drawing/2017/decorative" val="1"/>
+              </a:ext>
+            </a:extLst>
+          </p:cNvPr>
+          <p:cNvSpPr>
+            <a:spLocks noGrp="1" noRot="1" noChangeAspect="1" noMove="1" noResize="1" noEditPoints="1" noAdjustHandles="1" noChangeArrowheads="1" noChangeShapeType="1" noTextEdit="1"/>
+          </p:cNvSpPr>
+          <p:nvPr>
+            <p:extLst>
+              <p:ext uri="{386F3935-93C4-4BCD-93E2-E3B085C9AB24}">
+                <p16:designElem xmlns:p16="http://schemas.microsoft.com/office/powerpoint/2015/main" val="1"/>
+              </p:ext>
+            </p:extLst>
+          </p:nvPr>
+        </p:nvSpPr>
+        <p:spPr>
+          <a:xfrm>
+            <a:off x="0" y="0"/>
+            <a:ext cx="12188952" cy="6858000"/>
+          </a:xfrm>
+          <a:prstGeom prst="rect">
+            <a:avLst/>
+          </a:prstGeom>
+          <a:ln>
+            <a:noFill/>
+          </a:ln>
+        </p:spPr>
+        <p:style>
+          <a:lnRef idx="2">
+            <a:schemeClr val="accent1">
+              <a:shade val="50000"/>
+            </a:schemeClr>
+          </a:lnRef>
+          <a:fillRef idx="1">
+            <a:schemeClr val="accent1"/>
+          </a:fillRef>
+          <a:effectRef idx="0">
+            <a:schemeClr val="accent1"/>
+          </a:effectRef>
+          <a:fontRef idx="minor">
+            <a:schemeClr val="lt1"/>
+          </a:fontRef>
+        </p:style>
+        <p:txBody>
+          <a:bodyPr rtlCol="0" anchor="ctr"/>
+          <a:lstStyle/>
+          <a:p>
+            <a:pPr algn="ctr"/>
+            <a:endParaRPr lang="en-US"/>
+          </a:p>
+        </p:txBody>
+      </p:sp>
+      <p:pic>
+        <p:nvPicPr>
+          <p:cNvPr id="10" name="Content Placeholder 9" descr="A white background with black text&#10;&#10;Description automatically generated">
+            <a:extLst>
+              <a:ext uri="{FF2B5EF4-FFF2-40B4-BE49-F238E27FC236}">
+                <a16:creationId xmlns:a16="http://schemas.microsoft.com/office/drawing/2014/main" id="{B9BFFAED-3D7D-75EB-E669-2E35FE16F91A}"/>
+              </a:ext>
+            </a:extLst>
+          </p:cNvPr>
+          <p:cNvPicPr>
+            <a:picLocks noChangeAspect="1"/>
+          </p:cNvPicPr>
+          <p:nvPr/>
+        </p:nvPicPr>
+        <p:blipFill>
+          <a:blip r:embed="rId3"/>
+          <a:stretch>
+            <a:fillRect/>
+          </a:stretch>
+        </p:blipFill>
+        <p:spPr>
+          <a:xfrm>
+            <a:off x="2412789" y="5527320"/>
+            <a:ext cx="9083513" cy="1226275"/>
+          </a:xfrm>
+          <a:prstGeom prst="rect">
+            <a:avLst/>
+          </a:prstGeom>
+        </p:spPr>
+      </p:pic>
+      <p:pic>
+        <p:nvPicPr>
+          <p:cNvPr id="7" name="Content Placeholder 6" descr="A screen shot of a computer code&#10;&#10;Description automatically generated">
+            <a:extLst>
+              <a:ext uri="{FF2B5EF4-FFF2-40B4-BE49-F238E27FC236}">
+                <a16:creationId xmlns:a16="http://schemas.microsoft.com/office/drawing/2014/main" id="{CFE75600-0C0F-98A3-BCAC-211A41313DB5}"/>
+              </a:ext>
+            </a:extLst>
+          </p:cNvPr>
+          <p:cNvPicPr>
+            <a:picLocks noChangeAspect="1"/>
+          </p:cNvPicPr>
+          <p:nvPr/>
+        </p:nvPicPr>
+        <p:blipFill>
+          <a:blip r:embed="rId4"/>
+          <a:stretch>
+            <a:fillRect/>
+          </a:stretch>
+        </p:blipFill>
+        <p:spPr>
+          <a:xfrm>
+            <a:off x="4518930" y="2850218"/>
+            <a:ext cx="6951921" cy="2602882"/>
+          </a:xfrm>
+          <a:prstGeom prst="rect">
+            <a:avLst/>
+          </a:prstGeom>
+        </p:spPr>
+      </p:pic>
+      <p:sp>
+        <p:nvSpPr>
+          <p:cNvPr id="60" name="Rectangle 6">
+            <a:extLst>
+              <a:ext uri="{FF2B5EF4-FFF2-40B4-BE49-F238E27FC236}">
+                <a16:creationId xmlns:a16="http://schemas.microsoft.com/office/drawing/2014/main" id="{3F1D29E9-9103-4BCA-8C0F-9AA96303337A}"/>
+              </a:ext>
+              <a:ext uri="{C183D7F6-B498-43B3-948B-1728B52AA6E4}">
+                <adec:decorative xmlns:adec="http://schemas.microsoft.com/office/drawing/2017/decorative" val="1"/>
+              </a:ext>
+            </a:extLst>
+          </p:cNvPr>
+          <p:cNvSpPr>
+            <a:spLocks noGrp="1" noRot="1" noChangeAspect="1" noMove="1" noResize="1" noEditPoints="1" noAdjustHandles="1" noChangeArrowheads="1" noChangeShapeType="1" noTextEdit="1"/>
+          </p:cNvSpPr>
+          <p:nvPr>
+            <p:extLst>
+              <p:ext uri="{386F3935-93C4-4BCD-93E2-E3B085C9AB24}">
+                <p16:designElem xmlns:p16="http://schemas.microsoft.com/office/powerpoint/2015/main" val="1"/>
+              </p:ext>
+            </p:extLst>
+          </p:nvPr>
+        </p:nvSpPr>
+        <p:spPr>
+          <a:xfrm>
+            <a:off x="721149" y="4484882"/>
+            <a:ext cx="3383280" cy="27432"/>
+          </a:xfrm>
+          <a:custGeom>
+            <a:avLst/>
+            <a:gdLst>
+              <a:gd name="connsiteX0" fmla="*/ 0 w 3383280"/>
+              <a:gd name="connsiteY0" fmla="*/ 0 h 27432"/>
+              <a:gd name="connsiteX1" fmla="*/ 642823 w 3383280"/>
+              <a:gd name="connsiteY1" fmla="*/ 0 h 27432"/>
+              <a:gd name="connsiteX2" fmla="*/ 1319479 w 3383280"/>
+              <a:gd name="connsiteY2" fmla="*/ 0 h 27432"/>
+              <a:gd name="connsiteX3" fmla="*/ 2029968 w 3383280"/>
+              <a:gd name="connsiteY3" fmla="*/ 0 h 27432"/>
+              <a:gd name="connsiteX4" fmla="*/ 2740457 w 3383280"/>
+              <a:gd name="connsiteY4" fmla="*/ 0 h 27432"/>
+              <a:gd name="connsiteX5" fmla="*/ 3383280 w 3383280"/>
+              <a:gd name="connsiteY5" fmla="*/ 0 h 27432"/>
+              <a:gd name="connsiteX6" fmla="*/ 3383280 w 3383280"/>
+              <a:gd name="connsiteY6" fmla="*/ 27432 h 27432"/>
+              <a:gd name="connsiteX7" fmla="*/ 2638958 w 3383280"/>
+              <a:gd name="connsiteY7" fmla="*/ 27432 h 27432"/>
+              <a:gd name="connsiteX8" fmla="*/ 1894637 w 3383280"/>
+              <a:gd name="connsiteY8" fmla="*/ 27432 h 27432"/>
+              <a:gd name="connsiteX9" fmla="*/ 1217981 w 3383280"/>
+              <a:gd name="connsiteY9" fmla="*/ 27432 h 27432"/>
+              <a:gd name="connsiteX10" fmla="*/ 0 w 3383280"/>
+              <a:gd name="connsiteY10" fmla="*/ 27432 h 27432"/>
+              <a:gd name="connsiteX11" fmla="*/ 0 w 3383280"/>
+              <a:gd name="connsiteY11" fmla="*/ 0 h 27432"/>
+            </a:gdLst>
+            <a:ahLst/>
+            <a:cxnLst>
+              <a:cxn ang="0">
+                <a:pos x="connsiteX0" y="connsiteY0"/>
+              </a:cxn>
+              <a:cxn ang="0">
+                <a:pos x="connsiteX1" y="connsiteY1"/>
+              </a:cxn>
+              <a:cxn ang="0">
+                <a:pos x="connsiteX2" y="connsiteY2"/>
+              </a:cxn>
+              <a:cxn ang="0">
+                <a:pos x="connsiteX3" y="connsiteY3"/>
+              </a:cxn>
+              <a:cxn ang="0">
+                <a:pos x="connsiteX4" y="connsiteY4"/>
+              </a:cxn>
+              <a:cxn ang="0">
+                <a:pos x="connsiteX5" y="connsiteY5"/>
+              </a:cxn>
+              <a:cxn ang="0">
+                <a:pos x="connsiteX6" y="connsiteY6"/>
+              </a:cxn>
+              <a:cxn ang="0">
+                <a:pos x="connsiteX7" y="connsiteY7"/>
+              </a:cxn>
+              <a:cxn ang="0">
+                <a:pos x="connsiteX8" y="connsiteY8"/>
+              </a:cxn>
+              <a:cxn ang="0">
+                <a:pos x="connsiteX9" y="connsiteY9"/>
+              </a:cxn>
+              <a:cxn ang="0">
+                <a:pos x="connsiteX10" y="connsiteY10"/>
+              </a:cxn>
+              <a:cxn ang="0">
+                <a:pos x="connsiteX11" y="connsiteY11"/>
+              </a:cxn>
+            </a:cxnLst>
+            <a:rect l="l" t="t" r="r" b="b"/>
+            <a:pathLst>
+              <a:path w="3383280" h="27432" fill="none" extrusionOk="0">
+                <a:moveTo>
+                  <a:pt x="0" y="0"/>
+                </a:moveTo>
+                <a:cubicBezTo>
+                  <a:pt x="257987" y="12032"/>
+                  <a:pt x="404745" y="16905"/>
+                  <a:pt x="642823" y="0"/>
+                </a:cubicBezTo>
+                <a:cubicBezTo>
+                  <a:pt x="880901" y="-16905"/>
+                  <a:pt x="1102054" y="22021"/>
+                  <a:pt x="1319479" y="0"/>
+                </a:cubicBezTo>
+                <a:cubicBezTo>
+                  <a:pt x="1536904" y="-22021"/>
+                  <a:pt x="1881604" y="24614"/>
+                  <a:pt x="2029968" y="0"/>
+                </a:cubicBezTo>
+                <a:cubicBezTo>
+                  <a:pt x="2178332" y="-24614"/>
+                  <a:pt x="2554148" y="3447"/>
+                  <a:pt x="2740457" y="0"/>
+                </a:cubicBezTo>
+                <a:cubicBezTo>
+                  <a:pt x="2926766" y="-3447"/>
+                  <a:pt x="3065477" y="23645"/>
+                  <a:pt x="3383280" y="0"/>
+                </a:cubicBezTo>
+                <a:cubicBezTo>
+                  <a:pt x="3382114" y="7395"/>
+                  <a:pt x="3383325" y="21864"/>
+                  <a:pt x="3383280" y="27432"/>
+                </a:cubicBezTo>
+                <a:cubicBezTo>
+                  <a:pt x="3088851" y="31951"/>
+                  <a:pt x="2966759" y="63689"/>
+                  <a:pt x="2638958" y="27432"/>
+                </a:cubicBezTo>
+                <a:cubicBezTo>
+                  <a:pt x="2311157" y="-8825"/>
+                  <a:pt x="2123847" y="40497"/>
+                  <a:pt x="1894637" y="27432"/>
+                </a:cubicBezTo>
+                <a:cubicBezTo>
+                  <a:pt x="1665427" y="14367"/>
+                  <a:pt x="1424813" y="48382"/>
+                  <a:pt x="1217981" y="27432"/>
+                </a:cubicBezTo>
+                <a:cubicBezTo>
+                  <a:pt x="1011149" y="6482"/>
+                  <a:pt x="538241" y="25631"/>
+                  <a:pt x="0" y="27432"/>
+                </a:cubicBezTo>
+                <a:cubicBezTo>
+                  <a:pt x="-503" y="20663"/>
+                  <a:pt x="1168" y="5855"/>
+                  <a:pt x="0" y="0"/>
+                </a:cubicBezTo>
+                <a:close/>
+              </a:path>
+              <a:path w="3383280" h="27432" stroke="0" extrusionOk="0">
+                <a:moveTo>
+                  <a:pt x="0" y="0"/>
+                </a:moveTo>
+                <a:cubicBezTo>
+                  <a:pt x="151297" y="22734"/>
+                  <a:pt x="480695" y="25868"/>
+                  <a:pt x="642823" y="0"/>
+                </a:cubicBezTo>
+                <a:cubicBezTo>
+                  <a:pt x="804951" y="-25868"/>
+                  <a:pt x="1021125" y="-7020"/>
+                  <a:pt x="1217981" y="0"/>
+                </a:cubicBezTo>
+                <a:cubicBezTo>
+                  <a:pt x="1414837" y="7020"/>
+                  <a:pt x="1602550" y="692"/>
+                  <a:pt x="1962302" y="0"/>
+                </a:cubicBezTo>
+                <a:cubicBezTo>
+                  <a:pt x="2322054" y="-692"/>
+                  <a:pt x="2404714" y="-13207"/>
+                  <a:pt x="2605126" y="0"/>
+                </a:cubicBezTo>
+                <a:cubicBezTo>
+                  <a:pt x="2805538" y="13207"/>
+                  <a:pt x="3040223" y="19007"/>
+                  <a:pt x="3383280" y="0"/>
+                </a:cubicBezTo>
+                <a:cubicBezTo>
+                  <a:pt x="3383473" y="12649"/>
+                  <a:pt x="3382292" y="17989"/>
+                  <a:pt x="3383280" y="27432"/>
+                </a:cubicBezTo>
+                <a:cubicBezTo>
+                  <a:pt x="3246258" y="-5317"/>
+                  <a:pt x="2915318" y="27493"/>
+                  <a:pt x="2706624" y="27432"/>
+                </a:cubicBezTo>
+                <a:cubicBezTo>
+                  <a:pt x="2497930" y="27371"/>
+                  <a:pt x="2314501" y="-484"/>
+                  <a:pt x="1962302" y="27432"/>
+                </a:cubicBezTo>
+                <a:cubicBezTo>
+                  <a:pt x="1610103" y="55348"/>
+                  <a:pt x="1607990" y="25966"/>
+                  <a:pt x="1387145" y="27432"/>
+                </a:cubicBezTo>
+                <a:cubicBezTo>
+                  <a:pt x="1166300" y="28898"/>
+                  <a:pt x="856166" y="27780"/>
+                  <a:pt x="710489" y="27432"/>
+                </a:cubicBezTo>
+                <a:cubicBezTo>
+                  <a:pt x="564812" y="27084"/>
+                  <a:pt x="236809" y="62580"/>
+                  <a:pt x="0" y="27432"/>
+                </a:cubicBezTo>
+                <a:cubicBezTo>
+                  <a:pt x="1300" y="19678"/>
+                  <a:pt x="-86" y="12044"/>
+                  <a:pt x="0" y="0"/>
+                </a:cubicBezTo>
+                <a:close/>
+              </a:path>
+            </a:pathLst>
+          </a:custGeom>
+          <a:solidFill>
+            <a:srgbClr val="C672FC"/>
+          </a:solidFill>
+          <a:ln w="38100" cap="rnd">
+            <a:solidFill>
+              <a:srgbClr val="C672FC"/>
+            </a:solidFill>
+            <a:round/>
+            <a:extLst>
+              <a:ext uri="{C807C97D-BFC1-408E-A445-0C87EB9F89A2}">
+                <ask:lineSketchStyleProps xmlns:ask="http://schemas.microsoft.com/office/drawing/2018/sketchyshapes" sd="1219033472">
+                  <a:prstGeom prst="rect">
+                    <a:avLst/>
+                  </a:prstGeom>
+                  <ask:type>
+                    <ask:lineSketchFreehand/>
+                  </ask:type>
+                </ask:lineSketchStyleProps>
+              </a:ext>
+            </a:extLst>
+          </a:ln>
+        </p:spPr>
+        <p:style>
+          <a:lnRef idx="2">
+            <a:schemeClr val="accent1">
+              <a:shade val="50000"/>
+            </a:schemeClr>
+          </a:lnRef>
+          <a:fillRef idx="1">
+            <a:schemeClr val="accent1"/>
+          </a:fillRef>
+          <a:effectRef idx="0">
+            <a:schemeClr val="accent1"/>
+          </a:effectRef>
+          <a:fontRef idx="minor">
+            <a:schemeClr val="lt1"/>
+          </a:fontRef>
+        </p:style>
+        <p:txBody>
+          <a:bodyPr rtlCol="0" anchor="ctr"/>
+          <a:lstStyle/>
+          <a:p>
+            <a:pPr algn="ctr"/>
+            <a:endParaRPr lang="en-US"/>
+          </a:p>
+        </p:txBody>
+      </p:sp>
+      <p:pic>
+        <p:nvPicPr>
+          <p:cNvPr id="13" name="Picture 12" descr="A screenshot of a computer&#10;&#10;Description automatically generated">
+            <a:extLst>
+              <a:ext uri="{FF2B5EF4-FFF2-40B4-BE49-F238E27FC236}">
+                <a16:creationId xmlns:a16="http://schemas.microsoft.com/office/drawing/2014/main" id="{7CE775FB-F058-CA98-FD76-7F333415885E}"/>
+              </a:ext>
+            </a:extLst>
+          </p:cNvPr>
+          <p:cNvPicPr>
+            <a:picLocks noChangeAspect="1"/>
+          </p:cNvPicPr>
+          <p:nvPr/>
+        </p:nvPicPr>
+        <p:blipFill>
+          <a:blip r:embed="rId5"/>
+          <a:stretch>
+            <a:fillRect/>
+          </a:stretch>
+        </p:blipFill>
+        <p:spPr>
+          <a:xfrm>
+            <a:off x="2714611" y="0"/>
+            <a:ext cx="9463448" cy="2699869"/>
+          </a:xfrm>
+          <a:prstGeom prst="rect">
+            <a:avLst/>
+          </a:prstGeom>
+        </p:spPr>
+      </p:pic>
+      <p:sp>
+        <p:nvSpPr>
+          <p:cNvPr id="15" name="TextBox 14">
+            <a:extLst>
+              <a:ext uri="{FF2B5EF4-FFF2-40B4-BE49-F238E27FC236}">
+                <a16:creationId xmlns:a16="http://schemas.microsoft.com/office/drawing/2014/main" id="{F33CD213-CCE5-D5B0-B8E7-11C22C25B8E2}"/>
+              </a:ext>
+            </a:extLst>
+          </p:cNvPr>
+          <p:cNvSpPr txBox="1"/>
+          <p:nvPr/>
+        </p:nvSpPr>
+        <p:spPr>
+          <a:xfrm>
+            <a:off x="39349" y="318882"/>
+            <a:ext cx="2920645" cy="2062103"/>
+          </a:xfrm>
+          <a:prstGeom prst="rect">
+            <a:avLst/>
+          </a:prstGeom>
+          <a:noFill/>
+        </p:spPr>
+        <p:txBody>
+          <a:bodyPr wrap="square" rtlCol="0">
+            <a:spAutoFit/>
+          </a:bodyPr>
+          <a:lstStyle/>
+          <a:p>
+            <a:pPr marL="285750" indent="-285750">
+              <a:buFontTx/>
+              <a:buChar char="-"/>
+            </a:pPr>
+            <a:r>
+              <a:rPr lang="en-US" sz="3200" b="1" dirty="0"/>
+              <a:t>Using </a:t>
+            </a:r>
+            <a:r>
+              <a:rPr lang="en-US" sz="3200" b="1" dirty="0" err="1"/>
+              <a:t>api</a:t>
+            </a:r>
+            <a:r>
+              <a:rPr lang="en-US" sz="3200" b="1" dirty="0"/>
+              <a:t> and dictionary </a:t>
+            </a:r>
+            <a:r>
+              <a:rPr lang="en-US" sz="3200" b="1" dirty="0" err="1"/>
+              <a:t>setdefalult</a:t>
+            </a:r>
+            <a:r>
+              <a:rPr lang="en-US" sz="3200" b="1" dirty="0"/>
+              <a:t> function to collect outstanding share data from </a:t>
+            </a:r>
+            <a:r>
+              <a:rPr lang="en-US" sz="3200" b="1" dirty="0" err="1"/>
+              <a:t>json</a:t>
+            </a:r>
+            <a:r>
+              <a:rPr lang="en-US" sz="3200" b="1" dirty="0"/>
+              <a:t> file</a:t>
+            </a:r>
+          </a:p>
+        </p:txBody>
+      </p:sp>
+      <p:sp>
+        <p:nvSpPr>
+          <p:cNvPr id="17" name="TextBox 16">
+            <a:extLst>
+              <a:ext uri="{FF2B5EF4-FFF2-40B4-BE49-F238E27FC236}">
+                <a16:creationId xmlns:a16="http://schemas.microsoft.com/office/drawing/2014/main" id="{507B6FD1-9BD4-153C-A61D-661531F2B4EB}"/>
+              </a:ext>
+            </a:extLst>
+          </p:cNvPr>
+          <p:cNvSpPr txBox="1"/>
+          <p:nvPr/>
+        </p:nvSpPr>
+        <p:spPr>
+          <a:xfrm>
+            <a:off x="39349" y="2933546"/>
+            <a:ext cx="4082902" cy="1569660"/>
+          </a:xfrm>
+          <a:prstGeom prst="rect">
+            <a:avLst/>
+          </a:prstGeom>
+          <a:noFill/>
+        </p:spPr>
+        <p:txBody>
+          <a:bodyPr wrap="square" rtlCol="0">
+            <a:spAutoFit/>
+          </a:bodyPr>
+          <a:lstStyle/>
+          <a:p>
+            <a:r>
+              <a:rPr lang="en-US" sz="3200" b="1" dirty="0"/>
+              <a:t>- Using list to append share data in order to turn data into a pandas </a:t>
+            </a:r>
+            <a:r>
+              <a:rPr lang="en-US" sz="3200" b="1" dirty="0" err="1"/>
+              <a:t>DataFrame</a:t>
+            </a:r>
+            <a:endParaRPr lang="en-US" sz="3200" b="1" dirty="0"/>
+          </a:p>
+        </p:txBody>
+      </p:sp>
+      <p:sp>
+        <p:nvSpPr>
+          <p:cNvPr id="18" name="TextBox 17">
+            <a:extLst>
+              <a:ext uri="{FF2B5EF4-FFF2-40B4-BE49-F238E27FC236}">
+                <a16:creationId xmlns:a16="http://schemas.microsoft.com/office/drawing/2014/main" id="{8D2C82C6-CEF3-8805-8A5E-43702DF845A5}"/>
+              </a:ext>
+            </a:extLst>
+          </p:cNvPr>
+          <p:cNvSpPr txBox="1"/>
+          <p:nvPr/>
+        </p:nvSpPr>
+        <p:spPr>
+          <a:xfrm>
+            <a:off x="37014" y="5553266"/>
+            <a:ext cx="2136341" cy="1077218"/>
+          </a:xfrm>
+          <a:prstGeom prst="rect">
+            <a:avLst/>
+          </a:prstGeom>
+          <a:noFill/>
+        </p:spPr>
+        <p:txBody>
+          <a:bodyPr wrap="square" rtlCol="0">
+            <a:spAutoFit/>
+          </a:bodyPr>
+          <a:lstStyle/>
+          <a:p>
+            <a:r>
+              <a:rPr lang="en-US" sz="3200" b="1" dirty="0"/>
+              <a:t>- Casting data type to integer</a:t>
+            </a:r>
+          </a:p>
+        </p:txBody>
+      </p:sp>
+    </p:spTree>
+    <p:extLst>
+      <p:ext uri="{BB962C8B-B14F-4D97-AF65-F5344CB8AC3E}">
+        <p14:creationId xmlns:p14="http://schemas.microsoft.com/office/powerpoint/2010/main" val="2340302956"/>
+      </p:ext>
+    </p:extLst>
+  </p:cSld>
+  <p:clrMapOvr>
+    <a:masterClrMapping/>
+  </p:clrMapOvr>
+</p:sld>
+</file>
+
+<file path=ppt/slides/slide14.xml><?xml version="1.0" encoding="utf-8"?>
+<p:sld xmlns:a="http://schemas.openxmlformats.org/drawingml/2006/main" xmlns:r="http://schemas.openxmlformats.org/officeDocument/2006/relationships" xmlns:p="http://schemas.openxmlformats.org/presentationml/2006/main">
+  <p:cSld>
+    <p:bg>
+      <p:bgPr>
+        <a:solidFill>
+          <a:schemeClr val="bg1"/>
+        </a:solidFill>
+        <a:effectLst/>
+      </p:bgPr>
+    </p:bg>
+    <p:spTree>
+      <p:nvGrpSpPr>
+        <p:cNvPr id="1" name=""/>
+        <p:cNvGrpSpPr/>
+        <p:nvPr/>
+      </p:nvGrpSpPr>
+      <p:grpSpPr>
+        <a:xfrm>
+          <a:off x="0" y="0"/>
+          <a:ext cx="0" cy="0"/>
+          <a:chOff x="0" y="0"/>
+          <a:chExt cx="0" cy="0"/>
+        </a:xfrm>
+      </p:grpSpPr>
       <p:sp useBgFill="1">
         <p:nvSpPr>
           <p:cNvPr id="25" name="Rectangle 18">
@@ -17050,7 +18580,7 @@
 </p:sld>
 </file>
 
-<file path=ppt/slides/slide14.xml><?xml version="1.0" encoding="utf-8"?>
+<file path=ppt/slides/slide15.xml><?xml version="1.0" encoding="utf-8"?>
 <p:sld xmlns:a="http://schemas.openxmlformats.org/drawingml/2006/main" xmlns:r="http://schemas.openxmlformats.org/officeDocument/2006/relationships" xmlns:p="http://schemas.openxmlformats.org/presentationml/2006/main">
   <p:cSld>
     <p:bg>
@@ -18102,7 +19632,7 @@
 </p:sld>
 </file>
 
-<file path=ppt/slides/slide15.xml><?xml version="1.0" encoding="utf-8"?>
+<file path=ppt/slides/slide16.xml><?xml version="1.0" encoding="utf-8"?>
 <p:sld xmlns:a="http://schemas.openxmlformats.org/drawingml/2006/main" xmlns:r="http://schemas.openxmlformats.org/officeDocument/2006/relationships" xmlns:p="http://schemas.openxmlformats.org/presentationml/2006/main">
   <p:cSld>
     <p:bg>
@@ -18680,7 +20210,7 @@
 </p:sld>
 </file>
 
-<file path=ppt/slides/slide16.xml><?xml version="1.0" encoding="utf-8"?>
+<file path=ppt/slides/slide17.xml><?xml version="1.0" encoding="utf-8"?>
 <p:sld xmlns:a="http://schemas.openxmlformats.org/drawingml/2006/main" xmlns:r="http://schemas.openxmlformats.org/officeDocument/2006/relationships" xmlns:p="http://schemas.openxmlformats.org/presentationml/2006/main">
   <p:cSld>
     <p:bg>
@@ -19146,7 +20676,7 @@
 </p:sld>
 </file>
 
-<file path=ppt/slides/slide17.xml><?xml version="1.0" encoding="utf-8"?>
+<file path=ppt/slides/slide18.xml><?xml version="1.0" encoding="utf-8"?>
 <p:sld xmlns:a="http://schemas.openxmlformats.org/drawingml/2006/main" xmlns:r="http://schemas.openxmlformats.org/officeDocument/2006/relationships" xmlns:p="http://schemas.openxmlformats.org/presentationml/2006/main">
   <p:cSld>
     <p:bg>
@@ -19612,7 +21142,7 @@
 </p:sld>
 </file>
 
-<file path=ppt/slides/slide18.xml><?xml version="1.0" encoding="utf-8"?>
+<file path=ppt/slides/slide19.xml><?xml version="1.0" encoding="utf-8"?>
 <p:sld xmlns:a="http://schemas.openxmlformats.org/drawingml/2006/main" xmlns:r="http://schemas.openxmlformats.org/officeDocument/2006/relationships" xmlns:p="http://schemas.openxmlformats.org/presentationml/2006/main">
   <p:cSld>
     <p:bg>
@@ -19761,6 +21291,13 @@
             </a:br>
             <a:r>
               <a:rPr lang="en-US" sz="6600" dirty="0"/>
+              <a:t>EXECUTIVE</a:t>
+            </a:r>
+            <a:br>
+              <a:rPr lang="en-US" sz="6600" dirty="0"/>
+            </a:br>
+            <a:r>
+              <a:rPr lang="en-US" sz="6600" dirty="0"/>
               <a:t>Summary </a:t>
             </a:r>
           </a:p>
@@ -20485,7 +22022,1983 @@
 </p:sld>
 </file>
 
-<file path=ppt/slides/slide19.xml><?xml version="1.0" encoding="utf-8"?>
+<file path=ppt/slides/slide2.xml><?xml version="1.0" encoding="utf-8"?>
+<p:sld xmlns:a="http://schemas.openxmlformats.org/drawingml/2006/main" xmlns:r="http://schemas.openxmlformats.org/officeDocument/2006/relationships" xmlns:p="http://schemas.openxmlformats.org/presentationml/2006/main">
+  <p:cSld>
+    <p:bg>
+      <p:bgPr>
+        <a:solidFill>
+          <a:schemeClr val="bg1"/>
+        </a:solidFill>
+        <a:effectLst/>
+      </p:bgPr>
+    </p:bg>
+    <p:spTree>
+      <p:nvGrpSpPr>
+        <p:cNvPr id="1" name=""/>
+        <p:cNvGrpSpPr/>
+        <p:nvPr/>
+      </p:nvGrpSpPr>
+      <p:grpSpPr>
+        <a:xfrm>
+          <a:off x="0" y="0"/>
+          <a:ext cx="0" cy="0"/>
+          <a:chOff x="0" y="0"/>
+          <a:chExt cx="0" cy="0"/>
+        </a:xfrm>
+      </p:grpSpPr>
+      <p:sp useBgFill="1">
+        <p:nvSpPr>
+          <p:cNvPr id="58" name="Rectangle 57">
+            <a:extLst>
+              <a:ext uri="{FF2B5EF4-FFF2-40B4-BE49-F238E27FC236}">
+                <a16:creationId xmlns:a16="http://schemas.microsoft.com/office/drawing/2014/main" id="{F95DC6D5-A7B0-4D09-A7A5-62869A0D2C51}"/>
+              </a:ext>
+              <a:ext uri="{C183D7F6-B498-43B3-948B-1728B52AA6E4}">
+                <adec:decorative xmlns:adec="http://schemas.microsoft.com/office/drawing/2017/decorative" val="1"/>
+              </a:ext>
+            </a:extLst>
+          </p:cNvPr>
+          <p:cNvSpPr>
+            <a:spLocks noGrp="1" noRot="1" noChangeAspect="1" noMove="1" noResize="1" noEditPoints="1" noAdjustHandles="1" noChangeArrowheads="1" noChangeShapeType="1" noTextEdit="1"/>
+          </p:cNvSpPr>
+          <p:nvPr>
+            <p:extLst>
+              <p:ext uri="{386F3935-93C4-4BCD-93E2-E3B085C9AB24}">
+                <p16:designElem xmlns:p16="http://schemas.microsoft.com/office/powerpoint/2015/main" val="1"/>
+              </p:ext>
+            </p:extLst>
+          </p:nvPr>
+        </p:nvSpPr>
+        <p:spPr>
+          <a:xfrm>
+            <a:off x="0" y="0"/>
+            <a:ext cx="12188952" cy="6858000"/>
+          </a:xfrm>
+          <a:prstGeom prst="rect">
+            <a:avLst/>
+          </a:prstGeom>
+          <a:ln>
+            <a:noFill/>
+          </a:ln>
+        </p:spPr>
+        <p:style>
+          <a:lnRef idx="2">
+            <a:schemeClr val="accent1">
+              <a:shade val="50000"/>
+            </a:schemeClr>
+          </a:lnRef>
+          <a:fillRef idx="1">
+            <a:schemeClr val="accent1"/>
+          </a:fillRef>
+          <a:effectRef idx="0">
+            <a:schemeClr val="accent1"/>
+          </a:effectRef>
+          <a:fontRef idx="minor">
+            <a:schemeClr val="lt1"/>
+          </a:fontRef>
+        </p:style>
+        <p:txBody>
+          <a:bodyPr rtlCol="0" anchor="ctr"/>
+          <a:lstStyle/>
+          <a:p>
+            <a:pPr algn="ctr"/>
+            <a:endParaRPr lang="en-US"/>
+          </a:p>
+        </p:txBody>
+      </p:sp>
+      <p:pic>
+        <p:nvPicPr>
+          <p:cNvPr id="47" name="Picture 46" descr="Graph on document with pen">
+            <a:extLst>
+              <a:ext uri="{FF2B5EF4-FFF2-40B4-BE49-F238E27FC236}">
+                <a16:creationId xmlns:a16="http://schemas.microsoft.com/office/drawing/2014/main" id="{70C9C2AC-4F50-DC0E-A67C-FCA9AFB67EE8}"/>
+              </a:ext>
+            </a:extLst>
+          </p:cNvPr>
+          <p:cNvPicPr>
+            <a:picLocks noChangeAspect="1"/>
+          </p:cNvPicPr>
+          <p:nvPr/>
+        </p:nvPicPr>
+        <p:blipFill rotWithShape="1">
+          <a:blip r:embed="rId3">
+            <a:alphaModFix amt="50000"/>
+          </a:blip>
+          <a:srcRect t="1906" b="13824"/>
+          <a:stretch/>
+        </p:blipFill>
+        <p:spPr>
+          <a:xfrm>
+            <a:off x="20" y="10"/>
+            <a:ext cx="12191979" cy="6857990"/>
+          </a:xfrm>
+          <a:prstGeom prst="rect">
+            <a:avLst/>
+          </a:prstGeom>
+        </p:spPr>
+      </p:pic>
+      <p:sp>
+        <p:nvSpPr>
+          <p:cNvPr id="2" name="Title 1">
+            <a:extLst>
+              <a:ext uri="{FF2B5EF4-FFF2-40B4-BE49-F238E27FC236}">
+                <a16:creationId xmlns:a16="http://schemas.microsoft.com/office/drawing/2014/main" id="{AA324BF0-5DDA-9401-869F-5D590635592F}"/>
+              </a:ext>
+            </a:extLst>
+          </p:cNvPr>
+          <p:cNvSpPr>
+            <a:spLocks noGrp="1"/>
+          </p:cNvSpPr>
+          <p:nvPr>
+            <p:ph type="title"/>
+          </p:nvPr>
+        </p:nvSpPr>
+        <p:spPr>
+          <a:xfrm>
+            <a:off x="841248" y="847082"/>
+            <a:ext cx="3803904" cy="5123950"/>
+          </a:xfrm>
+        </p:spPr>
+        <p:txBody>
+          <a:bodyPr anchor="t">
+            <a:normAutofit/>
+          </a:bodyPr>
+          <a:lstStyle/>
+          <a:p>
+            <a:r>
+              <a:rPr lang="en-US" sz="6600" dirty="0"/>
+              <a:t>Introduction &amp; objectives</a:t>
+            </a:r>
+          </a:p>
+        </p:txBody>
+      </p:sp>
+      <p:sp>
+        <p:nvSpPr>
+          <p:cNvPr id="60" name="sketchy rectangle">
+            <a:extLst>
+              <a:ext uri="{FF2B5EF4-FFF2-40B4-BE49-F238E27FC236}">
+                <a16:creationId xmlns:a16="http://schemas.microsoft.com/office/drawing/2014/main" id="{E72C4BCF-DD12-4745-97A9-F340887E1FDD}"/>
+              </a:ext>
+              <a:ext uri="{C183D7F6-B498-43B3-948B-1728B52AA6E4}">
+                <adec:decorative xmlns:adec="http://schemas.microsoft.com/office/drawing/2017/decorative" val="1"/>
+              </a:ext>
+            </a:extLst>
+          </p:cNvPr>
+          <p:cNvSpPr>
+            <a:spLocks noGrp="1" noRot="1" noChangeAspect="1" noMove="1" noResize="1" noEditPoints="1" noAdjustHandles="1" noChangeArrowheads="1" noChangeShapeType="1" noTextEdit="1"/>
+          </p:cNvSpPr>
+          <p:nvPr>
+            <p:extLst>
+              <p:ext uri="{386F3935-93C4-4BCD-93E2-E3B085C9AB24}">
+                <p16:designElem xmlns:p16="http://schemas.microsoft.com/office/powerpoint/2015/main" val="1"/>
+              </p:ext>
+            </p:extLst>
+          </p:nvPr>
+        </p:nvSpPr>
+        <p:spPr>
+          <a:xfrm>
+            <a:off x="5070453" y="563667"/>
+            <a:ext cx="6570918" cy="5579082"/>
+          </a:xfrm>
+          <a:custGeom>
+            <a:avLst/>
+            <a:gdLst>
+              <a:gd name="connsiteX0" fmla="*/ 0 w 6570918"/>
+              <a:gd name="connsiteY0" fmla="*/ 0 h 5579082"/>
+              <a:gd name="connsiteX1" fmla="*/ 525673 w 6570918"/>
+              <a:gd name="connsiteY1" fmla="*/ 0 h 5579082"/>
+              <a:gd name="connsiteX2" fmla="*/ 1182765 w 6570918"/>
+              <a:gd name="connsiteY2" fmla="*/ 0 h 5579082"/>
+              <a:gd name="connsiteX3" fmla="*/ 1905566 w 6570918"/>
+              <a:gd name="connsiteY3" fmla="*/ 0 h 5579082"/>
+              <a:gd name="connsiteX4" fmla="*/ 2365530 w 6570918"/>
+              <a:gd name="connsiteY4" fmla="*/ 0 h 5579082"/>
+              <a:gd name="connsiteX5" fmla="*/ 2825495 w 6570918"/>
+              <a:gd name="connsiteY5" fmla="*/ 0 h 5579082"/>
+              <a:gd name="connsiteX6" fmla="*/ 3614005 w 6570918"/>
+              <a:gd name="connsiteY6" fmla="*/ 0 h 5579082"/>
+              <a:gd name="connsiteX7" fmla="*/ 4271097 w 6570918"/>
+              <a:gd name="connsiteY7" fmla="*/ 0 h 5579082"/>
+              <a:gd name="connsiteX8" fmla="*/ 4731061 w 6570918"/>
+              <a:gd name="connsiteY8" fmla="*/ 0 h 5579082"/>
+              <a:gd name="connsiteX9" fmla="*/ 5388153 w 6570918"/>
+              <a:gd name="connsiteY9" fmla="*/ 0 h 5579082"/>
+              <a:gd name="connsiteX10" fmla="*/ 6570918 w 6570918"/>
+              <a:gd name="connsiteY10" fmla="*/ 0 h 5579082"/>
+              <a:gd name="connsiteX11" fmla="*/ 6570918 w 6570918"/>
+              <a:gd name="connsiteY11" fmla="*/ 641594 h 5579082"/>
+              <a:gd name="connsiteX12" fmla="*/ 6570918 w 6570918"/>
+              <a:gd name="connsiteY12" fmla="*/ 1338980 h 5579082"/>
+              <a:gd name="connsiteX13" fmla="*/ 6570918 w 6570918"/>
+              <a:gd name="connsiteY13" fmla="*/ 1868992 h 5579082"/>
+              <a:gd name="connsiteX14" fmla="*/ 6570918 w 6570918"/>
+              <a:gd name="connsiteY14" fmla="*/ 2677959 h 5579082"/>
+              <a:gd name="connsiteX15" fmla="*/ 6570918 w 6570918"/>
+              <a:gd name="connsiteY15" fmla="*/ 3375345 h 5579082"/>
+              <a:gd name="connsiteX16" fmla="*/ 6570918 w 6570918"/>
+              <a:gd name="connsiteY16" fmla="*/ 4184312 h 5579082"/>
+              <a:gd name="connsiteX17" fmla="*/ 6570918 w 6570918"/>
+              <a:gd name="connsiteY17" fmla="*/ 4825906 h 5579082"/>
+              <a:gd name="connsiteX18" fmla="*/ 6570918 w 6570918"/>
+              <a:gd name="connsiteY18" fmla="*/ 5579082 h 5579082"/>
+              <a:gd name="connsiteX19" fmla="*/ 5913826 w 6570918"/>
+              <a:gd name="connsiteY19" fmla="*/ 5579082 h 5579082"/>
+              <a:gd name="connsiteX20" fmla="*/ 5256734 w 6570918"/>
+              <a:gd name="connsiteY20" fmla="*/ 5579082 h 5579082"/>
+              <a:gd name="connsiteX21" fmla="*/ 4796770 w 6570918"/>
+              <a:gd name="connsiteY21" fmla="*/ 5579082 h 5579082"/>
+              <a:gd name="connsiteX22" fmla="*/ 4139678 w 6570918"/>
+              <a:gd name="connsiteY22" fmla="*/ 5579082 h 5579082"/>
+              <a:gd name="connsiteX23" fmla="*/ 3548296 w 6570918"/>
+              <a:gd name="connsiteY23" fmla="*/ 5579082 h 5579082"/>
+              <a:gd name="connsiteX24" fmla="*/ 2956913 w 6570918"/>
+              <a:gd name="connsiteY24" fmla="*/ 5579082 h 5579082"/>
+              <a:gd name="connsiteX25" fmla="*/ 2365530 w 6570918"/>
+              <a:gd name="connsiteY25" fmla="*/ 5579082 h 5579082"/>
+              <a:gd name="connsiteX26" fmla="*/ 1774148 w 6570918"/>
+              <a:gd name="connsiteY26" fmla="*/ 5579082 h 5579082"/>
+              <a:gd name="connsiteX27" fmla="*/ 1051347 w 6570918"/>
+              <a:gd name="connsiteY27" fmla="*/ 5579082 h 5579082"/>
+              <a:gd name="connsiteX28" fmla="*/ 0 w 6570918"/>
+              <a:gd name="connsiteY28" fmla="*/ 5579082 h 5579082"/>
+              <a:gd name="connsiteX29" fmla="*/ 0 w 6570918"/>
+              <a:gd name="connsiteY29" fmla="*/ 5049069 h 5579082"/>
+              <a:gd name="connsiteX30" fmla="*/ 0 w 6570918"/>
+              <a:gd name="connsiteY30" fmla="*/ 4407475 h 5579082"/>
+              <a:gd name="connsiteX31" fmla="*/ 0 w 6570918"/>
+              <a:gd name="connsiteY31" fmla="*/ 3654299 h 5579082"/>
+              <a:gd name="connsiteX32" fmla="*/ 0 w 6570918"/>
+              <a:gd name="connsiteY32" fmla="*/ 2845332 h 5579082"/>
+              <a:gd name="connsiteX33" fmla="*/ 0 w 6570918"/>
+              <a:gd name="connsiteY33" fmla="*/ 2315319 h 5579082"/>
+              <a:gd name="connsiteX34" fmla="*/ 0 w 6570918"/>
+              <a:gd name="connsiteY34" fmla="*/ 1785306 h 5579082"/>
+              <a:gd name="connsiteX35" fmla="*/ 0 w 6570918"/>
+              <a:gd name="connsiteY35" fmla="*/ 976339 h 5579082"/>
+              <a:gd name="connsiteX36" fmla="*/ 0 w 6570918"/>
+              <a:gd name="connsiteY36" fmla="*/ 0 h 5579082"/>
+            </a:gdLst>
+            <a:ahLst/>
+            <a:cxnLst>
+              <a:cxn ang="0">
+                <a:pos x="connsiteX0" y="connsiteY0"/>
+              </a:cxn>
+              <a:cxn ang="0">
+                <a:pos x="connsiteX1" y="connsiteY1"/>
+              </a:cxn>
+              <a:cxn ang="0">
+                <a:pos x="connsiteX2" y="connsiteY2"/>
+              </a:cxn>
+              <a:cxn ang="0">
+                <a:pos x="connsiteX3" y="connsiteY3"/>
+              </a:cxn>
+              <a:cxn ang="0">
+                <a:pos x="connsiteX4" y="connsiteY4"/>
+              </a:cxn>
+              <a:cxn ang="0">
+                <a:pos x="connsiteX5" y="connsiteY5"/>
+              </a:cxn>
+              <a:cxn ang="0">
+                <a:pos x="connsiteX6" y="connsiteY6"/>
+              </a:cxn>
+              <a:cxn ang="0">
+                <a:pos x="connsiteX7" y="connsiteY7"/>
+              </a:cxn>
+              <a:cxn ang="0">
+                <a:pos x="connsiteX8" y="connsiteY8"/>
+              </a:cxn>
+              <a:cxn ang="0">
+                <a:pos x="connsiteX9" y="connsiteY9"/>
+              </a:cxn>
+              <a:cxn ang="0">
+                <a:pos x="connsiteX10" y="connsiteY10"/>
+              </a:cxn>
+              <a:cxn ang="0">
+                <a:pos x="connsiteX11" y="connsiteY11"/>
+              </a:cxn>
+              <a:cxn ang="0">
+                <a:pos x="connsiteX12" y="connsiteY12"/>
+              </a:cxn>
+              <a:cxn ang="0">
+                <a:pos x="connsiteX13" y="connsiteY13"/>
+              </a:cxn>
+              <a:cxn ang="0">
+                <a:pos x="connsiteX14" y="connsiteY14"/>
+              </a:cxn>
+              <a:cxn ang="0">
+                <a:pos x="connsiteX15" y="connsiteY15"/>
+              </a:cxn>
+              <a:cxn ang="0">
+                <a:pos x="connsiteX16" y="connsiteY16"/>
+              </a:cxn>
+              <a:cxn ang="0">
+                <a:pos x="connsiteX17" y="connsiteY17"/>
+              </a:cxn>
+              <a:cxn ang="0">
+                <a:pos x="connsiteX18" y="connsiteY18"/>
+              </a:cxn>
+              <a:cxn ang="0">
+                <a:pos x="connsiteX19" y="connsiteY19"/>
+              </a:cxn>
+              <a:cxn ang="0">
+                <a:pos x="connsiteX20" y="connsiteY20"/>
+              </a:cxn>
+              <a:cxn ang="0">
+                <a:pos x="connsiteX21" y="connsiteY21"/>
+              </a:cxn>
+              <a:cxn ang="0">
+                <a:pos x="connsiteX22" y="connsiteY22"/>
+              </a:cxn>
+              <a:cxn ang="0">
+                <a:pos x="connsiteX23" y="connsiteY23"/>
+              </a:cxn>
+              <a:cxn ang="0">
+                <a:pos x="connsiteX24" y="connsiteY24"/>
+              </a:cxn>
+              <a:cxn ang="0">
+                <a:pos x="connsiteX25" y="connsiteY25"/>
+              </a:cxn>
+              <a:cxn ang="0">
+                <a:pos x="connsiteX26" y="connsiteY26"/>
+              </a:cxn>
+              <a:cxn ang="0">
+                <a:pos x="connsiteX27" y="connsiteY27"/>
+              </a:cxn>
+              <a:cxn ang="0">
+                <a:pos x="connsiteX28" y="connsiteY28"/>
+              </a:cxn>
+              <a:cxn ang="0">
+                <a:pos x="connsiteX29" y="connsiteY29"/>
+              </a:cxn>
+              <a:cxn ang="0">
+                <a:pos x="connsiteX30" y="connsiteY30"/>
+              </a:cxn>
+              <a:cxn ang="0">
+                <a:pos x="connsiteX31" y="connsiteY31"/>
+              </a:cxn>
+              <a:cxn ang="0">
+                <a:pos x="connsiteX32" y="connsiteY32"/>
+              </a:cxn>
+              <a:cxn ang="0">
+                <a:pos x="connsiteX33" y="connsiteY33"/>
+              </a:cxn>
+              <a:cxn ang="0">
+                <a:pos x="connsiteX34" y="connsiteY34"/>
+              </a:cxn>
+              <a:cxn ang="0">
+                <a:pos x="connsiteX35" y="connsiteY35"/>
+              </a:cxn>
+              <a:cxn ang="0">
+                <a:pos x="connsiteX36" y="connsiteY36"/>
+              </a:cxn>
+            </a:cxnLst>
+            <a:rect l="l" t="t" r="r" b="b"/>
+            <a:pathLst>
+              <a:path w="6570918" h="5579082" fill="none" extrusionOk="0">
+                <a:moveTo>
+                  <a:pt x="0" y="0"/>
+                </a:moveTo>
+                <a:cubicBezTo>
+                  <a:pt x="243958" y="-12943"/>
+                  <a:pt x="320490" y="5069"/>
+                  <a:pt x="525673" y="0"/>
+                </a:cubicBezTo>
+                <a:cubicBezTo>
+                  <a:pt x="730856" y="-5069"/>
+                  <a:pt x="894885" y="-31124"/>
+                  <a:pt x="1182765" y="0"/>
+                </a:cubicBezTo>
+                <a:cubicBezTo>
+                  <a:pt x="1470645" y="31124"/>
+                  <a:pt x="1749273" y="-34665"/>
+                  <a:pt x="1905566" y="0"/>
+                </a:cubicBezTo>
+                <a:cubicBezTo>
+                  <a:pt x="2061859" y="34665"/>
+                  <a:pt x="2197988" y="-9109"/>
+                  <a:pt x="2365530" y="0"/>
+                </a:cubicBezTo>
+                <a:cubicBezTo>
+                  <a:pt x="2533072" y="9109"/>
+                  <a:pt x="2717818" y="14270"/>
+                  <a:pt x="2825495" y="0"/>
+                </a:cubicBezTo>
+                <a:cubicBezTo>
+                  <a:pt x="2933173" y="-14270"/>
+                  <a:pt x="3325797" y="34931"/>
+                  <a:pt x="3614005" y="0"/>
+                </a:cubicBezTo>
+                <a:cubicBezTo>
+                  <a:pt x="3902213" y="-34931"/>
+                  <a:pt x="4022668" y="20046"/>
+                  <a:pt x="4271097" y="0"/>
+                </a:cubicBezTo>
+                <a:cubicBezTo>
+                  <a:pt x="4519526" y="-20046"/>
+                  <a:pt x="4513512" y="-11694"/>
+                  <a:pt x="4731061" y="0"/>
+                </a:cubicBezTo>
+                <a:cubicBezTo>
+                  <a:pt x="4948610" y="11694"/>
+                  <a:pt x="5198372" y="9165"/>
+                  <a:pt x="5388153" y="0"/>
+                </a:cubicBezTo>
+                <a:cubicBezTo>
+                  <a:pt x="5577934" y="-9165"/>
+                  <a:pt x="6151380" y="40199"/>
+                  <a:pt x="6570918" y="0"/>
+                </a:cubicBezTo>
+                <a:cubicBezTo>
+                  <a:pt x="6551036" y="203561"/>
+                  <a:pt x="6580818" y="383315"/>
+                  <a:pt x="6570918" y="641594"/>
+                </a:cubicBezTo>
+                <a:cubicBezTo>
+                  <a:pt x="6561018" y="899873"/>
+                  <a:pt x="6567176" y="1128287"/>
+                  <a:pt x="6570918" y="1338980"/>
+                </a:cubicBezTo>
+                <a:cubicBezTo>
+                  <a:pt x="6574660" y="1549673"/>
+                  <a:pt x="6585356" y="1654385"/>
+                  <a:pt x="6570918" y="1868992"/>
+                </a:cubicBezTo>
+                <a:cubicBezTo>
+                  <a:pt x="6556480" y="2083599"/>
+                  <a:pt x="6556432" y="2483858"/>
+                  <a:pt x="6570918" y="2677959"/>
+                </a:cubicBezTo>
+                <a:cubicBezTo>
+                  <a:pt x="6585404" y="2872060"/>
+                  <a:pt x="6594779" y="3123863"/>
+                  <a:pt x="6570918" y="3375345"/>
+                </a:cubicBezTo>
+                <a:cubicBezTo>
+                  <a:pt x="6547057" y="3626827"/>
+                  <a:pt x="6570936" y="3958160"/>
+                  <a:pt x="6570918" y="4184312"/>
+                </a:cubicBezTo>
+                <a:cubicBezTo>
+                  <a:pt x="6570900" y="4410464"/>
+                  <a:pt x="6547287" y="4544723"/>
+                  <a:pt x="6570918" y="4825906"/>
+                </a:cubicBezTo>
+                <a:cubicBezTo>
+                  <a:pt x="6594549" y="5107089"/>
+                  <a:pt x="6602036" y="5410476"/>
+                  <a:pt x="6570918" y="5579082"/>
+                </a:cubicBezTo>
+                <a:cubicBezTo>
+                  <a:pt x="6298110" y="5570936"/>
+                  <a:pt x="6115328" y="5586054"/>
+                  <a:pt x="5913826" y="5579082"/>
+                </a:cubicBezTo>
+                <a:cubicBezTo>
+                  <a:pt x="5712324" y="5572110"/>
+                  <a:pt x="5388485" y="5595536"/>
+                  <a:pt x="5256734" y="5579082"/>
+                </a:cubicBezTo>
+                <a:cubicBezTo>
+                  <a:pt x="5124983" y="5562628"/>
+                  <a:pt x="4935790" y="5558095"/>
+                  <a:pt x="4796770" y="5579082"/>
+                </a:cubicBezTo>
+                <a:cubicBezTo>
+                  <a:pt x="4657750" y="5600069"/>
+                  <a:pt x="4406133" y="5565422"/>
+                  <a:pt x="4139678" y="5579082"/>
+                </a:cubicBezTo>
+                <a:cubicBezTo>
+                  <a:pt x="3873223" y="5592742"/>
+                  <a:pt x="3680595" y="5550657"/>
+                  <a:pt x="3548296" y="5579082"/>
+                </a:cubicBezTo>
+                <a:cubicBezTo>
+                  <a:pt x="3415997" y="5607507"/>
+                  <a:pt x="3154943" y="5582453"/>
+                  <a:pt x="2956913" y="5579082"/>
+                </a:cubicBezTo>
+                <a:cubicBezTo>
+                  <a:pt x="2758883" y="5575711"/>
+                  <a:pt x="2616161" y="5608318"/>
+                  <a:pt x="2365530" y="5579082"/>
+                </a:cubicBezTo>
+                <a:cubicBezTo>
+                  <a:pt x="2114899" y="5549846"/>
+                  <a:pt x="2015415" y="5589111"/>
+                  <a:pt x="1774148" y="5579082"/>
+                </a:cubicBezTo>
+                <a:cubicBezTo>
+                  <a:pt x="1532881" y="5569053"/>
+                  <a:pt x="1276772" y="5614025"/>
+                  <a:pt x="1051347" y="5579082"/>
+                </a:cubicBezTo>
+                <a:cubicBezTo>
+                  <a:pt x="825922" y="5544139"/>
+                  <a:pt x="317006" y="5579887"/>
+                  <a:pt x="0" y="5579082"/>
+                </a:cubicBezTo>
+                <a:cubicBezTo>
+                  <a:pt x="647" y="5359793"/>
+                  <a:pt x="-19331" y="5263540"/>
+                  <a:pt x="0" y="5049069"/>
+                </a:cubicBezTo>
+                <a:cubicBezTo>
+                  <a:pt x="19331" y="4834598"/>
+                  <a:pt x="-28451" y="4599178"/>
+                  <a:pt x="0" y="4407475"/>
+                </a:cubicBezTo>
+                <a:cubicBezTo>
+                  <a:pt x="28451" y="4215772"/>
+                  <a:pt x="-6879" y="3851595"/>
+                  <a:pt x="0" y="3654299"/>
+                </a:cubicBezTo>
+                <a:cubicBezTo>
+                  <a:pt x="6879" y="3457003"/>
+                  <a:pt x="-13361" y="3153430"/>
+                  <a:pt x="0" y="2845332"/>
+                </a:cubicBezTo>
+                <a:cubicBezTo>
+                  <a:pt x="13361" y="2537234"/>
+                  <a:pt x="-16264" y="2440224"/>
+                  <a:pt x="0" y="2315319"/>
+                </a:cubicBezTo>
+                <a:cubicBezTo>
+                  <a:pt x="16264" y="2190414"/>
+                  <a:pt x="-4326" y="1972406"/>
+                  <a:pt x="0" y="1785306"/>
+                </a:cubicBezTo>
+                <a:cubicBezTo>
+                  <a:pt x="4326" y="1598206"/>
+                  <a:pt x="36209" y="1149228"/>
+                  <a:pt x="0" y="976339"/>
+                </a:cubicBezTo>
+                <a:cubicBezTo>
+                  <a:pt x="-36209" y="803450"/>
+                  <a:pt x="-26312" y="313518"/>
+                  <a:pt x="0" y="0"/>
+                </a:cubicBezTo>
+                <a:close/>
+              </a:path>
+              <a:path w="6570918" h="5579082" stroke="0" extrusionOk="0">
+                <a:moveTo>
+                  <a:pt x="0" y="0"/>
+                </a:moveTo>
+                <a:cubicBezTo>
+                  <a:pt x="278313" y="27288"/>
+                  <a:pt x="431280" y="2299"/>
+                  <a:pt x="591383" y="0"/>
+                </a:cubicBezTo>
+                <a:cubicBezTo>
+                  <a:pt x="751486" y="-2299"/>
+                  <a:pt x="864229" y="-10501"/>
+                  <a:pt x="1051347" y="0"/>
+                </a:cubicBezTo>
+                <a:cubicBezTo>
+                  <a:pt x="1238465" y="10501"/>
+                  <a:pt x="1656622" y="-8810"/>
+                  <a:pt x="1839857" y="0"/>
+                </a:cubicBezTo>
+                <a:cubicBezTo>
+                  <a:pt x="2023092" y="8810"/>
+                  <a:pt x="2169087" y="15350"/>
+                  <a:pt x="2431240" y="0"/>
+                </a:cubicBezTo>
+                <a:cubicBezTo>
+                  <a:pt x="2693393" y="-15350"/>
+                  <a:pt x="2900257" y="27267"/>
+                  <a:pt x="3022622" y="0"/>
+                </a:cubicBezTo>
+                <a:cubicBezTo>
+                  <a:pt x="3144987" y="-27267"/>
+                  <a:pt x="3447181" y="14689"/>
+                  <a:pt x="3811132" y="0"/>
+                </a:cubicBezTo>
+                <a:cubicBezTo>
+                  <a:pt x="4175083" y="-14689"/>
+                  <a:pt x="4141184" y="1416"/>
+                  <a:pt x="4336806" y="0"/>
+                </a:cubicBezTo>
+                <a:cubicBezTo>
+                  <a:pt x="4532428" y="-1416"/>
+                  <a:pt x="4953156" y="21134"/>
+                  <a:pt x="5125316" y="0"/>
+                </a:cubicBezTo>
+                <a:cubicBezTo>
+                  <a:pt x="5297476" y="-21134"/>
+                  <a:pt x="5588322" y="-4504"/>
+                  <a:pt x="5913826" y="0"/>
+                </a:cubicBezTo>
+                <a:cubicBezTo>
+                  <a:pt x="6239330" y="4504"/>
+                  <a:pt x="6420523" y="-5260"/>
+                  <a:pt x="6570918" y="0"/>
+                </a:cubicBezTo>
+                <a:cubicBezTo>
+                  <a:pt x="6591445" y="372376"/>
+                  <a:pt x="6574842" y="632430"/>
+                  <a:pt x="6570918" y="808967"/>
+                </a:cubicBezTo>
+                <a:cubicBezTo>
+                  <a:pt x="6566994" y="985504"/>
+                  <a:pt x="6590171" y="1307889"/>
+                  <a:pt x="6570918" y="1562143"/>
+                </a:cubicBezTo>
+                <a:cubicBezTo>
+                  <a:pt x="6551665" y="1816397"/>
+                  <a:pt x="6555438" y="1963128"/>
+                  <a:pt x="6570918" y="2092156"/>
+                </a:cubicBezTo>
+                <a:cubicBezTo>
+                  <a:pt x="6586398" y="2221184"/>
+                  <a:pt x="6566210" y="2620933"/>
+                  <a:pt x="6570918" y="2789541"/>
+                </a:cubicBezTo>
+                <a:cubicBezTo>
+                  <a:pt x="6575626" y="2958149"/>
+                  <a:pt x="6544837" y="3183433"/>
+                  <a:pt x="6570918" y="3486926"/>
+                </a:cubicBezTo>
+                <a:cubicBezTo>
+                  <a:pt x="6596999" y="3790419"/>
+                  <a:pt x="6605308" y="3845885"/>
+                  <a:pt x="6570918" y="4184312"/>
+                </a:cubicBezTo>
+                <a:cubicBezTo>
+                  <a:pt x="6536528" y="4522739"/>
+                  <a:pt x="6608082" y="4624099"/>
+                  <a:pt x="6570918" y="4937488"/>
+                </a:cubicBezTo>
+                <a:cubicBezTo>
+                  <a:pt x="6533754" y="5250877"/>
+                  <a:pt x="6586964" y="5431073"/>
+                  <a:pt x="6570918" y="5579082"/>
+                </a:cubicBezTo>
+                <a:cubicBezTo>
+                  <a:pt x="6289892" y="5586213"/>
+                  <a:pt x="6205354" y="5547724"/>
+                  <a:pt x="5848117" y="5579082"/>
+                </a:cubicBezTo>
+                <a:cubicBezTo>
+                  <a:pt x="5490880" y="5610440"/>
+                  <a:pt x="5430172" y="5600685"/>
+                  <a:pt x="5322444" y="5579082"/>
+                </a:cubicBezTo>
+                <a:cubicBezTo>
+                  <a:pt x="5214716" y="5557479"/>
+                  <a:pt x="4791298" y="5604209"/>
+                  <a:pt x="4533933" y="5579082"/>
+                </a:cubicBezTo>
+                <a:cubicBezTo>
+                  <a:pt x="4276568" y="5553955"/>
+                  <a:pt x="4194834" y="5592381"/>
+                  <a:pt x="3876842" y="5579082"/>
+                </a:cubicBezTo>
+                <a:cubicBezTo>
+                  <a:pt x="3558850" y="5565783"/>
+                  <a:pt x="3592122" y="5581860"/>
+                  <a:pt x="3351168" y="5579082"/>
+                </a:cubicBezTo>
+                <a:cubicBezTo>
+                  <a:pt x="3110214" y="5576304"/>
+                  <a:pt x="2934023" y="5584193"/>
+                  <a:pt x="2694076" y="5579082"/>
+                </a:cubicBezTo>
+                <a:cubicBezTo>
+                  <a:pt x="2454129" y="5573971"/>
+                  <a:pt x="2428702" y="5591803"/>
+                  <a:pt x="2234112" y="5579082"/>
+                </a:cubicBezTo>
+                <a:cubicBezTo>
+                  <a:pt x="2039522" y="5566361"/>
+                  <a:pt x="1981009" y="5601189"/>
+                  <a:pt x="1774148" y="5579082"/>
+                </a:cubicBezTo>
+                <a:cubicBezTo>
+                  <a:pt x="1567287" y="5556975"/>
+                  <a:pt x="1275481" y="5606317"/>
+                  <a:pt x="1117056" y="5579082"/>
+                </a:cubicBezTo>
+                <a:cubicBezTo>
+                  <a:pt x="958631" y="5551847"/>
+                  <a:pt x="755477" y="5572254"/>
+                  <a:pt x="591383" y="5579082"/>
+                </a:cubicBezTo>
+                <a:cubicBezTo>
+                  <a:pt x="427289" y="5585910"/>
+                  <a:pt x="187330" y="5591515"/>
+                  <a:pt x="0" y="5579082"/>
+                </a:cubicBezTo>
+                <a:cubicBezTo>
+                  <a:pt x="-26479" y="5461734"/>
+                  <a:pt x="-8007" y="5136203"/>
+                  <a:pt x="0" y="4993278"/>
+                </a:cubicBezTo>
+                <a:cubicBezTo>
+                  <a:pt x="8007" y="4850353"/>
+                  <a:pt x="-866" y="4711104"/>
+                  <a:pt x="0" y="4463266"/>
+                </a:cubicBezTo>
+                <a:cubicBezTo>
+                  <a:pt x="866" y="4215428"/>
+                  <a:pt x="32773" y="4051281"/>
+                  <a:pt x="0" y="3710090"/>
+                </a:cubicBezTo>
+                <a:cubicBezTo>
+                  <a:pt x="-32773" y="3368899"/>
+                  <a:pt x="-4467" y="3247332"/>
+                  <a:pt x="0" y="3124286"/>
+                </a:cubicBezTo>
+                <a:cubicBezTo>
+                  <a:pt x="4467" y="3001240"/>
+                  <a:pt x="-19954" y="2606861"/>
+                  <a:pt x="0" y="2371110"/>
+                </a:cubicBezTo>
+                <a:cubicBezTo>
+                  <a:pt x="19954" y="2135359"/>
+                  <a:pt x="32823" y="1730214"/>
+                  <a:pt x="0" y="1562143"/>
+                </a:cubicBezTo>
+                <a:cubicBezTo>
+                  <a:pt x="-32823" y="1394072"/>
+                  <a:pt x="31174" y="1196398"/>
+                  <a:pt x="0" y="920549"/>
+                </a:cubicBezTo>
+                <a:cubicBezTo>
+                  <a:pt x="-31174" y="644700"/>
+                  <a:pt x="-12315" y="369594"/>
+                  <a:pt x="0" y="0"/>
+                </a:cubicBezTo>
+                <a:close/>
+              </a:path>
+            </a:pathLst>
+          </a:custGeom>
+          <a:solidFill>
+            <a:schemeClr val="tx1"/>
+          </a:solidFill>
+          <a:ln w="95250">
+            <a:solidFill>
+              <a:schemeClr val="tx1"/>
+            </a:solidFill>
+            <a:extLst>
+              <a:ext uri="{C807C97D-BFC1-408E-A445-0C87EB9F89A2}">
+                <ask:lineSketchStyleProps xmlns:ask="http://schemas.microsoft.com/office/drawing/2018/sketchyshapes" sd="1219033472">
+                  <a:prstGeom prst="rect">
+                    <a:avLst/>
+                  </a:prstGeom>
+                  <ask:type>
+                    <ask:lineSketchFreehand/>
+                  </ask:type>
+                </ask:lineSketchStyleProps>
+              </a:ext>
+            </a:extLst>
+          </a:ln>
+        </p:spPr>
+        <p:style>
+          <a:lnRef idx="2">
+            <a:schemeClr val="accent1">
+              <a:shade val="50000"/>
+            </a:schemeClr>
+          </a:lnRef>
+          <a:fillRef idx="1">
+            <a:schemeClr val="accent1"/>
+          </a:fillRef>
+          <a:effectRef idx="0">
+            <a:schemeClr val="accent1"/>
+          </a:effectRef>
+          <a:fontRef idx="minor">
+            <a:schemeClr val="lt1"/>
+          </a:fontRef>
+        </p:style>
+        <p:txBody>
+          <a:bodyPr rtlCol="0" anchor="ctr"/>
+          <a:lstStyle/>
+          <a:p>
+            <a:pPr algn="ctr"/>
+            <a:endParaRPr lang="en-US"/>
+          </a:p>
+        </p:txBody>
+      </p:sp>
+      <p:sp>
+        <p:nvSpPr>
+          <p:cNvPr id="3" name="Content Placeholder 2">
+            <a:extLst>
+              <a:ext uri="{FF2B5EF4-FFF2-40B4-BE49-F238E27FC236}">
+                <a16:creationId xmlns:a16="http://schemas.microsoft.com/office/drawing/2014/main" id="{7E94BF1F-831E-B5D8-F87A-3AA46580E6DC}"/>
+              </a:ext>
+            </a:extLst>
+          </p:cNvPr>
+          <p:cNvSpPr>
+            <a:spLocks noGrp="1"/>
+          </p:cNvSpPr>
+          <p:nvPr>
+            <p:ph idx="1"/>
+          </p:nvPr>
+        </p:nvSpPr>
+        <p:spPr>
+          <a:xfrm>
+            <a:off x="5404104" y="847082"/>
+            <a:ext cx="5946648" cy="4988412"/>
+          </a:xfrm>
+        </p:spPr>
+        <p:txBody>
+          <a:bodyPr>
+            <a:noAutofit/>
+          </a:bodyPr>
+          <a:lstStyle/>
+          <a:p>
+            <a:pPr marL="0" indent="0">
+              <a:buNone/>
+            </a:pPr>
+            <a:r>
+              <a:rPr lang="en-US" sz="4800" b="1" dirty="0">
+                <a:solidFill>
+                  <a:schemeClr val="bg1"/>
+                </a:solidFill>
+              </a:rPr>
+              <a:t>Analyze FAANG stock data from 2012 to 2022. Gain insights into price trends, trading volumes, and market capitalization. Compare performance to the S&amp;P 500 index. Provide investment recommendations based on risk profiles.</a:t>
+            </a:r>
+          </a:p>
+        </p:txBody>
+      </p:sp>
+    </p:spTree>
+    <p:extLst>
+      <p:ext uri="{BB962C8B-B14F-4D97-AF65-F5344CB8AC3E}">
+        <p14:creationId xmlns:p14="http://schemas.microsoft.com/office/powerpoint/2010/main" val="2729688544"/>
+      </p:ext>
+    </p:extLst>
+  </p:cSld>
+  <p:clrMapOvr>
+    <a:overrideClrMapping bg1="dk1" tx1="lt1" bg2="dk2" tx2="lt2" accent1="accent1" accent2="accent2" accent3="accent3" accent4="accent4" accent5="accent5" accent6="accent6" hlink="hlink" folHlink="folHlink"/>
+  </p:clrMapOvr>
+</p:sld>
+</file>
+
+<file path=ppt/slides/slide20.xml><?xml version="1.0" encoding="utf-8"?>
+<p:sld xmlns:a="http://schemas.openxmlformats.org/drawingml/2006/main" xmlns:r="http://schemas.openxmlformats.org/officeDocument/2006/relationships" xmlns:p="http://schemas.openxmlformats.org/presentationml/2006/main">
+  <p:cSld>
+    <p:bg>
+      <p:bgPr>
+        <a:solidFill>
+          <a:schemeClr val="bg1"/>
+        </a:solidFill>
+        <a:effectLst/>
+      </p:bgPr>
+    </p:bg>
+    <p:spTree>
+      <p:nvGrpSpPr>
+        <p:cNvPr id="1" name=""/>
+        <p:cNvGrpSpPr/>
+        <p:nvPr/>
+      </p:nvGrpSpPr>
+      <p:grpSpPr>
+        <a:xfrm>
+          <a:off x="0" y="0"/>
+          <a:ext cx="0" cy="0"/>
+          <a:chOff x="0" y="0"/>
+          <a:chExt cx="0" cy="0"/>
+        </a:xfrm>
+      </p:grpSpPr>
+      <p:sp>
+        <p:nvSpPr>
+          <p:cNvPr id="66" name="Rectangle 60">
+            <a:extLst>
+              <a:ext uri="{FF2B5EF4-FFF2-40B4-BE49-F238E27FC236}">
+                <a16:creationId xmlns:a16="http://schemas.microsoft.com/office/drawing/2014/main" id="{2C61293E-6EBE-43EF-A52C-9BEBFD7679D4}"/>
+              </a:ext>
+              <a:ext uri="{C183D7F6-B498-43B3-948B-1728B52AA6E4}">
+                <adec:decorative xmlns:adec="http://schemas.microsoft.com/office/drawing/2017/decorative" val="1"/>
+              </a:ext>
+            </a:extLst>
+          </p:cNvPr>
+          <p:cNvSpPr>
+            <a:spLocks noGrp="1" noRot="1" noChangeAspect="1" noMove="1" noResize="1" noEditPoints="1" noAdjustHandles="1" noChangeArrowheads="1" noChangeShapeType="1" noTextEdit="1"/>
+          </p:cNvSpPr>
+          <p:nvPr>
+            <p:extLst>
+              <p:ext uri="{386F3935-93C4-4BCD-93E2-E3B085C9AB24}">
+                <p16:designElem xmlns:p16="http://schemas.microsoft.com/office/powerpoint/2015/main" val="1"/>
+              </p:ext>
+            </p:extLst>
+          </p:nvPr>
+        </p:nvSpPr>
+        <p:spPr>
+          <a:xfrm>
+            <a:off x="0" y="0"/>
+            <a:ext cx="12188952" cy="6858000"/>
+          </a:xfrm>
+          <a:prstGeom prst="rect">
+            <a:avLst/>
+          </a:prstGeom>
+          <a:solidFill>
+            <a:srgbClr val="000000"/>
+          </a:solidFill>
+          <a:ln>
+            <a:noFill/>
+          </a:ln>
+        </p:spPr>
+        <p:style>
+          <a:lnRef idx="2">
+            <a:schemeClr val="accent1">
+              <a:shade val="50000"/>
+            </a:schemeClr>
+          </a:lnRef>
+          <a:fillRef idx="1">
+            <a:schemeClr val="accent1"/>
+          </a:fillRef>
+          <a:effectRef idx="0">
+            <a:schemeClr val="accent1"/>
+          </a:effectRef>
+          <a:fontRef idx="minor">
+            <a:schemeClr val="lt1"/>
+          </a:fontRef>
+        </p:style>
+        <p:txBody>
+          <a:bodyPr rtlCol="0" anchor="ctr"/>
+          <a:lstStyle/>
+          <a:p>
+            <a:pPr algn="ctr"/>
+            <a:endParaRPr lang="en-US"/>
+          </a:p>
+        </p:txBody>
+      </p:sp>
+      <p:pic>
+        <p:nvPicPr>
+          <p:cNvPr id="19" name="Picture 18" descr="Graph on document with pen">
+            <a:extLst>
+              <a:ext uri="{FF2B5EF4-FFF2-40B4-BE49-F238E27FC236}">
+                <a16:creationId xmlns:a16="http://schemas.microsoft.com/office/drawing/2014/main" id="{D41D6977-F31E-D93E-BEB3-6E079DC756F1}"/>
+              </a:ext>
+            </a:extLst>
+          </p:cNvPr>
+          <p:cNvPicPr>
+            <a:picLocks noChangeAspect="1"/>
+          </p:cNvPicPr>
+          <p:nvPr/>
+        </p:nvPicPr>
+        <p:blipFill rotWithShape="1">
+          <a:blip r:embed="rId3">
+            <a:alphaModFix amt="90000"/>
+          </a:blip>
+          <a:srcRect t="1896" r="-1" b="13813"/>
+          <a:stretch/>
+        </p:blipFill>
+        <p:spPr>
+          <a:xfrm>
+            <a:off x="3068" y="0"/>
+            <a:ext cx="12188932" cy="6857990"/>
+          </a:xfrm>
+          <a:prstGeom prst="rect">
+            <a:avLst/>
+          </a:prstGeom>
+        </p:spPr>
+      </p:pic>
+      <p:sp>
+        <p:nvSpPr>
+          <p:cNvPr id="67" name="Freeform: Shape 62">
+            <a:extLst>
+              <a:ext uri="{FF2B5EF4-FFF2-40B4-BE49-F238E27FC236}">
+                <a16:creationId xmlns:a16="http://schemas.microsoft.com/office/drawing/2014/main" id="{8D5AAC53-3624-41C3-A6B5-1DA97F2901B1}"/>
+              </a:ext>
+              <a:ext uri="{C183D7F6-B498-43B3-948B-1728B52AA6E4}">
+                <adec:decorative xmlns:adec="http://schemas.microsoft.com/office/drawing/2017/decorative" val="1"/>
+              </a:ext>
+            </a:extLst>
+          </p:cNvPr>
+          <p:cNvSpPr>
+            <a:spLocks noGrp="1" noRot="1" noChangeAspect="1" noMove="1" noResize="1" noEditPoints="1" noAdjustHandles="1" noChangeArrowheads="1" noChangeShapeType="1" noTextEdit="1"/>
+          </p:cNvSpPr>
+          <p:nvPr>
+            <p:extLst>
+              <p:ext uri="{386F3935-93C4-4BCD-93E2-E3B085C9AB24}">
+                <p16:designElem xmlns:p16="http://schemas.microsoft.com/office/powerpoint/2015/main" val="1"/>
+              </p:ext>
+            </p:extLst>
+          </p:nvPr>
+        </p:nvSpPr>
+        <p:spPr>
+          <a:xfrm>
+            <a:off x="5354054" y="760956"/>
+            <a:ext cx="6248168" cy="5486563"/>
+          </a:xfrm>
+          <a:custGeom>
+            <a:avLst/>
+            <a:gdLst>
+              <a:gd name="connsiteX0" fmla="*/ 2612540 w 5531319"/>
+              <a:gd name="connsiteY0" fmla="*/ 836 h 4424065"/>
+              <a:gd name="connsiteX1" fmla="*/ 2946310 w 5531319"/>
+              <a:gd name="connsiteY1" fmla="*/ 35548 h 4424065"/>
+              <a:gd name="connsiteX2" fmla="*/ 3961099 w 5531319"/>
+              <a:gd name="connsiteY2" fmla="*/ 303581 h 4424065"/>
+              <a:gd name="connsiteX3" fmla="*/ 4854587 w 5531319"/>
+              <a:gd name="connsiteY3" fmla="*/ 764502 h 4424065"/>
+              <a:gd name="connsiteX4" fmla="*/ 5377812 w 5531319"/>
+              <a:gd name="connsiteY4" fmla="*/ 1339732 h 4424065"/>
+              <a:gd name="connsiteX5" fmla="*/ 5526197 w 5531319"/>
+              <a:gd name="connsiteY5" fmla="*/ 1825829 h 4424065"/>
+              <a:gd name="connsiteX6" fmla="*/ 5510557 w 5531319"/>
+              <a:gd name="connsiteY6" fmla="*/ 2199398 h 4424065"/>
+              <a:gd name="connsiteX7" fmla="*/ 5509795 w 5531319"/>
+              <a:gd name="connsiteY7" fmla="*/ 2402839 h 4424065"/>
+              <a:gd name="connsiteX8" fmla="*/ 5323519 w 5531319"/>
+              <a:gd name="connsiteY8" fmla="*/ 3144890 h 4424065"/>
+              <a:gd name="connsiteX9" fmla="*/ 4853061 w 5531319"/>
+              <a:gd name="connsiteY9" fmla="*/ 3612932 h 4424065"/>
+              <a:gd name="connsiteX10" fmla="*/ 4316358 w 5531319"/>
+              <a:gd name="connsiteY10" fmla="*/ 3982940 h 4424065"/>
+              <a:gd name="connsiteX11" fmla="*/ 3352556 w 5531319"/>
+              <a:gd name="connsiteY11" fmla="*/ 4386771 h 4424065"/>
+              <a:gd name="connsiteX12" fmla="*/ 2770206 w 5531319"/>
+              <a:gd name="connsiteY12" fmla="*/ 4412201 h 4424065"/>
+              <a:gd name="connsiteX13" fmla="*/ 2514888 w 5531319"/>
+              <a:gd name="connsiteY13" fmla="*/ 4393637 h 4424065"/>
+              <a:gd name="connsiteX14" fmla="*/ 1903166 w 5531319"/>
+              <a:gd name="connsiteY14" fmla="*/ 4263562 h 4424065"/>
+              <a:gd name="connsiteX15" fmla="*/ 948392 w 5531319"/>
+              <a:gd name="connsiteY15" fmla="*/ 3794249 h 4424065"/>
+              <a:gd name="connsiteX16" fmla="*/ 223633 w 5531319"/>
+              <a:gd name="connsiteY16" fmla="*/ 2975526 h 4424065"/>
+              <a:gd name="connsiteX17" fmla="*/ 39519 w 5531319"/>
+              <a:gd name="connsiteY17" fmla="*/ 2401695 h 4424065"/>
+              <a:gd name="connsiteX18" fmla="*/ 16251 w 5531319"/>
+              <a:gd name="connsiteY18" fmla="*/ 2300991 h 4424065"/>
+              <a:gd name="connsiteX19" fmla="*/ 11800 w 5531319"/>
+              <a:gd name="connsiteY19" fmla="*/ 2053556 h 4424065"/>
+              <a:gd name="connsiteX20" fmla="*/ 812849 w 5531319"/>
+              <a:gd name="connsiteY20" fmla="*/ 651084 h 4424065"/>
+              <a:gd name="connsiteX21" fmla="*/ 2066809 w 5531319"/>
+              <a:gd name="connsiteY21" fmla="*/ 52586 h 4424065"/>
+              <a:gd name="connsiteX22" fmla="*/ 2332045 w 5531319"/>
+              <a:gd name="connsiteY22" fmla="*/ 14441 h 4424065"/>
+              <a:gd name="connsiteX23" fmla="*/ 2612540 w 5531319"/>
+              <a:gd name="connsiteY23" fmla="*/ 836 h 4424065"/>
+              <a:gd name="connsiteX24" fmla="*/ 5468597 w 5531319"/>
+              <a:gd name="connsiteY24" fmla="*/ 2088522 h 4424065"/>
+              <a:gd name="connsiteX25" fmla="*/ 5471140 w 5531319"/>
+              <a:gd name="connsiteY25" fmla="*/ 1826083 h 4424065"/>
+              <a:gd name="connsiteX26" fmla="*/ 5327079 w 5531319"/>
+              <a:gd name="connsiteY26" fmla="*/ 1361348 h 4424065"/>
+              <a:gd name="connsiteX27" fmla="*/ 4833353 w 5531319"/>
+              <a:gd name="connsiteY27" fmla="*/ 816507 h 4424065"/>
+              <a:gd name="connsiteX28" fmla="*/ 4063456 w 5531319"/>
+              <a:gd name="connsiteY28" fmla="*/ 400724 h 4424065"/>
+              <a:gd name="connsiteX29" fmla="*/ 3972543 w 5531319"/>
+              <a:gd name="connsiteY29" fmla="*/ 365631 h 4424065"/>
+              <a:gd name="connsiteX30" fmla="*/ 3885571 w 5531319"/>
+              <a:gd name="connsiteY30" fmla="*/ 334733 h 4424065"/>
+              <a:gd name="connsiteX31" fmla="*/ 4355012 w 5531319"/>
+              <a:gd name="connsiteY31" fmla="*/ 579880 h 4424065"/>
+              <a:gd name="connsiteX32" fmla="*/ 5144618 w 5531319"/>
+              <a:gd name="connsiteY32" fmla="*/ 1290779 h 4424065"/>
+              <a:gd name="connsiteX33" fmla="*/ 5468597 w 5531319"/>
+              <a:gd name="connsiteY33" fmla="*/ 2088522 h 4424065"/>
+              <a:gd name="connsiteX34" fmla="*/ 2219771 w 5531319"/>
+              <a:gd name="connsiteY34" fmla="*/ 85645 h 4424065"/>
+              <a:gd name="connsiteX35" fmla="*/ 2181626 w 5531319"/>
+              <a:gd name="connsiteY35" fmla="*/ 89333 h 4424065"/>
+              <a:gd name="connsiteX36" fmla="*/ 1462971 w 5531319"/>
+              <a:gd name="connsiteY36" fmla="*/ 303073 h 4424065"/>
+              <a:gd name="connsiteX37" fmla="*/ 308697 w 5531319"/>
+              <a:gd name="connsiteY37" fmla="*/ 1338461 h 4424065"/>
+              <a:gd name="connsiteX38" fmla="*/ 65839 w 5531319"/>
+              <a:gd name="connsiteY38" fmla="*/ 2064364 h 4424065"/>
+              <a:gd name="connsiteX39" fmla="*/ 82114 w 5531319"/>
+              <a:gd name="connsiteY39" fmla="*/ 2022150 h 4424065"/>
+              <a:gd name="connsiteX40" fmla="*/ 423260 w 5531319"/>
+              <a:gd name="connsiteY40" fmla="*/ 1282260 h 4424065"/>
+              <a:gd name="connsiteX41" fmla="*/ 1231811 w 5531319"/>
+              <a:gd name="connsiteY41" fmla="*/ 454001 h 4424065"/>
+              <a:gd name="connsiteX42" fmla="*/ 2219771 w 5531319"/>
+              <a:gd name="connsiteY42" fmla="*/ 85645 h 4424065"/>
+              <a:gd name="connsiteX43" fmla="*/ 2855524 w 5531319"/>
+              <a:gd name="connsiteY43" fmla="*/ 4364392 h 4424065"/>
+              <a:gd name="connsiteX44" fmla="*/ 4292327 w 5531319"/>
+              <a:gd name="connsiteY44" fmla="*/ 3931444 h 4424065"/>
+              <a:gd name="connsiteX45" fmla="*/ 2855652 w 5531319"/>
+              <a:gd name="connsiteY45" fmla="*/ 4364392 h 4424065"/>
+              <a:gd name="connsiteX46" fmla="*/ 3869805 w 5531319"/>
+              <a:gd name="connsiteY46" fmla="*/ 330156 h 4424065"/>
+              <a:gd name="connsiteX47" fmla="*/ 3865736 w 5531319"/>
+              <a:gd name="connsiteY47" fmla="*/ 329520 h 4424065"/>
+              <a:gd name="connsiteX48" fmla="*/ 3866499 w 5531319"/>
+              <a:gd name="connsiteY48" fmla="*/ 330537 h 4424065"/>
+              <a:gd name="connsiteX49" fmla="*/ 4302117 w 5531319"/>
+              <a:gd name="connsiteY49" fmla="*/ 3923561 h 4424065"/>
+              <a:gd name="connsiteX50" fmla="*/ 4301101 w 5531319"/>
+              <a:gd name="connsiteY50" fmla="*/ 3924959 h 4424065"/>
+              <a:gd name="connsiteX51" fmla="*/ 4302880 w 5531319"/>
+              <a:gd name="connsiteY51" fmla="*/ 3924959 h 4424065"/>
+            </a:gdLst>
+            <a:ahLst/>
+            <a:cxnLst>
+              <a:cxn ang="0">
+                <a:pos x="connsiteX0" y="connsiteY0"/>
+              </a:cxn>
+              <a:cxn ang="0">
+                <a:pos x="connsiteX1" y="connsiteY1"/>
+              </a:cxn>
+              <a:cxn ang="0">
+                <a:pos x="connsiteX2" y="connsiteY2"/>
+              </a:cxn>
+              <a:cxn ang="0">
+                <a:pos x="connsiteX3" y="connsiteY3"/>
+              </a:cxn>
+              <a:cxn ang="0">
+                <a:pos x="connsiteX4" y="connsiteY4"/>
+              </a:cxn>
+              <a:cxn ang="0">
+                <a:pos x="connsiteX5" y="connsiteY5"/>
+              </a:cxn>
+              <a:cxn ang="0">
+                <a:pos x="connsiteX6" y="connsiteY6"/>
+              </a:cxn>
+              <a:cxn ang="0">
+                <a:pos x="connsiteX7" y="connsiteY7"/>
+              </a:cxn>
+              <a:cxn ang="0">
+                <a:pos x="connsiteX8" y="connsiteY8"/>
+              </a:cxn>
+              <a:cxn ang="0">
+                <a:pos x="connsiteX9" y="connsiteY9"/>
+              </a:cxn>
+              <a:cxn ang="0">
+                <a:pos x="connsiteX10" y="connsiteY10"/>
+              </a:cxn>
+              <a:cxn ang="0">
+                <a:pos x="connsiteX11" y="connsiteY11"/>
+              </a:cxn>
+              <a:cxn ang="0">
+                <a:pos x="connsiteX12" y="connsiteY12"/>
+              </a:cxn>
+              <a:cxn ang="0">
+                <a:pos x="connsiteX13" y="connsiteY13"/>
+              </a:cxn>
+              <a:cxn ang="0">
+                <a:pos x="connsiteX14" y="connsiteY14"/>
+              </a:cxn>
+              <a:cxn ang="0">
+                <a:pos x="connsiteX15" y="connsiteY15"/>
+              </a:cxn>
+              <a:cxn ang="0">
+                <a:pos x="connsiteX16" y="connsiteY16"/>
+              </a:cxn>
+              <a:cxn ang="0">
+                <a:pos x="connsiteX17" y="connsiteY17"/>
+              </a:cxn>
+              <a:cxn ang="0">
+                <a:pos x="connsiteX18" y="connsiteY18"/>
+              </a:cxn>
+              <a:cxn ang="0">
+                <a:pos x="connsiteX19" y="connsiteY19"/>
+              </a:cxn>
+              <a:cxn ang="0">
+                <a:pos x="connsiteX20" y="connsiteY20"/>
+              </a:cxn>
+              <a:cxn ang="0">
+                <a:pos x="connsiteX21" y="connsiteY21"/>
+              </a:cxn>
+              <a:cxn ang="0">
+                <a:pos x="connsiteX22" y="connsiteY22"/>
+              </a:cxn>
+              <a:cxn ang="0">
+                <a:pos x="connsiteX23" y="connsiteY23"/>
+              </a:cxn>
+              <a:cxn ang="0">
+                <a:pos x="connsiteX24" y="connsiteY24"/>
+              </a:cxn>
+              <a:cxn ang="0">
+                <a:pos x="connsiteX25" y="connsiteY25"/>
+              </a:cxn>
+              <a:cxn ang="0">
+                <a:pos x="connsiteX26" y="connsiteY26"/>
+              </a:cxn>
+              <a:cxn ang="0">
+                <a:pos x="connsiteX27" y="connsiteY27"/>
+              </a:cxn>
+              <a:cxn ang="0">
+                <a:pos x="connsiteX28" y="connsiteY28"/>
+              </a:cxn>
+              <a:cxn ang="0">
+                <a:pos x="connsiteX29" y="connsiteY29"/>
+              </a:cxn>
+              <a:cxn ang="0">
+                <a:pos x="connsiteX30" y="connsiteY30"/>
+              </a:cxn>
+              <a:cxn ang="0">
+                <a:pos x="connsiteX31" y="connsiteY31"/>
+              </a:cxn>
+              <a:cxn ang="0">
+                <a:pos x="connsiteX32" y="connsiteY32"/>
+              </a:cxn>
+              <a:cxn ang="0">
+                <a:pos x="connsiteX33" y="connsiteY33"/>
+              </a:cxn>
+              <a:cxn ang="0">
+                <a:pos x="connsiteX34" y="connsiteY34"/>
+              </a:cxn>
+              <a:cxn ang="0">
+                <a:pos x="connsiteX35" y="connsiteY35"/>
+              </a:cxn>
+              <a:cxn ang="0">
+                <a:pos x="connsiteX36" y="connsiteY36"/>
+              </a:cxn>
+              <a:cxn ang="0">
+                <a:pos x="connsiteX37" y="connsiteY37"/>
+              </a:cxn>
+              <a:cxn ang="0">
+                <a:pos x="connsiteX38" y="connsiteY38"/>
+              </a:cxn>
+              <a:cxn ang="0">
+                <a:pos x="connsiteX39" y="connsiteY39"/>
+              </a:cxn>
+              <a:cxn ang="0">
+                <a:pos x="connsiteX40" y="connsiteY40"/>
+              </a:cxn>
+              <a:cxn ang="0">
+                <a:pos x="connsiteX41" y="connsiteY41"/>
+              </a:cxn>
+              <a:cxn ang="0">
+                <a:pos x="connsiteX42" y="connsiteY42"/>
+              </a:cxn>
+              <a:cxn ang="0">
+                <a:pos x="connsiteX43" y="connsiteY43"/>
+              </a:cxn>
+              <a:cxn ang="0">
+                <a:pos x="connsiteX44" y="connsiteY44"/>
+              </a:cxn>
+              <a:cxn ang="0">
+                <a:pos x="connsiteX45" y="connsiteY45"/>
+              </a:cxn>
+              <a:cxn ang="0">
+                <a:pos x="connsiteX46" y="connsiteY46"/>
+              </a:cxn>
+              <a:cxn ang="0">
+                <a:pos x="connsiteX47" y="connsiteY47"/>
+              </a:cxn>
+              <a:cxn ang="0">
+                <a:pos x="connsiteX48" y="connsiteY48"/>
+              </a:cxn>
+              <a:cxn ang="0">
+                <a:pos x="connsiteX49" y="connsiteY49"/>
+              </a:cxn>
+              <a:cxn ang="0">
+                <a:pos x="connsiteX50" y="connsiteY50"/>
+              </a:cxn>
+              <a:cxn ang="0">
+                <a:pos x="connsiteX51" y="connsiteY51"/>
+              </a:cxn>
+            </a:cxnLst>
+            <a:rect l="l" t="t" r="r" b="b"/>
+            <a:pathLst>
+              <a:path w="5531319" h="4424065">
+                <a:moveTo>
+                  <a:pt x="2612540" y="836"/>
+                </a:moveTo>
+                <a:cubicBezTo>
+                  <a:pt x="2715913" y="-4250"/>
+                  <a:pt x="2831239" y="14695"/>
+                  <a:pt x="2946310" y="35548"/>
+                </a:cubicBezTo>
+                <a:cubicBezTo>
+                  <a:pt x="3291651" y="98106"/>
+                  <a:pt x="3631143" y="182915"/>
+                  <a:pt x="3961099" y="303581"/>
+                </a:cubicBezTo>
+                <a:cubicBezTo>
+                  <a:pt x="4278340" y="419543"/>
+                  <a:pt x="4581340" y="563350"/>
+                  <a:pt x="4854587" y="764502"/>
+                </a:cubicBezTo>
+                <a:cubicBezTo>
+                  <a:pt x="5067437" y="921152"/>
+                  <a:pt x="5250407" y="1105521"/>
+                  <a:pt x="5377812" y="1339732"/>
+                </a:cubicBezTo>
+                <a:cubicBezTo>
+                  <a:pt x="5459811" y="1489986"/>
+                  <a:pt x="5510303" y="1655396"/>
+                  <a:pt x="5526197" y="1825829"/>
+                </a:cubicBezTo>
+                <a:cubicBezTo>
+                  <a:pt x="5538276" y="1951327"/>
+                  <a:pt x="5527341" y="2074917"/>
+                  <a:pt x="5510557" y="2199398"/>
+                </a:cubicBezTo>
+                <a:cubicBezTo>
+                  <a:pt x="5502966" y="2266991"/>
+                  <a:pt x="5502712" y="2335195"/>
+                  <a:pt x="5509795" y="2402839"/>
+                </a:cubicBezTo>
+                <a:cubicBezTo>
+                  <a:pt x="5534207" y="2664197"/>
+                  <a:pt x="5468471" y="2926051"/>
+                  <a:pt x="5323519" y="3144890"/>
+                </a:cubicBezTo>
+                <a:cubicBezTo>
+                  <a:pt x="5201339" y="3332234"/>
+                  <a:pt x="5041041" y="3491719"/>
+                  <a:pt x="4853061" y="3612932"/>
+                </a:cubicBezTo>
+                <a:cubicBezTo>
+                  <a:pt x="4671109" y="3732072"/>
+                  <a:pt x="4498565" y="3864563"/>
+                  <a:pt x="4316358" y="3982940"/>
+                </a:cubicBezTo>
+                <a:cubicBezTo>
+                  <a:pt x="4019716" y="4175573"/>
+                  <a:pt x="3701076" y="4317347"/>
+                  <a:pt x="3352556" y="4386771"/>
+                </a:cubicBezTo>
+                <a:cubicBezTo>
+                  <a:pt x="3160953" y="4425590"/>
+                  <a:pt x="2964455" y="4434173"/>
+                  <a:pt x="2770206" y="4412201"/>
+                </a:cubicBezTo>
+                <a:cubicBezTo>
+                  <a:pt x="2685524" y="4402537"/>
+                  <a:pt x="2599952" y="4402410"/>
+                  <a:pt x="2514888" y="4393637"/>
+                </a:cubicBezTo>
+                <a:cubicBezTo>
+                  <a:pt x="2307136" y="4370851"/>
+                  <a:pt x="2102208" y="4327277"/>
+                  <a:pt x="1903166" y="4263562"/>
+                </a:cubicBezTo>
+                <a:cubicBezTo>
+                  <a:pt x="1560622" y="4156119"/>
+                  <a:pt x="1238931" y="4006972"/>
+                  <a:pt x="948392" y="3794249"/>
+                </a:cubicBezTo>
+                <a:cubicBezTo>
+                  <a:pt x="647553" y="3573897"/>
+                  <a:pt x="396812" y="3308660"/>
+                  <a:pt x="223633" y="2975526"/>
+                </a:cubicBezTo>
+                <a:cubicBezTo>
+                  <a:pt x="129453" y="2796370"/>
+                  <a:pt x="67149" y="2602198"/>
+                  <a:pt x="39519" y="2401695"/>
+                </a:cubicBezTo>
+                <a:cubicBezTo>
+                  <a:pt x="34509" y="2367555"/>
+                  <a:pt x="26728" y="2333872"/>
+                  <a:pt x="16251" y="2300991"/>
+                </a:cubicBezTo>
+                <a:cubicBezTo>
+                  <a:pt x="-9180" y="2218598"/>
+                  <a:pt x="-25" y="2135695"/>
+                  <a:pt x="11800" y="2053556"/>
+                </a:cubicBezTo>
+                <a:cubicBezTo>
+                  <a:pt x="93685" y="1480615"/>
+                  <a:pt x="377867" y="1021983"/>
+                  <a:pt x="812849" y="651084"/>
+                </a:cubicBezTo>
+                <a:cubicBezTo>
+                  <a:pt x="1176754" y="340201"/>
+                  <a:pt x="1598259" y="146042"/>
+                  <a:pt x="2066809" y="52586"/>
+                </a:cubicBezTo>
+                <a:cubicBezTo>
+                  <a:pt x="2154543" y="35039"/>
+                  <a:pt x="2243040" y="23087"/>
+                  <a:pt x="2332045" y="14441"/>
+                </a:cubicBezTo>
+                <a:cubicBezTo>
+                  <a:pt x="2421051" y="5794"/>
+                  <a:pt x="2508912" y="2107"/>
+                  <a:pt x="2612540" y="836"/>
+                </a:cubicBezTo>
+                <a:close/>
+                <a:moveTo>
+                  <a:pt x="5468597" y="2088522"/>
+                </a:moveTo>
+                <a:cubicBezTo>
+                  <a:pt x="5479329" y="2001424"/>
+                  <a:pt x="5480181" y="1913385"/>
+                  <a:pt x="5471140" y="1826083"/>
+                </a:cubicBezTo>
+                <a:cubicBezTo>
+                  <a:pt x="5455336" y="1662962"/>
+                  <a:pt x="5406306" y="1504799"/>
+                  <a:pt x="5327079" y="1361348"/>
+                </a:cubicBezTo>
+                <a:cubicBezTo>
+                  <a:pt x="5206159" y="1140233"/>
+                  <a:pt x="5033361" y="965782"/>
+                  <a:pt x="4833353" y="816507"/>
+                </a:cubicBezTo>
+                <a:cubicBezTo>
+                  <a:pt x="4597234" y="640276"/>
+                  <a:pt x="4336321" y="509438"/>
+                  <a:pt x="4063456" y="400724"/>
+                </a:cubicBezTo>
+                <a:cubicBezTo>
+                  <a:pt x="4033359" y="388607"/>
+                  <a:pt x="4003059" y="376909"/>
+                  <a:pt x="3972543" y="365631"/>
+                </a:cubicBezTo>
+                <a:cubicBezTo>
+                  <a:pt x="3943679" y="354950"/>
+                  <a:pt x="3914562" y="345033"/>
+                  <a:pt x="3885571" y="334733"/>
+                </a:cubicBezTo>
+                <a:cubicBezTo>
+                  <a:pt x="4046888" y="406840"/>
+                  <a:pt x="4203652" y="488713"/>
+                  <a:pt x="4355012" y="579880"/>
+                </a:cubicBezTo>
+                <a:cubicBezTo>
+                  <a:pt x="4662081" y="768063"/>
+                  <a:pt x="4933802" y="995790"/>
+                  <a:pt x="5144618" y="1290779"/>
+                </a:cubicBezTo>
+                <a:cubicBezTo>
+                  <a:pt x="5314364" y="1528042"/>
+                  <a:pt x="5426257" y="1789591"/>
+                  <a:pt x="5468597" y="2088522"/>
+                </a:cubicBezTo>
+                <a:close/>
+                <a:moveTo>
+                  <a:pt x="2219771" y="85645"/>
+                </a:moveTo>
+                <a:cubicBezTo>
+                  <a:pt x="2206942" y="84005"/>
+                  <a:pt x="2193909" y="85264"/>
+                  <a:pt x="2181626" y="89333"/>
+                </a:cubicBezTo>
+                <a:cubicBezTo>
+                  <a:pt x="1932919" y="125113"/>
+                  <a:pt x="1690799" y="197118"/>
+                  <a:pt x="1462971" y="303073"/>
+                </a:cubicBezTo>
+                <a:cubicBezTo>
+                  <a:pt x="971788" y="529528"/>
+                  <a:pt x="578129" y="865460"/>
+                  <a:pt x="308697" y="1338461"/>
+                </a:cubicBezTo>
+                <a:cubicBezTo>
+                  <a:pt x="180224" y="1561852"/>
+                  <a:pt x="97652" y="1808638"/>
+                  <a:pt x="65839" y="2064364"/>
+                </a:cubicBezTo>
+                <a:cubicBezTo>
+                  <a:pt x="71942" y="2050505"/>
+                  <a:pt x="77283" y="2036391"/>
+                  <a:pt x="82114" y="2022150"/>
+                </a:cubicBezTo>
+                <a:cubicBezTo>
+                  <a:pt x="170103" y="1763653"/>
+                  <a:pt x="279579" y="1515073"/>
+                  <a:pt x="423260" y="1282260"/>
+                </a:cubicBezTo>
+                <a:cubicBezTo>
+                  <a:pt x="630769" y="945565"/>
+                  <a:pt x="895370" y="664944"/>
+                  <a:pt x="1231811" y="454001"/>
+                </a:cubicBezTo>
+                <a:cubicBezTo>
+                  <a:pt x="1535192" y="263783"/>
+                  <a:pt x="1866801" y="149729"/>
+                  <a:pt x="2219771" y="85645"/>
+                </a:cubicBezTo>
+                <a:close/>
+                <a:moveTo>
+                  <a:pt x="2855524" y="4364392"/>
+                </a:moveTo>
+                <a:cubicBezTo>
+                  <a:pt x="3386633" y="4394018"/>
+                  <a:pt x="3853530" y="4210158"/>
+                  <a:pt x="4292327" y="3931444"/>
+                </a:cubicBezTo>
+                <a:cubicBezTo>
+                  <a:pt x="3830134" y="4131325"/>
+                  <a:pt x="3346707" y="4259111"/>
+                  <a:pt x="2855652" y="4364392"/>
+                </a:cubicBezTo>
+                <a:close/>
+                <a:moveTo>
+                  <a:pt x="3869805" y="330156"/>
+                </a:moveTo>
+                <a:lnTo>
+                  <a:pt x="3865736" y="329520"/>
+                </a:lnTo>
+                <a:cubicBezTo>
+                  <a:pt x="3865736" y="329520"/>
+                  <a:pt x="3865736" y="330410"/>
+                  <a:pt x="3866499" y="330537"/>
+                </a:cubicBezTo>
+                <a:close/>
+                <a:moveTo>
+                  <a:pt x="4302117" y="3923561"/>
+                </a:moveTo>
+                <a:lnTo>
+                  <a:pt x="4301101" y="3924959"/>
+                </a:lnTo>
+                <a:lnTo>
+                  <a:pt x="4302880" y="3924959"/>
+                </a:lnTo>
+                <a:close/>
+              </a:path>
+            </a:pathLst>
+          </a:custGeom>
+          <a:solidFill>
+            <a:srgbClr val="437CB3"/>
+          </a:solidFill>
+          <a:ln w="12700" cap="flat">
+            <a:noFill/>
+            <a:prstDash val="solid"/>
+            <a:miter/>
+          </a:ln>
+        </p:spPr>
+        <p:txBody>
+          <a:bodyPr rtlCol="0" anchor="ctr"/>
+          <a:lstStyle/>
+          <a:p>
+            <a:endParaRPr lang="en-US"/>
+          </a:p>
+        </p:txBody>
+      </p:sp>
+      <p:sp>
+        <p:nvSpPr>
+          <p:cNvPr id="2" name="Title 1">
+            <a:extLst>
+              <a:ext uri="{FF2B5EF4-FFF2-40B4-BE49-F238E27FC236}">
+                <a16:creationId xmlns:a16="http://schemas.microsoft.com/office/drawing/2014/main" id="{5DE62741-D5E4-CC1F-BD25-818D9E8B7514}"/>
+              </a:ext>
+            </a:extLst>
+          </p:cNvPr>
+          <p:cNvSpPr>
+            <a:spLocks noGrp="1"/>
+          </p:cNvSpPr>
+          <p:nvPr>
+            <p:ph type="title"/>
+          </p:nvPr>
+        </p:nvSpPr>
+        <p:spPr>
+          <a:xfrm>
+            <a:off x="6238371" y="1325208"/>
+            <a:ext cx="4511843" cy="1564106"/>
+          </a:xfrm>
+        </p:spPr>
+        <p:txBody>
+          <a:bodyPr vert="horz" lIns="91440" tIns="45720" rIns="91440" bIns="45720" rtlCol="0" anchor="b">
+            <a:normAutofit/>
+          </a:bodyPr>
+          <a:lstStyle/>
+          <a:p>
+            <a:pPr algn="ctr"/>
+            <a:r>
+              <a:rPr lang="en-US" sz="6000" dirty="0">
+                <a:solidFill>
+                  <a:srgbClr val="FBF9F6"/>
+                </a:solidFill>
+              </a:rPr>
+              <a:t>NEXT STEP</a:t>
+            </a:r>
+          </a:p>
+        </p:txBody>
+      </p:sp>
+      <p:sp>
+        <p:nvSpPr>
+          <p:cNvPr id="65" name="Rectangle 6">
+            <a:extLst>
+              <a:ext uri="{FF2B5EF4-FFF2-40B4-BE49-F238E27FC236}">
+                <a16:creationId xmlns:a16="http://schemas.microsoft.com/office/drawing/2014/main" id="{3FCFB1DE-0B7E-48CC-BA90-B2AB0889F9D6}"/>
+              </a:ext>
+              <a:ext uri="{C183D7F6-B498-43B3-948B-1728B52AA6E4}">
+                <adec:decorative xmlns:adec="http://schemas.microsoft.com/office/drawing/2017/decorative" val="1"/>
+              </a:ext>
+            </a:extLst>
+          </p:cNvPr>
+          <p:cNvSpPr>
+            <a:spLocks noGrp="1" noRot="1" noChangeAspect="1" noMove="1" noResize="1" noEditPoints="1" noAdjustHandles="1" noChangeArrowheads="1" noChangeShapeType="1" noTextEdit="1"/>
+          </p:cNvSpPr>
+          <p:nvPr>
+            <p:extLst>
+              <p:ext uri="{386F3935-93C4-4BCD-93E2-E3B085C9AB24}">
+                <p16:designElem xmlns:p16="http://schemas.microsoft.com/office/powerpoint/2015/main" val="1"/>
+              </p:ext>
+            </p:extLst>
+          </p:nvPr>
+        </p:nvSpPr>
+        <p:spPr>
+          <a:xfrm>
+            <a:off x="6372499" y="3095719"/>
+            <a:ext cx="4243589" cy="27432"/>
+          </a:xfrm>
+          <a:custGeom>
+            <a:avLst/>
+            <a:gdLst>
+              <a:gd name="connsiteX0" fmla="*/ 0 w 4243589"/>
+              <a:gd name="connsiteY0" fmla="*/ 0 h 27432"/>
+              <a:gd name="connsiteX1" fmla="*/ 563791 w 4243589"/>
+              <a:gd name="connsiteY1" fmla="*/ 0 h 27432"/>
+              <a:gd name="connsiteX2" fmla="*/ 1042710 w 4243589"/>
+              <a:gd name="connsiteY2" fmla="*/ 0 h 27432"/>
+              <a:gd name="connsiteX3" fmla="*/ 1564066 w 4243589"/>
+              <a:gd name="connsiteY3" fmla="*/ 0 h 27432"/>
+              <a:gd name="connsiteX4" fmla="*/ 2212729 w 4243589"/>
+              <a:gd name="connsiteY4" fmla="*/ 0 h 27432"/>
+              <a:gd name="connsiteX5" fmla="*/ 2776520 w 4243589"/>
+              <a:gd name="connsiteY5" fmla="*/ 0 h 27432"/>
+              <a:gd name="connsiteX6" fmla="*/ 3297875 w 4243589"/>
+              <a:gd name="connsiteY6" fmla="*/ 0 h 27432"/>
+              <a:gd name="connsiteX7" fmla="*/ 4243589 w 4243589"/>
+              <a:gd name="connsiteY7" fmla="*/ 0 h 27432"/>
+              <a:gd name="connsiteX8" fmla="*/ 4243589 w 4243589"/>
+              <a:gd name="connsiteY8" fmla="*/ 27432 h 27432"/>
+              <a:gd name="connsiteX9" fmla="*/ 3637362 w 4243589"/>
+              <a:gd name="connsiteY9" fmla="*/ 27432 h 27432"/>
+              <a:gd name="connsiteX10" fmla="*/ 3116007 w 4243589"/>
+              <a:gd name="connsiteY10" fmla="*/ 27432 h 27432"/>
+              <a:gd name="connsiteX11" fmla="*/ 2424908 w 4243589"/>
+              <a:gd name="connsiteY11" fmla="*/ 27432 h 27432"/>
+              <a:gd name="connsiteX12" fmla="*/ 1861117 w 4243589"/>
+              <a:gd name="connsiteY12" fmla="*/ 27432 h 27432"/>
+              <a:gd name="connsiteX13" fmla="*/ 1382198 w 4243589"/>
+              <a:gd name="connsiteY13" fmla="*/ 27432 h 27432"/>
+              <a:gd name="connsiteX14" fmla="*/ 733535 w 4243589"/>
+              <a:gd name="connsiteY14" fmla="*/ 27432 h 27432"/>
+              <a:gd name="connsiteX15" fmla="*/ 0 w 4243589"/>
+              <a:gd name="connsiteY15" fmla="*/ 27432 h 27432"/>
+              <a:gd name="connsiteX16" fmla="*/ 0 w 4243589"/>
+              <a:gd name="connsiteY16" fmla="*/ 0 h 27432"/>
+            </a:gdLst>
+            <a:ahLst/>
+            <a:cxnLst>
+              <a:cxn ang="0">
+                <a:pos x="connsiteX0" y="connsiteY0"/>
+              </a:cxn>
+              <a:cxn ang="0">
+                <a:pos x="connsiteX1" y="connsiteY1"/>
+              </a:cxn>
+              <a:cxn ang="0">
+                <a:pos x="connsiteX2" y="connsiteY2"/>
+              </a:cxn>
+              <a:cxn ang="0">
+                <a:pos x="connsiteX3" y="connsiteY3"/>
+              </a:cxn>
+              <a:cxn ang="0">
+                <a:pos x="connsiteX4" y="connsiteY4"/>
+              </a:cxn>
+              <a:cxn ang="0">
+                <a:pos x="connsiteX5" y="connsiteY5"/>
+              </a:cxn>
+              <a:cxn ang="0">
+                <a:pos x="connsiteX6" y="connsiteY6"/>
+              </a:cxn>
+              <a:cxn ang="0">
+                <a:pos x="connsiteX7" y="connsiteY7"/>
+              </a:cxn>
+              <a:cxn ang="0">
+                <a:pos x="connsiteX8" y="connsiteY8"/>
+              </a:cxn>
+              <a:cxn ang="0">
+                <a:pos x="connsiteX9" y="connsiteY9"/>
+              </a:cxn>
+              <a:cxn ang="0">
+                <a:pos x="connsiteX10" y="connsiteY10"/>
+              </a:cxn>
+              <a:cxn ang="0">
+                <a:pos x="connsiteX11" y="connsiteY11"/>
+              </a:cxn>
+              <a:cxn ang="0">
+                <a:pos x="connsiteX12" y="connsiteY12"/>
+              </a:cxn>
+              <a:cxn ang="0">
+                <a:pos x="connsiteX13" y="connsiteY13"/>
+              </a:cxn>
+              <a:cxn ang="0">
+                <a:pos x="connsiteX14" y="connsiteY14"/>
+              </a:cxn>
+              <a:cxn ang="0">
+                <a:pos x="connsiteX15" y="connsiteY15"/>
+              </a:cxn>
+              <a:cxn ang="0">
+                <a:pos x="connsiteX16" y="connsiteY16"/>
+              </a:cxn>
+            </a:cxnLst>
+            <a:rect l="l" t="t" r="r" b="b"/>
+            <a:pathLst>
+              <a:path w="4243589" h="27432" fill="none" extrusionOk="0">
+                <a:moveTo>
+                  <a:pt x="0" y="0"/>
+                </a:moveTo>
+                <a:cubicBezTo>
+                  <a:pt x="157351" y="-15653"/>
+                  <a:pt x="378877" y="-5828"/>
+                  <a:pt x="563791" y="0"/>
+                </a:cubicBezTo>
+                <a:cubicBezTo>
+                  <a:pt x="748705" y="5828"/>
+                  <a:pt x="905659" y="-5525"/>
+                  <a:pt x="1042710" y="0"/>
+                </a:cubicBezTo>
+                <a:cubicBezTo>
+                  <a:pt x="1179761" y="5525"/>
+                  <a:pt x="1356845" y="-21288"/>
+                  <a:pt x="1564066" y="0"/>
+                </a:cubicBezTo>
+                <a:cubicBezTo>
+                  <a:pt x="1771287" y="21288"/>
+                  <a:pt x="1912099" y="25135"/>
+                  <a:pt x="2212729" y="0"/>
+                </a:cubicBezTo>
+                <a:cubicBezTo>
+                  <a:pt x="2513359" y="-25135"/>
+                  <a:pt x="2514918" y="-27119"/>
+                  <a:pt x="2776520" y="0"/>
+                </a:cubicBezTo>
+                <a:cubicBezTo>
+                  <a:pt x="3038122" y="27119"/>
+                  <a:pt x="3178771" y="18116"/>
+                  <a:pt x="3297875" y="0"/>
+                </a:cubicBezTo>
+                <a:cubicBezTo>
+                  <a:pt x="3416980" y="-18116"/>
+                  <a:pt x="4012240" y="-40869"/>
+                  <a:pt x="4243589" y="0"/>
+                </a:cubicBezTo>
+                <a:cubicBezTo>
+                  <a:pt x="4242616" y="8304"/>
+                  <a:pt x="4243111" y="21512"/>
+                  <a:pt x="4243589" y="27432"/>
+                </a:cubicBezTo>
+                <a:cubicBezTo>
+                  <a:pt x="4112949" y="6289"/>
+                  <a:pt x="3928037" y="10975"/>
+                  <a:pt x="3637362" y="27432"/>
+                </a:cubicBezTo>
+                <a:cubicBezTo>
+                  <a:pt x="3346687" y="43889"/>
+                  <a:pt x="3254446" y="35813"/>
+                  <a:pt x="3116007" y="27432"/>
+                </a:cubicBezTo>
+                <a:cubicBezTo>
+                  <a:pt x="2977569" y="19051"/>
+                  <a:pt x="2620228" y="38017"/>
+                  <a:pt x="2424908" y="27432"/>
+                </a:cubicBezTo>
+                <a:cubicBezTo>
+                  <a:pt x="2229588" y="16847"/>
+                  <a:pt x="2088287" y="5290"/>
+                  <a:pt x="1861117" y="27432"/>
+                </a:cubicBezTo>
+                <a:cubicBezTo>
+                  <a:pt x="1633947" y="49574"/>
+                  <a:pt x="1502447" y="8273"/>
+                  <a:pt x="1382198" y="27432"/>
+                </a:cubicBezTo>
+                <a:cubicBezTo>
+                  <a:pt x="1261949" y="46591"/>
+                  <a:pt x="1045440" y="37497"/>
+                  <a:pt x="733535" y="27432"/>
+                </a:cubicBezTo>
+                <a:cubicBezTo>
+                  <a:pt x="421630" y="17367"/>
+                  <a:pt x="341257" y="-9215"/>
+                  <a:pt x="0" y="27432"/>
+                </a:cubicBezTo>
+                <a:cubicBezTo>
+                  <a:pt x="-1048" y="14992"/>
+                  <a:pt x="-1120" y="7447"/>
+                  <a:pt x="0" y="0"/>
+                </a:cubicBezTo>
+                <a:close/>
+              </a:path>
+              <a:path w="4243589" h="27432" stroke="0" extrusionOk="0">
+                <a:moveTo>
+                  <a:pt x="0" y="0"/>
+                </a:moveTo>
+                <a:cubicBezTo>
+                  <a:pt x="128164" y="17204"/>
+                  <a:pt x="312653" y="1129"/>
+                  <a:pt x="563791" y="0"/>
+                </a:cubicBezTo>
+                <a:cubicBezTo>
+                  <a:pt x="814929" y="-1129"/>
+                  <a:pt x="837271" y="8503"/>
+                  <a:pt x="1042710" y="0"/>
+                </a:cubicBezTo>
+                <a:cubicBezTo>
+                  <a:pt x="1248149" y="-8503"/>
+                  <a:pt x="1588432" y="-28862"/>
+                  <a:pt x="1733809" y="0"/>
+                </a:cubicBezTo>
+                <a:cubicBezTo>
+                  <a:pt x="1879186" y="28862"/>
+                  <a:pt x="2052815" y="5974"/>
+                  <a:pt x="2297600" y="0"/>
+                </a:cubicBezTo>
+                <a:cubicBezTo>
+                  <a:pt x="2542385" y="-5974"/>
+                  <a:pt x="2699960" y="-23550"/>
+                  <a:pt x="2861391" y="0"/>
+                </a:cubicBezTo>
+                <a:cubicBezTo>
+                  <a:pt x="3022822" y="23550"/>
+                  <a:pt x="3390411" y="25272"/>
+                  <a:pt x="3552490" y="0"/>
+                </a:cubicBezTo>
+                <a:cubicBezTo>
+                  <a:pt x="3714569" y="-25272"/>
+                  <a:pt x="3950585" y="-31327"/>
+                  <a:pt x="4243589" y="0"/>
+                </a:cubicBezTo>
+                <a:cubicBezTo>
+                  <a:pt x="4244074" y="9333"/>
+                  <a:pt x="4244867" y="19699"/>
+                  <a:pt x="4243589" y="27432"/>
+                </a:cubicBezTo>
+                <a:cubicBezTo>
+                  <a:pt x="4130424" y="7904"/>
+                  <a:pt x="3932803" y="51393"/>
+                  <a:pt x="3722234" y="27432"/>
+                </a:cubicBezTo>
+                <a:cubicBezTo>
+                  <a:pt x="3511665" y="3471"/>
+                  <a:pt x="3269903" y="55138"/>
+                  <a:pt x="3116007" y="27432"/>
+                </a:cubicBezTo>
+                <a:cubicBezTo>
+                  <a:pt x="2962111" y="-274"/>
+                  <a:pt x="2744280" y="32368"/>
+                  <a:pt x="2509780" y="27432"/>
+                </a:cubicBezTo>
+                <a:cubicBezTo>
+                  <a:pt x="2275280" y="22496"/>
+                  <a:pt x="2066059" y="52808"/>
+                  <a:pt x="1945989" y="27432"/>
+                </a:cubicBezTo>
+                <a:cubicBezTo>
+                  <a:pt x="1825919" y="2056"/>
+                  <a:pt x="1407329" y="21760"/>
+                  <a:pt x="1254890" y="27432"/>
+                </a:cubicBezTo>
+                <a:cubicBezTo>
+                  <a:pt x="1102451" y="33104"/>
+                  <a:pt x="837950" y="40817"/>
+                  <a:pt x="563791" y="27432"/>
+                </a:cubicBezTo>
+                <a:cubicBezTo>
+                  <a:pt x="289632" y="14047"/>
+                  <a:pt x="132768" y="16249"/>
+                  <a:pt x="0" y="27432"/>
+                </a:cubicBezTo>
+                <a:cubicBezTo>
+                  <a:pt x="211" y="18145"/>
+                  <a:pt x="120" y="6480"/>
+                  <a:pt x="0" y="0"/>
+                </a:cubicBezTo>
+                <a:close/>
+              </a:path>
+            </a:pathLst>
+          </a:custGeom>
+          <a:solidFill>
+            <a:srgbClr val="437CB3"/>
+          </a:solidFill>
+          <a:ln w="38100" cap="rnd">
+            <a:solidFill>
+              <a:srgbClr val="437CB3"/>
+            </a:solidFill>
+            <a:round/>
+            <a:extLst>
+              <a:ext uri="{C807C97D-BFC1-408E-A445-0C87EB9F89A2}">
+                <ask:lineSketchStyleProps xmlns:ask="http://schemas.microsoft.com/office/drawing/2018/sketchyshapes" sd="1219033472">
+                  <a:prstGeom prst="rect">
+                    <a:avLst/>
+                  </a:prstGeom>
+                  <ask:type>
+                    <ask:lineSketchFreehand/>
+                  </ask:type>
+                </ask:lineSketchStyleProps>
+              </a:ext>
+            </a:extLst>
+          </a:ln>
+        </p:spPr>
+        <p:style>
+          <a:lnRef idx="2">
+            <a:schemeClr val="accent1">
+              <a:shade val="50000"/>
+            </a:schemeClr>
+          </a:lnRef>
+          <a:fillRef idx="1">
+            <a:schemeClr val="accent1"/>
+          </a:fillRef>
+          <a:effectRef idx="0">
+            <a:schemeClr val="accent1"/>
+          </a:effectRef>
+          <a:fontRef idx="minor">
+            <a:schemeClr val="lt1"/>
+          </a:fontRef>
+        </p:style>
+        <p:txBody>
+          <a:bodyPr rtlCol="0" anchor="ctr"/>
+          <a:lstStyle/>
+          <a:p>
+            <a:pPr algn="ctr"/>
+            <a:endParaRPr lang="en-US"/>
+          </a:p>
+        </p:txBody>
+      </p:sp>
+      <p:sp>
+        <p:nvSpPr>
+          <p:cNvPr id="3" name="Content Placeholder 2">
+            <a:extLst>
+              <a:ext uri="{FF2B5EF4-FFF2-40B4-BE49-F238E27FC236}">
+                <a16:creationId xmlns:a16="http://schemas.microsoft.com/office/drawing/2014/main" id="{527C1E01-66FD-B000-1C5C-B1E615A98010}"/>
+              </a:ext>
+            </a:extLst>
+          </p:cNvPr>
+          <p:cNvSpPr>
+            <a:spLocks noGrp="1"/>
+          </p:cNvSpPr>
+          <p:nvPr>
+            <p:ph idx="1"/>
+          </p:nvPr>
+        </p:nvSpPr>
+        <p:spPr>
+          <a:xfrm>
+            <a:off x="5864087" y="3082807"/>
+            <a:ext cx="5574607" cy="2793942"/>
+          </a:xfrm>
+        </p:spPr>
+        <p:txBody>
+          <a:bodyPr vert="horz" lIns="91440" tIns="45720" rIns="91440" bIns="45720" rtlCol="0">
+            <a:noAutofit/>
+          </a:bodyPr>
+          <a:lstStyle/>
+          <a:p>
+            <a:pPr marL="0" indent="0" algn="ctr">
+              <a:buNone/>
+            </a:pPr>
+            <a:r>
+              <a:rPr lang="en-US" sz="4800" b="1" dirty="0">
+                <a:solidFill>
+                  <a:srgbClr val="FBF9F6"/>
+                </a:solidFill>
+              </a:rPr>
+              <a:t>Utilizing Machine Learning Algorithms for Stock Price Prediction</a:t>
+            </a:r>
+          </a:p>
+        </p:txBody>
+      </p:sp>
+    </p:spTree>
+    <p:extLst>
+      <p:ext uri="{BB962C8B-B14F-4D97-AF65-F5344CB8AC3E}">
+        <p14:creationId xmlns:p14="http://schemas.microsoft.com/office/powerpoint/2010/main" val="2127256598"/>
+      </p:ext>
+    </p:extLst>
+  </p:cSld>
+  <p:clrMapOvr>
+    <a:masterClrMapping/>
+  </p:clrMapOvr>
+</p:sld>
+</file>
+
+<file path=ppt/slides/slide21.xml><?xml version="1.0" encoding="utf-8"?>
 <p:sld xmlns:a="http://schemas.openxmlformats.org/drawingml/2006/main" xmlns:r="http://schemas.openxmlformats.org/officeDocument/2006/relationships" xmlns:p="http://schemas.openxmlformats.org/presentationml/2006/main">
   <p:cSld>
     <p:bg>
@@ -21180,859 +24693,6 @@
 </p:sld>
 </file>
 
-<file path=ppt/slides/slide2.xml><?xml version="1.0" encoding="utf-8"?>
-<p:sld xmlns:a="http://schemas.openxmlformats.org/drawingml/2006/main" xmlns:r="http://schemas.openxmlformats.org/officeDocument/2006/relationships" xmlns:p="http://schemas.openxmlformats.org/presentationml/2006/main">
-  <p:cSld>
-    <p:bg>
-      <p:bgPr>
-        <a:solidFill>
-          <a:schemeClr val="bg1"/>
-        </a:solidFill>
-        <a:effectLst/>
-      </p:bgPr>
-    </p:bg>
-    <p:spTree>
-      <p:nvGrpSpPr>
-        <p:cNvPr id="1" name=""/>
-        <p:cNvGrpSpPr/>
-        <p:nvPr/>
-      </p:nvGrpSpPr>
-      <p:grpSpPr>
-        <a:xfrm>
-          <a:off x="0" y="0"/>
-          <a:ext cx="0" cy="0"/>
-          <a:chOff x="0" y="0"/>
-          <a:chExt cx="0" cy="0"/>
-        </a:xfrm>
-      </p:grpSpPr>
-      <p:sp useBgFill="1">
-        <p:nvSpPr>
-          <p:cNvPr id="58" name="Rectangle 57">
-            <a:extLst>
-              <a:ext uri="{FF2B5EF4-FFF2-40B4-BE49-F238E27FC236}">
-                <a16:creationId xmlns:a16="http://schemas.microsoft.com/office/drawing/2014/main" id="{F95DC6D5-A7B0-4D09-A7A5-62869A0D2C51}"/>
-              </a:ext>
-              <a:ext uri="{C183D7F6-B498-43B3-948B-1728B52AA6E4}">
-                <adec:decorative xmlns:adec="http://schemas.microsoft.com/office/drawing/2017/decorative" val="1"/>
-              </a:ext>
-            </a:extLst>
-          </p:cNvPr>
-          <p:cNvSpPr>
-            <a:spLocks noGrp="1" noRot="1" noChangeAspect="1" noMove="1" noResize="1" noEditPoints="1" noAdjustHandles="1" noChangeArrowheads="1" noChangeShapeType="1" noTextEdit="1"/>
-          </p:cNvSpPr>
-          <p:nvPr>
-            <p:extLst>
-              <p:ext uri="{386F3935-93C4-4BCD-93E2-E3B085C9AB24}">
-                <p16:designElem xmlns:p16="http://schemas.microsoft.com/office/powerpoint/2015/main" val="1"/>
-              </p:ext>
-            </p:extLst>
-          </p:nvPr>
-        </p:nvSpPr>
-        <p:spPr>
-          <a:xfrm>
-            <a:off x="0" y="0"/>
-            <a:ext cx="12188952" cy="6858000"/>
-          </a:xfrm>
-          <a:prstGeom prst="rect">
-            <a:avLst/>
-          </a:prstGeom>
-          <a:ln>
-            <a:noFill/>
-          </a:ln>
-        </p:spPr>
-        <p:style>
-          <a:lnRef idx="2">
-            <a:schemeClr val="accent1">
-              <a:shade val="50000"/>
-            </a:schemeClr>
-          </a:lnRef>
-          <a:fillRef idx="1">
-            <a:schemeClr val="accent1"/>
-          </a:fillRef>
-          <a:effectRef idx="0">
-            <a:schemeClr val="accent1"/>
-          </a:effectRef>
-          <a:fontRef idx="minor">
-            <a:schemeClr val="lt1"/>
-          </a:fontRef>
-        </p:style>
-        <p:txBody>
-          <a:bodyPr rtlCol="0" anchor="ctr"/>
-          <a:lstStyle/>
-          <a:p>
-            <a:pPr algn="ctr"/>
-            <a:endParaRPr lang="en-US"/>
-          </a:p>
-        </p:txBody>
-      </p:sp>
-      <p:pic>
-        <p:nvPicPr>
-          <p:cNvPr id="47" name="Picture 46" descr="Graph on document with pen">
-            <a:extLst>
-              <a:ext uri="{FF2B5EF4-FFF2-40B4-BE49-F238E27FC236}">
-                <a16:creationId xmlns:a16="http://schemas.microsoft.com/office/drawing/2014/main" id="{70C9C2AC-4F50-DC0E-A67C-FCA9AFB67EE8}"/>
-              </a:ext>
-            </a:extLst>
-          </p:cNvPr>
-          <p:cNvPicPr>
-            <a:picLocks noChangeAspect="1"/>
-          </p:cNvPicPr>
-          <p:nvPr/>
-        </p:nvPicPr>
-        <p:blipFill rotWithShape="1">
-          <a:blip r:embed="rId2">
-            <a:alphaModFix amt="50000"/>
-          </a:blip>
-          <a:srcRect t="1906" b="13824"/>
-          <a:stretch/>
-        </p:blipFill>
-        <p:spPr>
-          <a:xfrm>
-            <a:off x="20" y="10"/>
-            <a:ext cx="12191979" cy="6857990"/>
-          </a:xfrm>
-          <a:prstGeom prst="rect">
-            <a:avLst/>
-          </a:prstGeom>
-        </p:spPr>
-      </p:pic>
-      <p:sp>
-        <p:nvSpPr>
-          <p:cNvPr id="2" name="Title 1">
-            <a:extLst>
-              <a:ext uri="{FF2B5EF4-FFF2-40B4-BE49-F238E27FC236}">
-                <a16:creationId xmlns:a16="http://schemas.microsoft.com/office/drawing/2014/main" id="{AA324BF0-5DDA-9401-869F-5D590635592F}"/>
-              </a:ext>
-            </a:extLst>
-          </p:cNvPr>
-          <p:cNvSpPr>
-            <a:spLocks noGrp="1"/>
-          </p:cNvSpPr>
-          <p:nvPr>
-            <p:ph type="title"/>
-          </p:nvPr>
-        </p:nvSpPr>
-        <p:spPr>
-          <a:xfrm>
-            <a:off x="841248" y="847082"/>
-            <a:ext cx="3803904" cy="5123950"/>
-          </a:xfrm>
-        </p:spPr>
-        <p:txBody>
-          <a:bodyPr anchor="t">
-            <a:normAutofit/>
-          </a:bodyPr>
-          <a:lstStyle/>
-          <a:p>
-            <a:r>
-              <a:rPr lang="en-US" sz="6600" dirty="0"/>
-              <a:t>Introduction &amp; objectives</a:t>
-            </a:r>
-          </a:p>
-        </p:txBody>
-      </p:sp>
-      <p:sp>
-        <p:nvSpPr>
-          <p:cNvPr id="60" name="sketchy rectangle">
-            <a:extLst>
-              <a:ext uri="{FF2B5EF4-FFF2-40B4-BE49-F238E27FC236}">
-                <a16:creationId xmlns:a16="http://schemas.microsoft.com/office/drawing/2014/main" id="{E72C4BCF-DD12-4745-97A9-F340887E1FDD}"/>
-              </a:ext>
-              <a:ext uri="{C183D7F6-B498-43B3-948B-1728B52AA6E4}">
-                <adec:decorative xmlns:adec="http://schemas.microsoft.com/office/drawing/2017/decorative" val="1"/>
-              </a:ext>
-            </a:extLst>
-          </p:cNvPr>
-          <p:cNvSpPr>
-            <a:spLocks noGrp="1" noRot="1" noChangeAspect="1" noMove="1" noResize="1" noEditPoints="1" noAdjustHandles="1" noChangeArrowheads="1" noChangeShapeType="1" noTextEdit="1"/>
-          </p:cNvSpPr>
-          <p:nvPr>
-            <p:extLst>
-              <p:ext uri="{386F3935-93C4-4BCD-93E2-E3B085C9AB24}">
-                <p16:designElem xmlns:p16="http://schemas.microsoft.com/office/powerpoint/2015/main" val="1"/>
-              </p:ext>
-            </p:extLst>
-          </p:nvPr>
-        </p:nvSpPr>
-        <p:spPr>
-          <a:xfrm>
-            <a:off x="5070453" y="563667"/>
-            <a:ext cx="6570918" cy="5579082"/>
-          </a:xfrm>
-          <a:custGeom>
-            <a:avLst/>
-            <a:gdLst>
-              <a:gd name="connsiteX0" fmla="*/ 0 w 6570918"/>
-              <a:gd name="connsiteY0" fmla="*/ 0 h 5579082"/>
-              <a:gd name="connsiteX1" fmla="*/ 525673 w 6570918"/>
-              <a:gd name="connsiteY1" fmla="*/ 0 h 5579082"/>
-              <a:gd name="connsiteX2" fmla="*/ 1182765 w 6570918"/>
-              <a:gd name="connsiteY2" fmla="*/ 0 h 5579082"/>
-              <a:gd name="connsiteX3" fmla="*/ 1905566 w 6570918"/>
-              <a:gd name="connsiteY3" fmla="*/ 0 h 5579082"/>
-              <a:gd name="connsiteX4" fmla="*/ 2365530 w 6570918"/>
-              <a:gd name="connsiteY4" fmla="*/ 0 h 5579082"/>
-              <a:gd name="connsiteX5" fmla="*/ 2825495 w 6570918"/>
-              <a:gd name="connsiteY5" fmla="*/ 0 h 5579082"/>
-              <a:gd name="connsiteX6" fmla="*/ 3614005 w 6570918"/>
-              <a:gd name="connsiteY6" fmla="*/ 0 h 5579082"/>
-              <a:gd name="connsiteX7" fmla="*/ 4271097 w 6570918"/>
-              <a:gd name="connsiteY7" fmla="*/ 0 h 5579082"/>
-              <a:gd name="connsiteX8" fmla="*/ 4731061 w 6570918"/>
-              <a:gd name="connsiteY8" fmla="*/ 0 h 5579082"/>
-              <a:gd name="connsiteX9" fmla="*/ 5388153 w 6570918"/>
-              <a:gd name="connsiteY9" fmla="*/ 0 h 5579082"/>
-              <a:gd name="connsiteX10" fmla="*/ 6570918 w 6570918"/>
-              <a:gd name="connsiteY10" fmla="*/ 0 h 5579082"/>
-              <a:gd name="connsiteX11" fmla="*/ 6570918 w 6570918"/>
-              <a:gd name="connsiteY11" fmla="*/ 641594 h 5579082"/>
-              <a:gd name="connsiteX12" fmla="*/ 6570918 w 6570918"/>
-              <a:gd name="connsiteY12" fmla="*/ 1338980 h 5579082"/>
-              <a:gd name="connsiteX13" fmla="*/ 6570918 w 6570918"/>
-              <a:gd name="connsiteY13" fmla="*/ 1868992 h 5579082"/>
-              <a:gd name="connsiteX14" fmla="*/ 6570918 w 6570918"/>
-              <a:gd name="connsiteY14" fmla="*/ 2677959 h 5579082"/>
-              <a:gd name="connsiteX15" fmla="*/ 6570918 w 6570918"/>
-              <a:gd name="connsiteY15" fmla="*/ 3375345 h 5579082"/>
-              <a:gd name="connsiteX16" fmla="*/ 6570918 w 6570918"/>
-              <a:gd name="connsiteY16" fmla="*/ 4184312 h 5579082"/>
-              <a:gd name="connsiteX17" fmla="*/ 6570918 w 6570918"/>
-              <a:gd name="connsiteY17" fmla="*/ 4825906 h 5579082"/>
-              <a:gd name="connsiteX18" fmla="*/ 6570918 w 6570918"/>
-              <a:gd name="connsiteY18" fmla="*/ 5579082 h 5579082"/>
-              <a:gd name="connsiteX19" fmla="*/ 5913826 w 6570918"/>
-              <a:gd name="connsiteY19" fmla="*/ 5579082 h 5579082"/>
-              <a:gd name="connsiteX20" fmla="*/ 5256734 w 6570918"/>
-              <a:gd name="connsiteY20" fmla="*/ 5579082 h 5579082"/>
-              <a:gd name="connsiteX21" fmla="*/ 4796770 w 6570918"/>
-              <a:gd name="connsiteY21" fmla="*/ 5579082 h 5579082"/>
-              <a:gd name="connsiteX22" fmla="*/ 4139678 w 6570918"/>
-              <a:gd name="connsiteY22" fmla="*/ 5579082 h 5579082"/>
-              <a:gd name="connsiteX23" fmla="*/ 3548296 w 6570918"/>
-              <a:gd name="connsiteY23" fmla="*/ 5579082 h 5579082"/>
-              <a:gd name="connsiteX24" fmla="*/ 2956913 w 6570918"/>
-              <a:gd name="connsiteY24" fmla="*/ 5579082 h 5579082"/>
-              <a:gd name="connsiteX25" fmla="*/ 2365530 w 6570918"/>
-              <a:gd name="connsiteY25" fmla="*/ 5579082 h 5579082"/>
-              <a:gd name="connsiteX26" fmla="*/ 1774148 w 6570918"/>
-              <a:gd name="connsiteY26" fmla="*/ 5579082 h 5579082"/>
-              <a:gd name="connsiteX27" fmla="*/ 1051347 w 6570918"/>
-              <a:gd name="connsiteY27" fmla="*/ 5579082 h 5579082"/>
-              <a:gd name="connsiteX28" fmla="*/ 0 w 6570918"/>
-              <a:gd name="connsiteY28" fmla="*/ 5579082 h 5579082"/>
-              <a:gd name="connsiteX29" fmla="*/ 0 w 6570918"/>
-              <a:gd name="connsiteY29" fmla="*/ 5049069 h 5579082"/>
-              <a:gd name="connsiteX30" fmla="*/ 0 w 6570918"/>
-              <a:gd name="connsiteY30" fmla="*/ 4407475 h 5579082"/>
-              <a:gd name="connsiteX31" fmla="*/ 0 w 6570918"/>
-              <a:gd name="connsiteY31" fmla="*/ 3654299 h 5579082"/>
-              <a:gd name="connsiteX32" fmla="*/ 0 w 6570918"/>
-              <a:gd name="connsiteY32" fmla="*/ 2845332 h 5579082"/>
-              <a:gd name="connsiteX33" fmla="*/ 0 w 6570918"/>
-              <a:gd name="connsiteY33" fmla="*/ 2315319 h 5579082"/>
-              <a:gd name="connsiteX34" fmla="*/ 0 w 6570918"/>
-              <a:gd name="connsiteY34" fmla="*/ 1785306 h 5579082"/>
-              <a:gd name="connsiteX35" fmla="*/ 0 w 6570918"/>
-              <a:gd name="connsiteY35" fmla="*/ 976339 h 5579082"/>
-              <a:gd name="connsiteX36" fmla="*/ 0 w 6570918"/>
-              <a:gd name="connsiteY36" fmla="*/ 0 h 5579082"/>
-            </a:gdLst>
-            <a:ahLst/>
-            <a:cxnLst>
-              <a:cxn ang="0">
-                <a:pos x="connsiteX0" y="connsiteY0"/>
-              </a:cxn>
-              <a:cxn ang="0">
-                <a:pos x="connsiteX1" y="connsiteY1"/>
-              </a:cxn>
-              <a:cxn ang="0">
-                <a:pos x="connsiteX2" y="connsiteY2"/>
-              </a:cxn>
-              <a:cxn ang="0">
-                <a:pos x="connsiteX3" y="connsiteY3"/>
-              </a:cxn>
-              <a:cxn ang="0">
-                <a:pos x="connsiteX4" y="connsiteY4"/>
-              </a:cxn>
-              <a:cxn ang="0">
-                <a:pos x="connsiteX5" y="connsiteY5"/>
-              </a:cxn>
-              <a:cxn ang="0">
-                <a:pos x="connsiteX6" y="connsiteY6"/>
-              </a:cxn>
-              <a:cxn ang="0">
-                <a:pos x="connsiteX7" y="connsiteY7"/>
-              </a:cxn>
-              <a:cxn ang="0">
-                <a:pos x="connsiteX8" y="connsiteY8"/>
-              </a:cxn>
-              <a:cxn ang="0">
-                <a:pos x="connsiteX9" y="connsiteY9"/>
-              </a:cxn>
-              <a:cxn ang="0">
-                <a:pos x="connsiteX10" y="connsiteY10"/>
-              </a:cxn>
-              <a:cxn ang="0">
-                <a:pos x="connsiteX11" y="connsiteY11"/>
-              </a:cxn>
-              <a:cxn ang="0">
-                <a:pos x="connsiteX12" y="connsiteY12"/>
-              </a:cxn>
-              <a:cxn ang="0">
-                <a:pos x="connsiteX13" y="connsiteY13"/>
-              </a:cxn>
-              <a:cxn ang="0">
-                <a:pos x="connsiteX14" y="connsiteY14"/>
-              </a:cxn>
-              <a:cxn ang="0">
-                <a:pos x="connsiteX15" y="connsiteY15"/>
-              </a:cxn>
-              <a:cxn ang="0">
-                <a:pos x="connsiteX16" y="connsiteY16"/>
-              </a:cxn>
-              <a:cxn ang="0">
-                <a:pos x="connsiteX17" y="connsiteY17"/>
-              </a:cxn>
-              <a:cxn ang="0">
-                <a:pos x="connsiteX18" y="connsiteY18"/>
-              </a:cxn>
-              <a:cxn ang="0">
-                <a:pos x="connsiteX19" y="connsiteY19"/>
-              </a:cxn>
-              <a:cxn ang="0">
-                <a:pos x="connsiteX20" y="connsiteY20"/>
-              </a:cxn>
-              <a:cxn ang="0">
-                <a:pos x="connsiteX21" y="connsiteY21"/>
-              </a:cxn>
-              <a:cxn ang="0">
-                <a:pos x="connsiteX22" y="connsiteY22"/>
-              </a:cxn>
-              <a:cxn ang="0">
-                <a:pos x="connsiteX23" y="connsiteY23"/>
-              </a:cxn>
-              <a:cxn ang="0">
-                <a:pos x="connsiteX24" y="connsiteY24"/>
-              </a:cxn>
-              <a:cxn ang="0">
-                <a:pos x="connsiteX25" y="connsiteY25"/>
-              </a:cxn>
-              <a:cxn ang="0">
-                <a:pos x="connsiteX26" y="connsiteY26"/>
-              </a:cxn>
-              <a:cxn ang="0">
-                <a:pos x="connsiteX27" y="connsiteY27"/>
-              </a:cxn>
-              <a:cxn ang="0">
-                <a:pos x="connsiteX28" y="connsiteY28"/>
-              </a:cxn>
-              <a:cxn ang="0">
-                <a:pos x="connsiteX29" y="connsiteY29"/>
-              </a:cxn>
-              <a:cxn ang="0">
-                <a:pos x="connsiteX30" y="connsiteY30"/>
-              </a:cxn>
-              <a:cxn ang="0">
-                <a:pos x="connsiteX31" y="connsiteY31"/>
-              </a:cxn>
-              <a:cxn ang="0">
-                <a:pos x="connsiteX32" y="connsiteY32"/>
-              </a:cxn>
-              <a:cxn ang="0">
-                <a:pos x="connsiteX33" y="connsiteY33"/>
-              </a:cxn>
-              <a:cxn ang="0">
-                <a:pos x="connsiteX34" y="connsiteY34"/>
-              </a:cxn>
-              <a:cxn ang="0">
-                <a:pos x="connsiteX35" y="connsiteY35"/>
-              </a:cxn>
-              <a:cxn ang="0">
-                <a:pos x="connsiteX36" y="connsiteY36"/>
-              </a:cxn>
-            </a:cxnLst>
-            <a:rect l="l" t="t" r="r" b="b"/>
-            <a:pathLst>
-              <a:path w="6570918" h="5579082" fill="none" extrusionOk="0">
-                <a:moveTo>
-                  <a:pt x="0" y="0"/>
-                </a:moveTo>
-                <a:cubicBezTo>
-                  <a:pt x="243958" y="-12943"/>
-                  <a:pt x="320490" y="5069"/>
-                  <a:pt x="525673" y="0"/>
-                </a:cubicBezTo>
-                <a:cubicBezTo>
-                  <a:pt x="730856" y="-5069"/>
-                  <a:pt x="894885" y="-31124"/>
-                  <a:pt x="1182765" y="0"/>
-                </a:cubicBezTo>
-                <a:cubicBezTo>
-                  <a:pt x="1470645" y="31124"/>
-                  <a:pt x="1749273" y="-34665"/>
-                  <a:pt x="1905566" y="0"/>
-                </a:cubicBezTo>
-                <a:cubicBezTo>
-                  <a:pt x="2061859" y="34665"/>
-                  <a:pt x="2197988" y="-9109"/>
-                  <a:pt x="2365530" y="0"/>
-                </a:cubicBezTo>
-                <a:cubicBezTo>
-                  <a:pt x="2533072" y="9109"/>
-                  <a:pt x="2717818" y="14270"/>
-                  <a:pt x="2825495" y="0"/>
-                </a:cubicBezTo>
-                <a:cubicBezTo>
-                  <a:pt x="2933173" y="-14270"/>
-                  <a:pt x="3325797" y="34931"/>
-                  <a:pt x="3614005" y="0"/>
-                </a:cubicBezTo>
-                <a:cubicBezTo>
-                  <a:pt x="3902213" y="-34931"/>
-                  <a:pt x="4022668" y="20046"/>
-                  <a:pt x="4271097" y="0"/>
-                </a:cubicBezTo>
-                <a:cubicBezTo>
-                  <a:pt x="4519526" y="-20046"/>
-                  <a:pt x="4513512" y="-11694"/>
-                  <a:pt x="4731061" y="0"/>
-                </a:cubicBezTo>
-                <a:cubicBezTo>
-                  <a:pt x="4948610" y="11694"/>
-                  <a:pt x="5198372" y="9165"/>
-                  <a:pt x="5388153" y="0"/>
-                </a:cubicBezTo>
-                <a:cubicBezTo>
-                  <a:pt x="5577934" y="-9165"/>
-                  <a:pt x="6151380" y="40199"/>
-                  <a:pt x="6570918" y="0"/>
-                </a:cubicBezTo>
-                <a:cubicBezTo>
-                  <a:pt x="6551036" y="203561"/>
-                  <a:pt x="6580818" y="383315"/>
-                  <a:pt x="6570918" y="641594"/>
-                </a:cubicBezTo>
-                <a:cubicBezTo>
-                  <a:pt x="6561018" y="899873"/>
-                  <a:pt x="6567176" y="1128287"/>
-                  <a:pt x="6570918" y="1338980"/>
-                </a:cubicBezTo>
-                <a:cubicBezTo>
-                  <a:pt x="6574660" y="1549673"/>
-                  <a:pt x="6585356" y="1654385"/>
-                  <a:pt x="6570918" y="1868992"/>
-                </a:cubicBezTo>
-                <a:cubicBezTo>
-                  <a:pt x="6556480" y="2083599"/>
-                  <a:pt x="6556432" y="2483858"/>
-                  <a:pt x="6570918" y="2677959"/>
-                </a:cubicBezTo>
-                <a:cubicBezTo>
-                  <a:pt x="6585404" y="2872060"/>
-                  <a:pt x="6594779" y="3123863"/>
-                  <a:pt x="6570918" y="3375345"/>
-                </a:cubicBezTo>
-                <a:cubicBezTo>
-                  <a:pt x="6547057" y="3626827"/>
-                  <a:pt x="6570936" y="3958160"/>
-                  <a:pt x="6570918" y="4184312"/>
-                </a:cubicBezTo>
-                <a:cubicBezTo>
-                  <a:pt x="6570900" y="4410464"/>
-                  <a:pt x="6547287" y="4544723"/>
-                  <a:pt x="6570918" y="4825906"/>
-                </a:cubicBezTo>
-                <a:cubicBezTo>
-                  <a:pt x="6594549" y="5107089"/>
-                  <a:pt x="6602036" y="5410476"/>
-                  <a:pt x="6570918" y="5579082"/>
-                </a:cubicBezTo>
-                <a:cubicBezTo>
-                  <a:pt x="6298110" y="5570936"/>
-                  <a:pt x="6115328" y="5586054"/>
-                  <a:pt x="5913826" y="5579082"/>
-                </a:cubicBezTo>
-                <a:cubicBezTo>
-                  <a:pt x="5712324" y="5572110"/>
-                  <a:pt x="5388485" y="5595536"/>
-                  <a:pt x="5256734" y="5579082"/>
-                </a:cubicBezTo>
-                <a:cubicBezTo>
-                  <a:pt x="5124983" y="5562628"/>
-                  <a:pt x="4935790" y="5558095"/>
-                  <a:pt x="4796770" y="5579082"/>
-                </a:cubicBezTo>
-                <a:cubicBezTo>
-                  <a:pt x="4657750" y="5600069"/>
-                  <a:pt x="4406133" y="5565422"/>
-                  <a:pt x="4139678" y="5579082"/>
-                </a:cubicBezTo>
-                <a:cubicBezTo>
-                  <a:pt x="3873223" y="5592742"/>
-                  <a:pt x="3680595" y="5550657"/>
-                  <a:pt x="3548296" y="5579082"/>
-                </a:cubicBezTo>
-                <a:cubicBezTo>
-                  <a:pt x="3415997" y="5607507"/>
-                  <a:pt x="3154943" y="5582453"/>
-                  <a:pt x="2956913" y="5579082"/>
-                </a:cubicBezTo>
-                <a:cubicBezTo>
-                  <a:pt x="2758883" y="5575711"/>
-                  <a:pt x="2616161" y="5608318"/>
-                  <a:pt x="2365530" y="5579082"/>
-                </a:cubicBezTo>
-                <a:cubicBezTo>
-                  <a:pt x="2114899" y="5549846"/>
-                  <a:pt x="2015415" y="5589111"/>
-                  <a:pt x="1774148" y="5579082"/>
-                </a:cubicBezTo>
-                <a:cubicBezTo>
-                  <a:pt x="1532881" y="5569053"/>
-                  <a:pt x="1276772" y="5614025"/>
-                  <a:pt x="1051347" y="5579082"/>
-                </a:cubicBezTo>
-                <a:cubicBezTo>
-                  <a:pt x="825922" y="5544139"/>
-                  <a:pt x="317006" y="5579887"/>
-                  <a:pt x="0" y="5579082"/>
-                </a:cubicBezTo>
-                <a:cubicBezTo>
-                  <a:pt x="647" y="5359793"/>
-                  <a:pt x="-19331" y="5263540"/>
-                  <a:pt x="0" y="5049069"/>
-                </a:cubicBezTo>
-                <a:cubicBezTo>
-                  <a:pt x="19331" y="4834598"/>
-                  <a:pt x="-28451" y="4599178"/>
-                  <a:pt x="0" y="4407475"/>
-                </a:cubicBezTo>
-                <a:cubicBezTo>
-                  <a:pt x="28451" y="4215772"/>
-                  <a:pt x="-6879" y="3851595"/>
-                  <a:pt x="0" y="3654299"/>
-                </a:cubicBezTo>
-                <a:cubicBezTo>
-                  <a:pt x="6879" y="3457003"/>
-                  <a:pt x="-13361" y="3153430"/>
-                  <a:pt x="0" y="2845332"/>
-                </a:cubicBezTo>
-                <a:cubicBezTo>
-                  <a:pt x="13361" y="2537234"/>
-                  <a:pt x="-16264" y="2440224"/>
-                  <a:pt x="0" y="2315319"/>
-                </a:cubicBezTo>
-                <a:cubicBezTo>
-                  <a:pt x="16264" y="2190414"/>
-                  <a:pt x="-4326" y="1972406"/>
-                  <a:pt x="0" y="1785306"/>
-                </a:cubicBezTo>
-                <a:cubicBezTo>
-                  <a:pt x="4326" y="1598206"/>
-                  <a:pt x="36209" y="1149228"/>
-                  <a:pt x="0" y="976339"/>
-                </a:cubicBezTo>
-                <a:cubicBezTo>
-                  <a:pt x="-36209" y="803450"/>
-                  <a:pt x="-26312" y="313518"/>
-                  <a:pt x="0" y="0"/>
-                </a:cubicBezTo>
-                <a:close/>
-              </a:path>
-              <a:path w="6570918" h="5579082" stroke="0" extrusionOk="0">
-                <a:moveTo>
-                  <a:pt x="0" y="0"/>
-                </a:moveTo>
-                <a:cubicBezTo>
-                  <a:pt x="278313" y="27288"/>
-                  <a:pt x="431280" y="2299"/>
-                  <a:pt x="591383" y="0"/>
-                </a:cubicBezTo>
-                <a:cubicBezTo>
-                  <a:pt x="751486" y="-2299"/>
-                  <a:pt x="864229" y="-10501"/>
-                  <a:pt x="1051347" y="0"/>
-                </a:cubicBezTo>
-                <a:cubicBezTo>
-                  <a:pt x="1238465" y="10501"/>
-                  <a:pt x="1656622" y="-8810"/>
-                  <a:pt x="1839857" y="0"/>
-                </a:cubicBezTo>
-                <a:cubicBezTo>
-                  <a:pt x="2023092" y="8810"/>
-                  <a:pt x="2169087" y="15350"/>
-                  <a:pt x="2431240" y="0"/>
-                </a:cubicBezTo>
-                <a:cubicBezTo>
-                  <a:pt x="2693393" y="-15350"/>
-                  <a:pt x="2900257" y="27267"/>
-                  <a:pt x="3022622" y="0"/>
-                </a:cubicBezTo>
-                <a:cubicBezTo>
-                  <a:pt x="3144987" y="-27267"/>
-                  <a:pt x="3447181" y="14689"/>
-                  <a:pt x="3811132" y="0"/>
-                </a:cubicBezTo>
-                <a:cubicBezTo>
-                  <a:pt x="4175083" y="-14689"/>
-                  <a:pt x="4141184" y="1416"/>
-                  <a:pt x="4336806" y="0"/>
-                </a:cubicBezTo>
-                <a:cubicBezTo>
-                  <a:pt x="4532428" y="-1416"/>
-                  <a:pt x="4953156" y="21134"/>
-                  <a:pt x="5125316" y="0"/>
-                </a:cubicBezTo>
-                <a:cubicBezTo>
-                  <a:pt x="5297476" y="-21134"/>
-                  <a:pt x="5588322" y="-4504"/>
-                  <a:pt x="5913826" y="0"/>
-                </a:cubicBezTo>
-                <a:cubicBezTo>
-                  <a:pt x="6239330" y="4504"/>
-                  <a:pt x="6420523" y="-5260"/>
-                  <a:pt x="6570918" y="0"/>
-                </a:cubicBezTo>
-                <a:cubicBezTo>
-                  <a:pt x="6591445" y="372376"/>
-                  <a:pt x="6574842" y="632430"/>
-                  <a:pt x="6570918" y="808967"/>
-                </a:cubicBezTo>
-                <a:cubicBezTo>
-                  <a:pt x="6566994" y="985504"/>
-                  <a:pt x="6590171" y="1307889"/>
-                  <a:pt x="6570918" y="1562143"/>
-                </a:cubicBezTo>
-                <a:cubicBezTo>
-                  <a:pt x="6551665" y="1816397"/>
-                  <a:pt x="6555438" y="1963128"/>
-                  <a:pt x="6570918" y="2092156"/>
-                </a:cubicBezTo>
-                <a:cubicBezTo>
-                  <a:pt x="6586398" y="2221184"/>
-                  <a:pt x="6566210" y="2620933"/>
-                  <a:pt x="6570918" y="2789541"/>
-                </a:cubicBezTo>
-                <a:cubicBezTo>
-                  <a:pt x="6575626" y="2958149"/>
-                  <a:pt x="6544837" y="3183433"/>
-                  <a:pt x="6570918" y="3486926"/>
-                </a:cubicBezTo>
-                <a:cubicBezTo>
-                  <a:pt x="6596999" y="3790419"/>
-                  <a:pt x="6605308" y="3845885"/>
-                  <a:pt x="6570918" y="4184312"/>
-                </a:cubicBezTo>
-                <a:cubicBezTo>
-                  <a:pt x="6536528" y="4522739"/>
-                  <a:pt x="6608082" y="4624099"/>
-                  <a:pt x="6570918" y="4937488"/>
-                </a:cubicBezTo>
-                <a:cubicBezTo>
-                  <a:pt x="6533754" y="5250877"/>
-                  <a:pt x="6586964" y="5431073"/>
-                  <a:pt x="6570918" y="5579082"/>
-                </a:cubicBezTo>
-                <a:cubicBezTo>
-                  <a:pt x="6289892" y="5586213"/>
-                  <a:pt x="6205354" y="5547724"/>
-                  <a:pt x="5848117" y="5579082"/>
-                </a:cubicBezTo>
-                <a:cubicBezTo>
-                  <a:pt x="5490880" y="5610440"/>
-                  <a:pt x="5430172" y="5600685"/>
-                  <a:pt x="5322444" y="5579082"/>
-                </a:cubicBezTo>
-                <a:cubicBezTo>
-                  <a:pt x="5214716" y="5557479"/>
-                  <a:pt x="4791298" y="5604209"/>
-                  <a:pt x="4533933" y="5579082"/>
-                </a:cubicBezTo>
-                <a:cubicBezTo>
-                  <a:pt x="4276568" y="5553955"/>
-                  <a:pt x="4194834" y="5592381"/>
-                  <a:pt x="3876842" y="5579082"/>
-                </a:cubicBezTo>
-                <a:cubicBezTo>
-                  <a:pt x="3558850" y="5565783"/>
-                  <a:pt x="3592122" y="5581860"/>
-                  <a:pt x="3351168" y="5579082"/>
-                </a:cubicBezTo>
-                <a:cubicBezTo>
-                  <a:pt x="3110214" y="5576304"/>
-                  <a:pt x="2934023" y="5584193"/>
-                  <a:pt x="2694076" y="5579082"/>
-                </a:cubicBezTo>
-                <a:cubicBezTo>
-                  <a:pt x="2454129" y="5573971"/>
-                  <a:pt x="2428702" y="5591803"/>
-                  <a:pt x="2234112" y="5579082"/>
-                </a:cubicBezTo>
-                <a:cubicBezTo>
-                  <a:pt x="2039522" y="5566361"/>
-                  <a:pt x="1981009" y="5601189"/>
-                  <a:pt x="1774148" y="5579082"/>
-                </a:cubicBezTo>
-                <a:cubicBezTo>
-                  <a:pt x="1567287" y="5556975"/>
-                  <a:pt x="1275481" y="5606317"/>
-                  <a:pt x="1117056" y="5579082"/>
-                </a:cubicBezTo>
-                <a:cubicBezTo>
-                  <a:pt x="958631" y="5551847"/>
-                  <a:pt x="755477" y="5572254"/>
-                  <a:pt x="591383" y="5579082"/>
-                </a:cubicBezTo>
-                <a:cubicBezTo>
-                  <a:pt x="427289" y="5585910"/>
-                  <a:pt x="187330" y="5591515"/>
-                  <a:pt x="0" y="5579082"/>
-                </a:cubicBezTo>
-                <a:cubicBezTo>
-                  <a:pt x="-26479" y="5461734"/>
-                  <a:pt x="-8007" y="5136203"/>
-                  <a:pt x="0" y="4993278"/>
-                </a:cubicBezTo>
-                <a:cubicBezTo>
-                  <a:pt x="8007" y="4850353"/>
-                  <a:pt x="-866" y="4711104"/>
-                  <a:pt x="0" y="4463266"/>
-                </a:cubicBezTo>
-                <a:cubicBezTo>
-                  <a:pt x="866" y="4215428"/>
-                  <a:pt x="32773" y="4051281"/>
-                  <a:pt x="0" y="3710090"/>
-                </a:cubicBezTo>
-                <a:cubicBezTo>
-                  <a:pt x="-32773" y="3368899"/>
-                  <a:pt x="-4467" y="3247332"/>
-                  <a:pt x="0" y="3124286"/>
-                </a:cubicBezTo>
-                <a:cubicBezTo>
-                  <a:pt x="4467" y="3001240"/>
-                  <a:pt x="-19954" y="2606861"/>
-                  <a:pt x="0" y="2371110"/>
-                </a:cubicBezTo>
-                <a:cubicBezTo>
-                  <a:pt x="19954" y="2135359"/>
-                  <a:pt x="32823" y="1730214"/>
-                  <a:pt x="0" y="1562143"/>
-                </a:cubicBezTo>
-                <a:cubicBezTo>
-                  <a:pt x="-32823" y="1394072"/>
-                  <a:pt x="31174" y="1196398"/>
-                  <a:pt x="0" y="920549"/>
-                </a:cubicBezTo>
-                <a:cubicBezTo>
-                  <a:pt x="-31174" y="644700"/>
-                  <a:pt x="-12315" y="369594"/>
-                  <a:pt x="0" y="0"/>
-                </a:cubicBezTo>
-                <a:close/>
-              </a:path>
-            </a:pathLst>
-          </a:custGeom>
-          <a:solidFill>
-            <a:schemeClr val="tx1"/>
-          </a:solidFill>
-          <a:ln w="95250">
-            <a:solidFill>
-              <a:schemeClr val="tx1"/>
-            </a:solidFill>
-            <a:extLst>
-              <a:ext uri="{C807C97D-BFC1-408E-A445-0C87EB9F89A2}">
-                <ask:lineSketchStyleProps xmlns:ask="http://schemas.microsoft.com/office/drawing/2018/sketchyshapes" sd="1219033472">
-                  <a:prstGeom prst="rect">
-                    <a:avLst/>
-                  </a:prstGeom>
-                  <ask:type>
-                    <ask:lineSketchFreehand/>
-                  </ask:type>
-                </ask:lineSketchStyleProps>
-              </a:ext>
-            </a:extLst>
-          </a:ln>
-        </p:spPr>
-        <p:style>
-          <a:lnRef idx="2">
-            <a:schemeClr val="accent1">
-              <a:shade val="50000"/>
-            </a:schemeClr>
-          </a:lnRef>
-          <a:fillRef idx="1">
-            <a:schemeClr val="accent1"/>
-          </a:fillRef>
-          <a:effectRef idx="0">
-            <a:schemeClr val="accent1"/>
-          </a:effectRef>
-          <a:fontRef idx="minor">
-            <a:schemeClr val="lt1"/>
-          </a:fontRef>
-        </p:style>
-        <p:txBody>
-          <a:bodyPr rtlCol="0" anchor="ctr"/>
-          <a:lstStyle/>
-          <a:p>
-            <a:pPr algn="ctr"/>
-            <a:endParaRPr lang="en-US"/>
-          </a:p>
-        </p:txBody>
-      </p:sp>
-      <p:sp>
-        <p:nvSpPr>
-          <p:cNvPr id="3" name="Content Placeholder 2">
-            <a:extLst>
-              <a:ext uri="{FF2B5EF4-FFF2-40B4-BE49-F238E27FC236}">
-                <a16:creationId xmlns:a16="http://schemas.microsoft.com/office/drawing/2014/main" id="{7E94BF1F-831E-B5D8-F87A-3AA46580E6DC}"/>
-              </a:ext>
-            </a:extLst>
-          </p:cNvPr>
-          <p:cNvSpPr>
-            <a:spLocks noGrp="1"/>
-          </p:cNvSpPr>
-          <p:nvPr>
-            <p:ph idx="1"/>
-          </p:nvPr>
-        </p:nvSpPr>
-        <p:spPr>
-          <a:xfrm>
-            <a:off x="5404104" y="847082"/>
-            <a:ext cx="5946648" cy="4988412"/>
-          </a:xfrm>
-        </p:spPr>
-        <p:txBody>
-          <a:bodyPr>
-            <a:noAutofit/>
-          </a:bodyPr>
-          <a:lstStyle/>
-          <a:p>
-            <a:pPr marL="0" indent="0">
-              <a:buNone/>
-            </a:pPr>
-            <a:r>
-              <a:rPr lang="en-US" sz="4800" b="1" dirty="0">
-                <a:solidFill>
-                  <a:schemeClr val="bg1"/>
-                </a:solidFill>
-              </a:rPr>
-              <a:t>Analyze FAANG stock data from 2012 to 2022. Gain insights into price trends, trading volumes, and market capitalization. Compare performance to the S&amp;P 500 index. Provide investment recommendations based on risk profiles.</a:t>
-            </a:r>
-          </a:p>
-        </p:txBody>
-      </p:sp>
-    </p:spTree>
-    <p:extLst>
-      <p:ext uri="{BB962C8B-B14F-4D97-AF65-F5344CB8AC3E}">
-        <p14:creationId xmlns:p14="http://schemas.microsoft.com/office/powerpoint/2010/main" val="2729688544"/>
-      </p:ext>
-    </p:extLst>
-  </p:cSld>
-  <p:clrMapOvr>
-    <a:overrideClrMapping bg1="dk1" tx1="lt1" bg2="dk2" tx2="lt2" accent1="accent1" accent2="accent2" accent3="accent3" accent4="accent4" accent5="accent5" accent6="accent6" hlink="hlink" folHlink="folHlink"/>
-  </p:clrMapOvr>
-</p:sld>
-</file>
-
 <file path=ppt/slides/slide3.xml><?xml version="1.0" encoding="utf-8"?>
 <p:sld xmlns:a="http://schemas.openxmlformats.org/drawingml/2006/main" xmlns:r="http://schemas.openxmlformats.org/officeDocument/2006/relationships" xmlns:p="http://schemas.openxmlformats.org/presentationml/2006/main">
   <p:cSld>
@@ -22133,7 +24793,7 @@
           <p:nvPr/>
         </p:nvPicPr>
         <p:blipFill rotWithShape="1">
-          <a:blip r:embed="rId2">
+          <a:blip r:embed="rId3">
             <a:alphaModFix amt="50000"/>
           </a:blip>
           <a:srcRect t="1017" b="14714"/>

--- a/PyFAANG Slides.pptx
+++ b/PyFAANG Slides.pptx
@@ -3801,10 +3801,7 @@
           <a:bodyPr/>
           <a:lstStyle/>
           <a:p>
-            <a:r>
-              <a:rPr lang="en-US" dirty="0"/>
-              <a:t>based on risk taking ability</a:t>
-            </a:r>
+            <a:endParaRPr lang="en-US" dirty="0"/>
           </a:p>
         </p:txBody>
       </p:sp>
@@ -3888,14 +3885,6 @@
           <a:bodyPr/>
           <a:lstStyle/>
           <a:p>
-            <a:r>
-              <a:rPr lang="en-US" dirty="0"/>
-              <a:t>- point out </a:t>
-            </a:r>
-            <a:r>
-              <a:rPr lang="en-US" dirty="0" err="1"/>
-              <a:t>netflix</a:t>
-            </a:r>
             <a:endParaRPr lang="en-US" dirty="0"/>
           </a:p>
         </p:txBody>
@@ -3982,70 +3971,6 @@
           <a:p>
             <a:endParaRPr lang="en-US" dirty="0"/>
           </a:p>
-          <a:p>
-            <a:r>
-              <a:rPr lang="en-US" dirty="0"/>
-              <a:t>To calculate the market cap, we used the outstanding share data multiply by the stock price.</a:t>
-            </a:r>
-          </a:p>
-          <a:p>
-            <a:endParaRPr lang="en-US" dirty="0"/>
-          </a:p>
-          <a:p>
-            <a:r>
-              <a:rPr lang="en-US" dirty="0"/>
-              <a:t>we </a:t>
-            </a:r>
-            <a:r>
-              <a:rPr lang="en-US" dirty="0" err="1"/>
-              <a:t>wanna</a:t>
-            </a:r>
-            <a:r>
-              <a:rPr lang="en-US" dirty="0"/>
-              <a:t> compare the market cap </a:t>
-            </a:r>
-            <a:r>
-              <a:rPr lang="en-US" dirty="0" err="1"/>
-              <a:t>cahnge</a:t>
-            </a:r>
-            <a:r>
-              <a:rPr lang="en-US" dirty="0"/>
-              <a:t> among 3 different time period which are pre-covid, during covid and </a:t>
-            </a:r>
-            <a:r>
-              <a:rPr lang="en-US" dirty="0" err="1"/>
-              <a:t>pst</a:t>
-            </a:r>
-            <a:r>
-              <a:rPr lang="en-US" dirty="0"/>
-              <a:t>-covid. </a:t>
-            </a:r>
-          </a:p>
-          <a:p>
-            <a:endParaRPr lang="en-US" dirty="0"/>
-          </a:p>
-          <a:p>
-            <a:r>
-              <a:rPr lang="en-US" dirty="0"/>
-              <a:t>Since </a:t>
-            </a:r>
-            <a:r>
-              <a:rPr lang="en-US" dirty="0" err="1"/>
-              <a:t>th</a:t>
-            </a:r>
-            <a:r>
-              <a:rPr lang="en-US" dirty="0"/>
-              <a:t> yahoo-finance build-in library doesn’t provide market cap data for the certain period. I decided to use </a:t>
-            </a:r>
-            <a:r>
-              <a:rPr lang="en-US" dirty="0" err="1"/>
-              <a:t>api</a:t>
-            </a:r>
-            <a:r>
-              <a:rPr lang="en-US" dirty="0"/>
-              <a:t> and dictionary to parse out the data and put into a pandas data frame</a:t>
-            </a:r>
-          </a:p>
         </p:txBody>
       </p:sp>
       <p:sp>
@@ -4128,18 +4053,7 @@
           <a:bodyPr/>
           <a:lstStyle/>
           <a:p>
-            <a:r>
-              <a:rPr lang="en-US" dirty="0"/>
-              <a:t>- casting data type into integer </a:t>
-            </a:r>
-            <a:r>
-              <a:rPr lang="en-US" dirty="0" err="1"/>
-              <a:t>fro</a:t>
-            </a:r>
-            <a:r>
-              <a:rPr lang="en-US" dirty="0"/>
-              <a:t> data formatting and consistency </a:t>
-            </a:r>
+            <a:endParaRPr lang="en-US" dirty="0"/>
           </a:p>
         </p:txBody>
       </p:sp>
@@ -4222,54 +4136,6 @@
         <p:txBody>
           <a:bodyPr/>
           <a:lstStyle/>
-          <a:p>
-            <a:r>
-              <a:rPr lang="en-US" dirty="0"/>
-              <a:t>- we can see that during covid </a:t>
-            </a:r>
-            <a:r>
-              <a:rPr lang="en-US" dirty="0" err="1"/>
-              <a:t>netflix</a:t>
-            </a:r>
-            <a:r>
-              <a:rPr lang="en-US" dirty="0"/>
-              <a:t> holds strong- point out</a:t>
-            </a:r>
-          </a:p>
-          <a:p>
-            <a:r>
-              <a:rPr lang="en-US" dirty="0"/>
-              <a:t>meanwhile other companies more or less got </a:t>
-            </a:r>
-            <a:r>
-              <a:rPr lang="en-US" dirty="0" err="1"/>
-              <a:t>afftected</a:t>
-            </a:r>
-            <a:r>
-              <a:rPr lang="en-US" dirty="0"/>
-              <a:t> by covid</a:t>
-            </a:r>
-          </a:p>
-          <a:p>
-            <a:r>
-              <a:rPr lang="en-US" dirty="0"/>
-              <a:t>- however, </a:t>
-            </a:r>
-            <a:r>
-              <a:rPr lang="en-US" dirty="0" err="1"/>
-              <a:t>anazon</a:t>
-            </a:r>
-            <a:r>
-              <a:rPr lang="en-US" dirty="0"/>
-              <a:t> google and apple stage</a:t>
-            </a:r>
-          </a:p>
-          <a:p>
-            <a:r>
-              <a:rPr lang="en-US" dirty="0"/>
-              <a:t>- might because of compensatory consumption</a:t>
-            </a:r>
-          </a:p>
           <a:p>
             <a:endParaRPr lang="en-US" dirty="0"/>
           </a:p>
@@ -4439,10 +4305,7 @@
           <a:bodyPr/>
           <a:lstStyle/>
           <a:p>
-            <a:r>
-              <a:rPr lang="en-US" dirty="0"/>
-              <a:t>However, Netflix showed a remarkable increase from 2018 to 2021, outperform the US total market. In 2022, the stock price began to decline, indicating mean reversion.</a:t>
-            </a:r>
+            <a:endParaRPr lang="en-US" dirty="0"/>
           </a:p>
         </p:txBody>
       </p:sp>
@@ -4526,28 +4389,7 @@
           <a:bodyPr/>
           <a:lstStyle/>
           <a:p>
-            <a:r>
-              <a:rPr lang="en-US" dirty="0"/>
-              <a:t>the is a pairwise correlation heatmap of FAANG company and sp500 stock price. </a:t>
-            </a:r>
-          </a:p>
-          <a:p>
             <a:endParaRPr lang="en-US" dirty="0"/>
-          </a:p>
-          <a:p>
-            <a:r>
-              <a:rPr lang="en-US" dirty="0"/>
-              <a:t>since FAANG company are part of the S&amp;P 500 index, here we use the correlation heat map to disentangle the effect of FAANG company on the S&amp;P 500 index and also the correlation among them.</a:t>
-            </a:r>
-          </a:p>
-          <a:p>
-            <a:endParaRPr lang="en-US" dirty="0"/>
-          </a:p>
-          <a:p>
-            <a:r>
-              <a:rPr lang="en-US" dirty="0"/>
-              <a:t>from this plot we can see that they are closely correlated to each other.</a:t>
-            </a:r>
           </a:p>
         </p:txBody>
       </p:sp>
@@ -4631,18 +4473,7 @@
           <a:bodyPr/>
           <a:lstStyle/>
           <a:p>
-            <a:r>
-              <a:rPr lang="en-US" dirty="0"/>
-              <a:t>in summary, based on all the data </a:t>
-            </a:r>
-            <a:r>
-              <a:rPr lang="en-US" dirty="0" err="1"/>
-              <a:t>i</a:t>
-            </a:r>
-            <a:r>
-              <a:rPr lang="en-US" dirty="0"/>
-              <a:t> mentioned above, we can conclude that first, </a:t>
-            </a:r>
+            <a:endParaRPr lang="en-US" dirty="0"/>
           </a:p>
         </p:txBody>
       </p:sp>
@@ -4726,64 +4557,6 @@
           <a:bodyPr/>
           <a:lstStyle/>
           <a:p>
-            <a:r>
-              <a:rPr lang="en-US" b="0" i="0" dirty="0">
-                <a:solidFill>
-                  <a:srgbClr val="D1D5DB"/>
-                </a:solidFill>
-                <a:effectLst/>
-                <a:latin typeface="Söhne"/>
-              </a:rPr>
-              <a:t>The future work of this project can be</a:t>
-            </a:r>
-          </a:p>
-          <a:p>
-            <a:r>
-              <a:rPr lang="en-US" b="0" i="0" dirty="0">
-                <a:solidFill>
-                  <a:srgbClr val="D1D5DB"/>
-                </a:solidFill>
-                <a:effectLst/>
-                <a:latin typeface="Söhne"/>
-              </a:rPr>
-              <a:t>Common algorithms include</a:t>
-            </a:r>
-          </a:p>
-          <a:p>
-            <a:r>
-              <a:rPr lang="en-US" b="0" i="0" dirty="0">
-                <a:solidFill>
-                  <a:srgbClr val="D1D5DB"/>
-                </a:solidFill>
-                <a:effectLst/>
-                <a:latin typeface="Söhne"/>
-              </a:rPr>
-              <a:t>Linear Regression, </a:t>
-            </a:r>
-          </a:p>
-          <a:p>
-            <a:r>
-              <a:rPr lang="en-US" b="0" i="0" dirty="0">
-                <a:solidFill>
-                  <a:srgbClr val="D1D5DB"/>
-                </a:solidFill>
-                <a:effectLst/>
-                <a:latin typeface="Söhne"/>
-              </a:rPr>
-              <a:t>Time series models like ARIMA stands for Autoregressive integrated moving average</a:t>
-            </a:r>
-          </a:p>
-          <a:p>
-            <a:r>
-              <a:rPr lang="en-US" b="0" i="0" dirty="0">
-                <a:solidFill>
-                  <a:srgbClr val="D1D5DB"/>
-                </a:solidFill>
-                <a:effectLst/>
-                <a:latin typeface="Söhne"/>
-              </a:rPr>
-              <a:t>and LSTM stands for Long Short-Term Memory networks.</a:t>
-            </a:r>
             <a:endParaRPr lang="en-US" dirty="0"/>
           </a:p>
         </p:txBody>
@@ -4815,6 +4588,90 @@
     <p:extLst>
       <p:ext uri="{BB962C8B-B14F-4D97-AF65-F5344CB8AC3E}">
         <p14:creationId xmlns:p14="http://schemas.microsoft.com/office/powerpoint/2010/main" val="68385255"/>
+      </p:ext>
+    </p:extLst>
+  </p:cSld>
+  <p:clrMapOvr>
+    <a:masterClrMapping/>
+  </p:clrMapOvr>
+</p:notes>
+</file>
+
+<file path=ppt/notesSlides/notesSlide19.xml><?xml version="1.0" encoding="utf-8"?>
+<p:notes xmlns:a="http://schemas.openxmlformats.org/drawingml/2006/main" xmlns:r="http://schemas.openxmlformats.org/officeDocument/2006/relationships" xmlns:p="http://schemas.openxmlformats.org/presentationml/2006/main">
+  <p:cSld>
+    <p:spTree>
+      <p:nvGrpSpPr>
+        <p:cNvPr id="1" name=""/>
+        <p:cNvGrpSpPr/>
+        <p:nvPr/>
+      </p:nvGrpSpPr>
+      <p:grpSpPr>
+        <a:xfrm>
+          <a:off x="0" y="0"/>
+          <a:ext cx="0" cy="0"/>
+          <a:chOff x="0" y="0"/>
+          <a:chExt cx="0" cy="0"/>
+        </a:xfrm>
+      </p:grpSpPr>
+      <p:sp>
+        <p:nvSpPr>
+          <p:cNvPr id="2" name="Slide Image Placeholder 1"/>
+          <p:cNvSpPr>
+            <a:spLocks noGrp="1" noRot="1" noChangeAspect="1"/>
+          </p:cNvSpPr>
+          <p:nvPr>
+            <p:ph type="sldImg"/>
+          </p:nvPr>
+        </p:nvSpPr>
+        <p:spPr/>
+      </p:sp>
+      <p:sp>
+        <p:nvSpPr>
+          <p:cNvPr id="3" name="Notes Placeholder 2"/>
+          <p:cNvSpPr>
+            <a:spLocks noGrp="1"/>
+          </p:cNvSpPr>
+          <p:nvPr>
+            <p:ph type="body" idx="1"/>
+          </p:nvPr>
+        </p:nvSpPr>
+        <p:spPr/>
+        <p:txBody>
+          <a:bodyPr/>
+          <a:lstStyle/>
+          <a:p>
+            <a:endParaRPr lang="en-US" dirty="0"/>
+          </a:p>
+        </p:txBody>
+      </p:sp>
+      <p:sp>
+        <p:nvSpPr>
+          <p:cNvPr id="4" name="Slide Number Placeholder 3"/>
+          <p:cNvSpPr>
+            <a:spLocks noGrp="1"/>
+          </p:cNvSpPr>
+          <p:nvPr>
+            <p:ph type="sldNum" sz="quarter" idx="5"/>
+          </p:nvPr>
+        </p:nvSpPr>
+        <p:spPr/>
+        <p:txBody>
+          <a:bodyPr/>
+          <a:lstStyle/>
+          <a:p>
+            <a:fld id="{8EFDE9E4-1236-D24B-A118-9F0833B0F237}" type="slidenum">
+              <a:rPr lang="en-US" smtClean="0"/>
+              <a:t>21</a:t>
+            </a:fld>
+            <a:endParaRPr lang="en-US"/>
+          </a:p>
+        </p:txBody>
+      </p:sp>
+    </p:spTree>
+    <p:extLst>
+      <p:ext uri="{BB962C8B-B14F-4D97-AF65-F5344CB8AC3E}">
+        <p14:creationId xmlns:p14="http://schemas.microsoft.com/office/powerpoint/2010/main" val="581095349"/>
       </p:ext>
     </p:extLst>
   </p:cSld>
@@ -4868,34 +4725,7 @@
           <a:bodyPr/>
           <a:lstStyle/>
           <a:p>
-            <a:r>
-              <a:rPr lang="en-US" dirty="0"/>
-              <a:t>A Yahoo finance </a:t>
-            </a:r>
-            <a:r>
-              <a:rPr lang="en-US" dirty="0" err="1"/>
-              <a:t>bulit</a:t>
-            </a:r>
-            <a:r>
-              <a:rPr lang="en-US" dirty="0"/>
-              <a:t>-in library to </a:t>
-            </a:r>
-            <a:r>
-              <a:rPr lang="en-US" dirty="0" err="1"/>
-              <a:t>retrive</a:t>
-            </a:r>
-            <a:r>
-              <a:rPr lang="en-US" dirty="0"/>
-              <a:t> up-</a:t>
-            </a:r>
-            <a:r>
-              <a:rPr lang="en-US" dirty="0" err="1"/>
-              <a:t>tp</a:t>
-            </a:r>
-            <a:r>
-              <a:rPr lang="en-US" dirty="0"/>
-              <a:t>-date stock data</a:t>
-            </a:r>
+            <a:endParaRPr lang="en-US" dirty="0"/>
           </a:p>
         </p:txBody>
       </p:sp>
@@ -4983,72 +4813,13 @@
               <a:buFontTx/>
               <a:buChar char="-"/>
             </a:pPr>
-            <a:r>
-              <a:rPr lang="en-US" b="0" i="0" dirty="0">
-                <a:solidFill>
-                  <a:srgbClr val="D1D5DB"/>
-                </a:solidFill>
-                <a:effectLst/>
-                <a:latin typeface="Söhne"/>
-              </a:rPr>
-              <a:t>we </a:t>
-            </a:r>
-            <a:r>
-              <a:rPr lang="en-US" b="0" i="0" dirty="0" err="1">
-                <a:solidFill>
-                  <a:srgbClr val="D1D5DB"/>
-                </a:solidFill>
-                <a:effectLst/>
-                <a:latin typeface="Söhne"/>
-              </a:rPr>
-              <a:t>gonna</a:t>
-            </a:r>
-            <a:r>
-              <a:rPr lang="en-US" b="0" i="0" dirty="0">
-                <a:solidFill>
-                  <a:srgbClr val="D1D5DB"/>
-                </a:solidFill>
-                <a:effectLst/>
-                <a:latin typeface="Söhne"/>
-              </a:rPr>
-              <a:t> use </a:t>
-            </a:r>
-            <a:r>
-              <a:rPr lang="en-US" b="0" i="0" dirty="0" err="1">
-                <a:solidFill>
-                  <a:srgbClr val="D1D5DB"/>
-                </a:solidFill>
-                <a:effectLst/>
-                <a:latin typeface="Söhne"/>
-              </a:rPr>
-              <a:t>sdjclose</a:t>
-            </a:r>
-            <a:r>
-              <a:rPr lang="en-US" b="0" i="0" dirty="0">
-                <a:solidFill>
-                  <a:srgbClr val="D1D5DB"/>
-                </a:solidFill>
-                <a:effectLst/>
-                <a:latin typeface="Söhne"/>
-              </a:rPr>
-              <a:t> price for better reference since it accounting for stock splits, dividends, and other corporate actions. </a:t>
-            </a:r>
-          </a:p>
-          <a:p>
-            <a:pPr marL="171450" indent="-171450">
-              <a:buFontTx/>
-              <a:buChar char="-"/>
-            </a:pPr>
-            <a:r>
-              <a:rPr lang="en-US" b="0" i="0" dirty="0">
-                <a:solidFill>
-                  <a:srgbClr val="D1D5DB"/>
-                </a:solidFill>
-                <a:effectLst/>
-                <a:latin typeface="Söhne"/>
-              </a:rPr>
-              <a:t>When requesting the data from the built-in library, I asked for monthly basis interval to perform data cleaning and manipulation. </a:t>
-            </a:r>
+            <a:endParaRPr lang="en-US" b="0" i="0" dirty="0">
+              <a:solidFill>
+                <a:srgbClr val="D1D5DB"/>
+              </a:solidFill>
+              <a:effectLst/>
+              <a:latin typeface="Söhne"/>
+            </a:endParaRPr>
           </a:p>
         </p:txBody>
       </p:sp>
@@ -5132,10 +4903,7 @@
           <a:bodyPr/>
           <a:lstStyle/>
           <a:p>
-            <a:r>
-              <a:rPr lang="en-US" dirty="0"/>
-              <a:t>the 10-year period</a:t>
-            </a:r>
+            <a:endParaRPr lang="en-US" dirty="0"/>
           </a:p>
         </p:txBody>
       </p:sp>
@@ -5223,32 +4991,6 @@
               <a:buFontTx/>
               <a:buChar char="-"/>
             </a:pPr>
-            <a:r>
-              <a:rPr lang="en-US" b="0" i="0" dirty="0">
-                <a:solidFill>
-                  <a:srgbClr val="000000"/>
-                </a:solidFill>
-                <a:effectLst/>
-                <a:latin typeface="Helvetica Neue" panose="02000503000000020004" pitchFamily="2" charset="0"/>
-              </a:rPr>
-              <a:t>combine with the previous slide we can see that the stock prices was in the uprising trend while the trading volumes were going down before 2020, indicating that the company is doing very well and the shareholders have less tendency to sell their stocks.</a:t>
-            </a:r>
-          </a:p>
-          <a:p>
-            <a:pPr marL="171450" indent="-171450">
-              <a:buFontTx/>
-              <a:buChar char="-"/>
-            </a:pPr>
-            <a:r>
-              <a:rPr lang="en-US" b="0" i="0" dirty="0">
-                <a:solidFill>
-                  <a:srgbClr val="000000"/>
-                </a:solidFill>
-                <a:effectLst/>
-                <a:latin typeface="Helvetica Neue" panose="02000503000000020004" pitchFamily="2" charset="0"/>
-              </a:rPr>
-              <a:t>Now, let's dive deeper into the dataset to see why there is an opposite trend in both matrix</a:t>
-            </a:r>
             <a:endParaRPr lang="en-US" dirty="0"/>
           </a:p>
         </p:txBody>
@@ -5333,18 +5075,7 @@
           <a:bodyPr/>
           <a:lstStyle/>
           <a:p>
-            <a:r>
-              <a:rPr lang="en-US" dirty="0"/>
-              <a:t>first  </a:t>
-            </a:r>
-            <a:r>
-              <a:rPr lang="en-US" dirty="0" err="1"/>
-              <a:t>thats</a:t>
-            </a:r>
-            <a:r>
-              <a:rPr lang="en-US" dirty="0"/>
-              <a:t> take a look at the impact of covid </a:t>
-            </a:r>
+            <a:endParaRPr lang="en-US" dirty="0"/>
           </a:p>
         </p:txBody>
       </p:sp>
@@ -5512,18 +5243,7 @@
           <a:bodyPr/>
           <a:lstStyle/>
           <a:p>
-            <a:r>
-              <a:rPr lang="en-US" dirty="0"/>
-              <a:t>since its a shorter period of time compare to the 10-year interval, </a:t>
-            </a:r>
-            <a:r>
-              <a:rPr lang="en-US" dirty="0" err="1"/>
-              <a:t>i</a:t>
-            </a:r>
-            <a:r>
-              <a:rPr lang="en-US" dirty="0"/>
-              <a:t> used data on daily basis to get a better understanding of the market.</a:t>
-            </a:r>
+            <a:endParaRPr lang="en-US" dirty="0"/>
           </a:p>
         </p:txBody>
       </p:sp>
@@ -5607,19 +5327,7 @@
           <a:bodyPr/>
           <a:lstStyle/>
           <a:p>
-            <a:r>
-              <a:rPr lang="en-US" dirty="0"/>
-              <a:t>Resample the data into monthly basis for clear visualization</a:t>
-            </a:r>
-          </a:p>
-          <a:p>
             <a:endParaRPr lang="en-US" dirty="0"/>
-          </a:p>
-          <a:p>
-            <a:r>
-              <a:rPr lang="en-US" dirty="0"/>
-              <a:t>the bar graph represents the trending volume, and the line graph represents the prices trend for each company.</a:t>
-            </a:r>
           </a:p>
         </p:txBody>
       </p:sp>
@@ -24098,7 +23806,7 @@
           <p:nvPr/>
         </p:nvPicPr>
         <p:blipFill rotWithShape="1">
-          <a:blip r:embed="rId2">
+          <a:blip r:embed="rId3">
             <a:alphaModFix/>
           </a:blip>
           <a:srcRect t="1896" r="-1" b="13813"/>
